--- a/Diapo_presentation.pptx
+++ b/Diapo_presentation.pptx
@@ -128,2980 +128,6 @@
     </p:extLst>
   </p:cmAuthor>
 </p:cmAuthorLst>
-</file>
-
-<file path=ppt/diagrams/colors1.xml><?xml version="1.0" encoding="utf-8"?>
-<dgm:colorsDef xmlns:dgm="http://schemas.openxmlformats.org/drawingml/2006/diagram" xmlns:a="http://schemas.openxmlformats.org/drawingml/2006/main" uniqueId="urn:microsoft.com/office/officeart/2005/8/colors/accent1_2">
-  <dgm:title val=""/>
-  <dgm:desc val=""/>
-  <dgm:catLst>
-    <dgm:cat type="accent1" pri="11200"/>
-  </dgm:catLst>
-  <dgm:styleLbl name="node0">
-    <dgm:fillClrLst meth="repeat">
-      <a:schemeClr val="accent1"/>
-    </dgm:fillClrLst>
-    <dgm:linClrLst meth="repeat">
-      <a:schemeClr val="lt1"/>
-    </dgm:linClrLst>
-    <dgm:effectClrLst/>
-    <dgm:txLinClrLst/>
-    <dgm:txFillClrLst/>
-    <dgm:txEffectClrLst/>
-  </dgm:styleLbl>
-  <dgm:styleLbl name="alignNode1">
-    <dgm:fillClrLst meth="repeat">
-      <a:schemeClr val="accent1"/>
-    </dgm:fillClrLst>
-    <dgm:linClrLst meth="repeat">
-      <a:schemeClr val="accent1"/>
-    </dgm:linClrLst>
-    <dgm:effectClrLst/>
-    <dgm:txLinClrLst/>
-    <dgm:txFillClrLst/>
-    <dgm:txEffectClrLst/>
-  </dgm:styleLbl>
-  <dgm:styleLbl name="node1">
-    <dgm:fillClrLst meth="repeat">
-      <a:schemeClr val="accent1"/>
-    </dgm:fillClrLst>
-    <dgm:linClrLst meth="repeat">
-      <a:schemeClr val="lt1"/>
-    </dgm:linClrLst>
-    <dgm:effectClrLst/>
-    <dgm:txLinClrLst/>
-    <dgm:txFillClrLst/>
-    <dgm:txEffectClrLst/>
-  </dgm:styleLbl>
-  <dgm:styleLbl name="lnNode1">
-    <dgm:fillClrLst meth="repeat">
-      <a:schemeClr val="accent1"/>
-    </dgm:fillClrLst>
-    <dgm:linClrLst meth="repeat">
-      <a:schemeClr val="lt1"/>
-    </dgm:linClrLst>
-    <dgm:effectClrLst/>
-    <dgm:txLinClrLst/>
-    <dgm:txFillClrLst/>
-    <dgm:txEffectClrLst/>
-  </dgm:styleLbl>
-  <dgm:styleLbl name="vennNode1">
-    <dgm:fillClrLst meth="repeat">
-      <a:schemeClr val="accent1">
-        <a:alpha val="50000"/>
-      </a:schemeClr>
-    </dgm:fillClrLst>
-    <dgm:linClrLst meth="repeat">
-      <a:schemeClr val="lt1"/>
-    </dgm:linClrLst>
-    <dgm:effectClrLst/>
-    <dgm:txLinClrLst/>
-    <dgm:txFillClrLst/>
-    <dgm:txEffectClrLst/>
-  </dgm:styleLbl>
-  <dgm:styleLbl name="node2">
-    <dgm:fillClrLst meth="repeat">
-      <a:schemeClr val="accent1"/>
-    </dgm:fillClrLst>
-    <dgm:linClrLst meth="repeat">
-      <a:schemeClr val="lt1"/>
-    </dgm:linClrLst>
-    <dgm:effectClrLst/>
-    <dgm:txLinClrLst/>
-    <dgm:txFillClrLst/>
-    <dgm:txEffectClrLst/>
-  </dgm:styleLbl>
-  <dgm:styleLbl name="node3">
-    <dgm:fillClrLst meth="repeat">
-      <a:schemeClr val="accent1"/>
-    </dgm:fillClrLst>
-    <dgm:linClrLst meth="repeat">
-      <a:schemeClr val="lt1"/>
-    </dgm:linClrLst>
-    <dgm:effectClrLst/>
-    <dgm:txLinClrLst/>
-    <dgm:txFillClrLst/>
-    <dgm:txEffectClrLst/>
-  </dgm:styleLbl>
-  <dgm:styleLbl name="node4">
-    <dgm:fillClrLst meth="repeat">
-      <a:schemeClr val="accent1"/>
-    </dgm:fillClrLst>
-    <dgm:linClrLst meth="repeat">
-      <a:schemeClr val="lt1"/>
-    </dgm:linClrLst>
-    <dgm:effectClrLst/>
-    <dgm:txLinClrLst/>
-    <dgm:txFillClrLst/>
-    <dgm:txEffectClrLst/>
-  </dgm:styleLbl>
-  <dgm:styleLbl name="fgImgPlace1">
-    <dgm:fillClrLst meth="repeat">
-      <a:schemeClr val="accent1">
-        <a:tint val="50000"/>
-      </a:schemeClr>
-    </dgm:fillClrLst>
-    <dgm:linClrLst meth="repeat">
-      <a:schemeClr val="lt1"/>
-    </dgm:linClrLst>
-    <dgm:effectClrLst/>
-    <dgm:txLinClrLst/>
-    <dgm:txFillClrLst meth="repeat">
-      <a:schemeClr val="lt1"/>
-    </dgm:txFillClrLst>
-    <dgm:txEffectClrLst/>
-  </dgm:styleLbl>
-  <dgm:styleLbl name="alignImgPlace1">
-    <dgm:fillClrLst meth="repeat">
-      <a:schemeClr val="accent1">
-        <a:tint val="50000"/>
-      </a:schemeClr>
-    </dgm:fillClrLst>
-    <dgm:linClrLst meth="repeat">
-      <a:schemeClr val="lt1"/>
-    </dgm:linClrLst>
-    <dgm:effectClrLst/>
-    <dgm:txLinClrLst/>
-    <dgm:txFillClrLst meth="repeat">
-      <a:schemeClr val="lt1"/>
-    </dgm:txFillClrLst>
-    <dgm:txEffectClrLst/>
-  </dgm:styleLbl>
-  <dgm:styleLbl name="bgImgPlace1">
-    <dgm:fillClrLst meth="repeat">
-      <a:schemeClr val="accent1">
-        <a:tint val="50000"/>
-      </a:schemeClr>
-    </dgm:fillClrLst>
-    <dgm:linClrLst meth="repeat">
-      <a:schemeClr val="lt1"/>
-    </dgm:linClrLst>
-    <dgm:effectClrLst/>
-    <dgm:txLinClrLst/>
-    <dgm:txFillClrLst meth="repeat">
-      <a:schemeClr val="lt1"/>
-    </dgm:txFillClrLst>
-    <dgm:txEffectClrLst/>
-  </dgm:styleLbl>
-  <dgm:styleLbl name="sibTrans2D1">
-    <dgm:fillClrLst meth="repeat">
-      <a:schemeClr val="accent1">
-        <a:tint val="60000"/>
-      </a:schemeClr>
-    </dgm:fillClrLst>
-    <dgm:linClrLst meth="repeat">
-      <a:schemeClr val="accent1">
-        <a:tint val="60000"/>
-      </a:schemeClr>
-    </dgm:linClrLst>
-    <dgm:effectClrLst/>
-    <dgm:txLinClrLst/>
-    <dgm:txFillClrLst/>
-    <dgm:txEffectClrLst/>
-  </dgm:styleLbl>
-  <dgm:styleLbl name="fgSibTrans2D1">
-    <dgm:fillClrLst meth="repeat">
-      <a:schemeClr val="accent1">
-        <a:tint val="60000"/>
-      </a:schemeClr>
-    </dgm:fillClrLst>
-    <dgm:linClrLst meth="repeat">
-      <a:schemeClr val="accent1">
-        <a:tint val="60000"/>
-      </a:schemeClr>
-    </dgm:linClrLst>
-    <dgm:effectClrLst/>
-    <dgm:txLinClrLst/>
-    <dgm:txFillClrLst/>
-    <dgm:txEffectClrLst/>
-  </dgm:styleLbl>
-  <dgm:styleLbl name="bgSibTrans2D1">
-    <dgm:fillClrLst meth="repeat">
-      <a:schemeClr val="accent1">
-        <a:tint val="60000"/>
-      </a:schemeClr>
-    </dgm:fillClrLst>
-    <dgm:linClrLst meth="repeat">
-      <a:schemeClr val="accent1">
-        <a:tint val="60000"/>
-      </a:schemeClr>
-    </dgm:linClrLst>
-    <dgm:effectClrLst/>
-    <dgm:txLinClrLst/>
-    <dgm:txFillClrLst/>
-    <dgm:txEffectClrLst/>
-  </dgm:styleLbl>
-  <dgm:styleLbl name="sibTrans1D1">
-    <dgm:fillClrLst meth="repeat">
-      <a:schemeClr val="accent1"/>
-    </dgm:fillClrLst>
-    <dgm:linClrLst meth="repeat">
-      <a:schemeClr val="accent1"/>
-    </dgm:linClrLst>
-    <dgm:effectClrLst/>
-    <dgm:txLinClrLst/>
-    <dgm:txFillClrLst meth="repeat">
-      <a:schemeClr val="tx1"/>
-    </dgm:txFillClrLst>
-    <dgm:txEffectClrLst/>
-  </dgm:styleLbl>
-  <dgm:styleLbl name="callout">
-    <dgm:fillClrLst meth="repeat">
-      <a:schemeClr val="accent1"/>
-    </dgm:fillClrLst>
-    <dgm:linClrLst meth="repeat">
-      <a:schemeClr val="accent1">
-        <a:tint val="50000"/>
-      </a:schemeClr>
-    </dgm:linClrLst>
-    <dgm:effectClrLst/>
-    <dgm:txLinClrLst/>
-    <dgm:txFillClrLst meth="repeat">
-      <a:schemeClr val="tx1"/>
-    </dgm:txFillClrLst>
-    <dgm:txEffectClrLst/>
-  </dgm:styleLbl>
-  <dgm:styleLbl name="asst0">
-    <dgm:fillClrLst meth="repeat">
-      <a:schemeClr val="accent1"/>
-    </dgm:fillClrLst>
-    <dgm:linClrLst meth="repeat">
-      <a:schemeClr val="lt1"/>
-    </dgm:linClrLst>
-    <dgm:effectClrLst/>
-    <dgm:txLinClrLst/>
-    <dgm:txFillClrLst/>
-    <dgm:txEffectClrLst/>
-  </dgm:styleLbl>
-  <dgm:styleLbl name="asst1">
-    <dgm:fillClrLst meth="repeat">
-      <a:schemeClr val="accent1"/>
-    </dgm:fillClrLst>
-    <dgm:linClrLst meth="repeat">
-      <a:schemeClr val="lt1"/>
-    </dgm:linClrLst>
-    <dgm:effectClrLst/>
-    <dgm:txLinClrLst/>
-    <dgm:txFillClrLst/>
-    <dgm:txEffectClrLst/>
-  </dgm:styleLbl>
-  <dgm:styleLbl name="asst2">
-    <dgm:fillClrLst meth="repeat">
-      <a:schemeClr val="accent1"/>
-    </dgm:fillClrLst>
-    <dgm:linClrLst meth="repeat">
-      <a:schemeClr val="lt1"/>
-    </dgm:linClrLst>
-    <dgm:effectClrLst/>
-    <dgm:txLinClrLst/>
-    <dgm:txFillClrLst/>
-    <dgm:txEffectClrLst/>
-  </dgm:styleLbl>
-  <dgm:styleLbl name="asst3">
-    <dgm:fillClrLst meth="repeat">
-      <a:schemeClr val="accent1"/>
-    </dgm:fillClrLst>
-    <dgm:linClrLst meth="repeat">
-      <a:schemeClr val="lt1"/>
-    </dgm:linClrLst>
-    <dgm:effectClrLst/>
-    <dgm:txLinClrLst/>
-    <dgm:txFillClrLst/>
-    <dgm:txEffectClrLst/>
-  </dgm:styleLbl>
-  <dgm:styleLbl name="asst4">
-    <dgm:fillClrLst meth="repeat">
-      <a:schemeClr val="accent1"/>
-    </dgm:fillClrLst>
-    <dgm:linClrLst meth="repeat">
-      <a:schemeClr val="lt1"/>
-    </dgm:linClrLst>
-    <dgm:effectClrLst/>
-    <dgm:txLinClrLst/>
-    <dgm:txFillClrLst/>
-    <dgm:txEffectClrLst/>
-  </dgm:styleLbl>
-  <dgm:styleLbl name="parChTrans2D1">
-    <dgm:fillClrLst meth="repeat">
-      <a:schemeClr val="accent1">
-        <a:tint val="60000"/>
-      </a:schemeClr>
-    </dgm:fillClrLst>
-    <dgm:linClrLst meth="repeat">
-      <a:schemeClr val="accent1">
-        <a:tint val="60000"/>
-      </a:schemeClr>
-    </dgm:linClrLst>
-    <dgm:effectClrLst/>
-    <dgm:txLinClrLst/>
-    <dgm:txFillClrLst meth="repeat">
-      <a:schemeClr val="lt1"/>
-    </dgm:txFillClrLst>
-    <dgm:txEffectClrLst/>
-  </dgm:styleLbl>
-  <dgm:styleLbl name="parChTrans2D2">
-    <dgm:fillClrLst meth="repeat">
-      <a:schemeClr val="accent1"/>
-    </dgm:fillClrLst>
-    <dgm:linClrLst meth="repeat">
-      <a:schemeClr val="accent1"/>
-    </dgm:linClrLst>
-    <dgm:effectClrLst/>
-    <dgm:txLinClrLst/>
-    <dgm:txFillClrLst meth="repeat">
-      <a:schemeClr val="lt1"/>
-    </dgm:txFillClrLst>
-    <dgm:txEffectClrLst/>
-  </dgm:styleLbl>
-  <dgm:styleLbl name="parChTrans2D3">
-    <dgm:fillClrLst meth="repeat">
-      <a:schemeClr val="accent1"/>
-    </dgm:fillClrLst>
-    <dgm:linClrLst meth="repeat">
-      <a:schemeClr val="accent1"/>
-    </dgm:linClrLst>
-    <dgm:effectClrLst/>
-    <dgm:txLinClrLst/>
-    <dgm:txFillClrLst meth="repeat">
-      <a:schemeClr val="lt1"/>
-    </dgm:txFillClrLst>
-    <dgm:txEffectClrLst/>
-  </dgm:styleLbl>
-  <dgm:styleLbl name="parChTrans2D4">
-    <dgm:fillClrLst meth="repeat">
-      <a:schemeClr val="accent1"/>
-    </dgm:fillClrLst>
-    <dgm:linClrLst meth="repeat">
-      <a:schemeClr val="accent1"/>
-    </dgm:linClrLst>
-    <dgm:effectClrLst/>
-    <dgm:txLinClrLst/>
-    <dgm:txFillClrLst meth="repeat">
-      <a:schemeClr val="lt1"/>
-    </dgm:txFillClrLst>
-    <dgm:txEffectClrLst/>
-  </dgm:styleLbl>
-  <dgm:styleLbl name="parChTrans1D1">
-    <dgm:fillClrLst meth="repeat">
-      <a:schemeClr val="accent1"/>
-    </dgm:fillClrLst>
-    <dgm:linClrLst meth="repeat">
-      <a:schemeClr val="accent1">
-        <a:shade val="60000"/>
-      </a:schemeClr>
-    </dgm:linClrLst>
-    <dgm:effectClrLst/>
-    <dgm:txLinClrLst/>
-    <dgm:txFillClrLst meth="repeat">
-      <a:schemeClr val="tx1"/>
-    </dgm:txFillClrLst>
-    <dgm:txEffectClrLst/>
-  </dgm:styleLbl>
-  <dgm:styleLbl name="parChTrans1D2">
-    <dgm:fillClrLst meth="repeat">
-      <a:schemeClr val="accent1"/>
-    </dgm:fillClrLst>
-    <dgm:linClrLst meth="repeat">
-      <a:schemeClr val="accent1">
-        <a:shade val="60000"/>
-      </a:schemeClr>
-    </dgm:linClrLst>
-    <dgm:effectClrLst/>
-    <dgm:txLinClrLst/>
-    <dgm:txFillClrLst meth="repeat">
-      <a:schemeClr val="tx1"/>
-    </dgm:txFillClrLst>
-    <dgm:txEffectClrLst/>
-  </dgm:styleLbl>
-  <dgm:styleLbl name="parChTrans1D3">
-    <dgm:fillClrLst meth="repeat">
-      <a:schemeClr val="accent1"/>
-    </dgm:fillClrLst>
-    <dgm:linClrLst meth="repeat">
-      <a:schemeClr val="accent1">
-        <a:shade val="80000"/>
-      </a:schemeClr>
-    </dgm:linClrLst>
-    <dgm:effectClrLst/>
-    <dgm:txLinClrLst/>
-    <dgm:txFillClrLst meth="repeat">
-      <a:schemeClr val="tx1"/>
-    </dgm:txFillClrLst>
-    <dgm:txEffectClrLst/>
-  </dgm:styleLbl>
-  <dgm:styleLbl name="parChTrans1D4">
-    <dgm:fillClrLst meth="repeat">
-      <a:schemeClr val="accent1"/>
-    </dgm:fillClrLst>
-    <dgm:linClrLst meth="repeat">
-      <a:schemeClr val="accent1">
-        <a:shade val="80000"/>
-      </a:schemeClr>
-    </dgm:linClrLst>
-    <dgm:effectClrLst/>
-    <dgm:txLinClrLst/>
-    <dgm:txFillClrLst meth="repeat">
-      <a:schemeClr val="tx1"/>
-    </dgm:txFillClrLst>
-    <dgm:txEffectClrLst/>
-  </dgm:styleLbl>
-  <dgm:styleLbl name="fgAcc1">
-    <dgm:fillClrLst meth="repeat">
-      <a:schemeClr val="lt1">
-        <a:alpha val="90000"/>
-      </a:schemeClr>
-    </dgm:fillClrLst>
-    <dgm:linClrLst meth="repeat">
-      <a:schemeClr val="accent1"/>
-    </dgm:linClrLst>
-    <dgm:effectClrLst/>
-    <dgm:txLinClrLst/>
-    <dgm:txFillClrLst meth="repeat">
-      <a:schemeClr val="dk1"/>
-    </dgm:txFillClrLst>
-    <dgm:txEffectClrLst/>
-  </dgm:styleLbl>
-  <dgm:styleLbl name="conFgAcc1">
-    <dgm:fillClrLst meth="repeat">
-      <a:schemeClr val="lt1">
-        <a:alpha val="90000"/>
-      </a:schemeClr>
-    </dgm:fillClrLst>
-    <dgm:linClrLst meth="repeat">
-      <a:schemeClr val="accent1"/>
-    </dgm:linClrLst>
-    <dgm:effectClrLst/>
-    <dgm:txLinClrLst/>
-    <dgm:txFillClrLst meth="repeat">
-      <a:schemeClr val="dk1"/>
-    </dgm:txFillClrLst>
-    <dgm:txEffectClrLst/>
-  </dgm:styleLbl>
-  <dgm:styleLbl name="alignAcc1">
-    <dgm:fillClrLst meth="repeat">
-      <a:schemeClr val="lt1">
-        <a:alpha val="90000"/>
-      </a:schemeClr>
-    </dgm:fillClrLst>
-    <dgm:linClrLst meth="repeat">
-      <a:schemeClr val="accent1"/>
-    </dgm:linClrLst>
-    <dgm:effectClrLst/>
-    <dgm:txLinClrLst/>
-    <dgm:txFillClrLst meth="repeat">
-      <a:schemeClr val="dk1"/>
-    </dgm:txFillClrLst>
-    <dgm:txEffectClrLst/>
-  </dgm:styleLbl>
-  <dgm:styleLbl name="trAlignAcc1">
-    <dgm:fillClrLst meth="repeat">
-      <a:schemeClr val="lt1">
-        <a:alpha val="40000"/>
-      </a:schemeClr>
-    </dgm:fillClrLst>
-    <dgm:linClrLst meth="repeat">
-      <a:schemeClr val="accent1"/>
-    </dgm:linClrLst>
-    <dgm:effectClrLst/>
-    <dgm:txLinClrLst/>
-    <dgm:txFillClrLst meth="repeat">
-      <a:schemeClr val="dk1"/>
-    </dgm:txFillClrLst>
-    <dgm:txEffectClrLst/>
-  </dgm:styleLbl>
-  <dgm:styleLbl name="bgAcc1">
-    <dgm:fillClrLst meth="repeat">
-      <a:schemeClr val="lt1">
-        <a:alpha val="90000"/>
-      </a:schemeClr>
-    </dgm:fillClrLst>
-    <dgm:linClrLst meth="repeat">
-      <a:schemeClr val="accent1"/>
-    </dgm:linClrLst>
-    <dgm:effectClrLst/>
-    <dgm:txLinClrLst/>
-    <dgm:txFillClrLst meth="repeat">
-      <a:schemeClr val="dk1"/>
-    </dgm:txFillClrLst>
-    <dgm:txEffectClrLst/>
-  </dgm:styleLbl>
-  <dgm:styleLbl name="solidFgAcc1">
-    <dgm:fillClrLst meth="repeat">
-      <a:schemeClr val="lt1"/>
-    </dgm:fillClrLst>
-    <dgm:linClrLst meth="repeat">
-      <a:schemeClr val="accent1"/>
-    </dgm:linClrLst>
-    <dgm:effectClrLst/>
-    <dgm:txLinClrLst/>
-    <dgm:txFillClrLst meth="repeat">
-      <a:schemeClr val="dk1"/>
-    </dgm:txFillClrLst>
-    <dgm:txEffectClrLst/>
-  </dgm:styleLbl>
-  <dgm:styleLbl name="solidAlignAcc1">
-    <dgm:fillClrLst meth="repeat">
-      <a:schemeClr val="lt1"/>
-    </dgm:fillClrLst>
-    <dgm:linClrLst meth="repeat">
-      <a:schemeClr val="accent1"/>
-    </dgm:linClrLst>
-    <dgm:effectClrLst/>
-    <dgm:txLinClrLst/>
-    <dgm:txFillClrLst meth="repeat">
-      <a:schemeClr val="dk1"/>
-    </dgm:txFillClrLst>
-    <dgm:txEffectClrLst/>
-  </dgm:styleLbl>
-  <dgm:styleLbl name="solidBgAcc1">
-    <dgm:fillClrLst meth="repeat">
-      <a:schemeClr val="lt1"/>
-    </dgm:fillClrLst>
-    <dgm:linClrLst meth="repeat">
-      <a:schemeClr val="accent1"/>
-    </dgm:linClrLst>
-    <dgm:effectClrLst/>
-    <dgm:txLinClrLst/>
-    <dgm:txFillClrLst meth="repeat">
-      <a:schemeClr val="dk1"/>
-    </dgm:txFillClrLst>
-    <dgm:txEffectClrLst/>
-  </dgm:styleLbl>
-  <dgm:styleLbl name="fgAccFollowNode1">
-    <dgm:fillClrLst meth="repeat">
-      <a:schemeClr val="accent1">
-        <a:alpha val="90000"/>
-        <a:tint val="40000"/>
-      </a:schemeClr>
-    </dgm:fillClrLst>
-    <dgm:linClrLst meth="repeat">
-      <a:schemeClr val="accent1">
-        <a:alpha val="90000"/>
-        <a:tint val="40000"/>
-      </a:schemeClr>
-    </dgm:linClrLst>
-    <dgm:effectClrLst/>
-    <dgm:txLinClrLst/>
-    <dgm:txFillClrLst meth="repeat">
-      <a:schemeClr val="dk1"/>
-    </dgm:txFillClrLst>
-    <dgm:txEffectClrLst/>
-  </dgm:styleLbl>
-  <dgm:styleLbl name="alignAccFollowNode1">
-    <dgm:fillClrLst meth="repeat">
-      <a:schemeClr val="accent1">
-        <a:alpha val="90000"/>
-        <a:tint val="40000"/>
-      </a:schemeClr>
-    </dgm:fillClrLst>
-    <dgm:linClrLst meth="repeat">
-      <a:schemeClr val="accent1">
-        <a:alpha val="90000"/>
-        <a:tint val="40000"/>
-      </a:schemeClr>
-    </dgm:linClrLst>
-    <dgm:effectClrLst/>
-    <dgm:txLinClrLst/>
-    <dgm:txFillClrLst meth="repeat">
-      <a:schemeClr val="dk1"/>
-    </dgm:txFillClrLst>
-    <dgm:txEffectClrLst/>
-  </dgm:styleLbl>
-  <dgm:styleLbl name="bgAccFollowNode1">
-    <dgm:fillClrLst meth="repeat">
-      <a:schemeClr val="accent1">
-        <a:alpha val="90000"/>
-        <a:tint val="40000"/>
-      </a:schemeClr>
-    </dgm:fillClrLst>
-    <dgm:linClrLst meth="repeat">
-      <a:schemeClr val="accent1">
-        <a:alpha val="90000"/>
-        <a:tint val="40000"/>
-      </a:schemeClr>
-    </dgm:linClrLst>
-    <dgm:effectClrLst/>
-    <dgm:txLinClrLst/>
-    <dgm:txFillClrLst meth="repeat">
-      <a:schemeClr val="dk1"/>
-    </dgm:txFillClrLst>
-    <dgm:txEffectClrLst/>
-  </dgm:styleLbl>
-  <dgm:styleLbl name="fgAcc0">
-    <dgm:fillClrLst meth="repeat">
-      <a:schemeClr val="lt1">
-        <a:alpha val="90000"/>
-      </a:schemeClr>
-    </dgm:fillClrLst>
-    <dgm:linClrLst meth="repeat">
-      <a:schemeClr val="accent1"/>
-    </dgm:linClrLst>
-    <dgm:effectClrLst/>
-    <dgm:txLinClrLst/>
-    <dgm:txFillClrLst meth="repeat">
-      <a:schemeClr val="dk1"/>
-    </dgm:txFillClrLst>
-    <dgm:txEffectClrLst/>
-  </dgm:styleLbl>
-  <dgm:styleLbl name="fgAcc2">
-    <dgm:fillClrLst meth="repeat">
-      <a:schemeClr val="lt1">
-        <a:alpha val="90000"/>
-      </a:schemeClr>
-    </dgm:fillClrLst>
-    <dgm:linClrLst meth="repeat">
-      <a:schemeClr val="accent1"/>
-    </dgm:linClrLst>
-    <dgm:effectClrLst/>
-    <dgm:txLinClrLst/>
-    <dgm:txFillClrLst meth="repeat">
-      <a:schemeClr val="dk1"/>
-    </dgm:txFillClrLst>
-    <dgm:txEffectClrLst/>
-  </dgm:styleLbl>
-  <dgm:styleLbl name="fgAcc3">
-    <dgm:fillClrLst meth="repeat">
-      <a:schemeClr val="lt1">
-        <a:alpha val="90000"/>
-      </a:schemeClr>
-    </dgm:fillClrLst>
-    <dgm:linClrLst meth="repeat">
-      <a:schemeClr val="accent1"/>
-    </dgm:linClrLst>
-    <dgm:effectClrLst/>
-    <dgm:txLinClrLst/>
-    <dgm:txFillClrLst meth="repeat">
-      <a:schemeClr val="dk1"/>
-    </dgm:txFillClrLst>
-    <dgm:txEffectClrLst/>
-  </dgm:styleLbl>
-  <dgm:styleLbl name="fgAcc4">
-    <dgm:fillClrLst meth="repeat">
-      <a:schemeClr val="lt1">
-        <a:alpha val="90000"/>
-      </a:schemeClr>
-    </dgm:fillClrLst>
-    <dgm:linClrLst meth="repeat">
-      <a:schemeClr val="accent1"/>
-    </dgm:linClrLst>
-    <dgm:effectClrLst/>
-    <dgm:txLinClrLst/>
-    <dgm:txFillClrLst meth="repeat">
-      <a:schemeClr val="dk1"/>
-    </dgm:txFillClrLst>
-    <dgm:txEffectClrLst/>
-  </dgm:styleLbl>
-  <dgm:styleLbl name="bgShp">
-    <dgm:fillClrLst meth="repeat">
-      <a:schemeClr val="accent1">
-        <a:tint val="40000"/>
-      </a:schemeClr>
-    </dgm:fillClrLst>
-    <dgm:linClrLst meth="repeat">
-      <a:schemeClr val="accent1"/>
-    </dgm:linClrLst>
-    <dgm:effectClrLst/>
-    <dgm:txLinClrLst/>
-    <dgm:txFillClrLst meth="repeat">
-      <a:schemeClr val="dk1"/>
-    </dgm:txFillClrLst>
-    <dgm:txEffectClrLst/>
-  </dgm:styleLbl>
-  <dgm:styleLbl name="dkBgShp">
-    <dgm:fillClrLst meth="repeat">
-      <a:schemeClr val="accent1">
-        <a:shade val="80000"/>
-      </a:schemeClr>
-    </dgm:fillClrLst>
-    <dgm:linClrLst meth="repeat">
-      <a:schemeClr val="accent1"/>
-    </dgm:linClrLst>
-    <dgm:effectClrLst/>
-    <dgm:txLinClrLst/>
-    <dgm:txFillClrLst meth="repeat">
-      <a:schemeClr val="lt1"/>
-    </dgm:txFillClrLst>
-    <dgm:txEffectClrLst/>
-  </dgm:styleLbl>
-  <dgm:styleLbl name="trBgShp">
-    <dgm:fillClrLst meth="repeat">
-      <a:schemeClr val="accent1">
-        <a:tint val="50000"/>
-        <a:alpha val="40000"/>
-      </a:schemeClr>
-    </dgm:fillClrLst>
-    <dgm:linClrLst meth="repeat">
-      <a:schemeClr val="accent1"/>
-    </dgm:linClrLst>
-    <dgm:effectClrLst/>
-    <dgm:txLinClrLst/>
-    <dgm:txFillClrLst meth="repeat">
-      <a:schemeClr val="lt1"/>
-    </dgm:txFillClrLst>
-    <dgm:txEffectClrLst/>
-  </dgm:styleLbl>
-  <dgm:styleLbl name="fgShp">
-    <dgm:fillClrLst meth="repeat">
-      <a:schemeClr val="accent1">
-        <a:tint val="60000"/>
-      </a:schemeClr>
-    </dgm:fillClrLst>
-    <dgm:linClrLst meth="repeat">
-      <a:schemeClr val="lt1"/>
-    </dgm:linClrLst>
-    <dgm:effectClrLst/>
-    <dgm:txLinClrLst/>
-    <dgm:txFillClrLst meth="repeat">
-      <a:schemeClr val="dk1"/>
-    </dgm:txFillClrLst>
-    <dgm:txEffectClrLst/>
-  </dgm:styleLbl>
-  <dgm:styleLbl name="revTx">
-    <dgm:fillClrLst meth="repeat">
-      <a:schemeClr val="lt1">
-        <a:alpha val="0"/>
-      </a:schemeClr>
-    </dgm:fillClrLst>
-    <dgm:linClrLst meth="repeat">
-      <a:schemeClr val="dk1">
-        <a:alpha val="0"/>
-      </a:schemeClr>
-    </dgm:linClrLst>
-    <dgm:effectClrLst/>
-    <dgm:txLinClrLst/>
-    <dgm:txFillClrLst meth="repeat">
-      <a:schemeClr val="tx1"/>
-    </dgm:txFillClrLst>
-    <dgm:txEffectClrLst/>
-  </dgm:styleLbl>
-</dgm:colorsDef>
-</file>
-
-<file path=ppt/diagrams/data1.xml><?xml version="1.0" encoding="utf-8"?>
-<dgm:dataModel xmlns:dgm="http://schemas.openxmlformats.org/drawingml/2006/diagram" xmlns:a="http://schemas.openxmlformats.org/drawingml/2006/main">
-  <dgm:ptLst>
-    <dgm:pt modelId="{3253007A-BA6D-408E-9713-D9070BCEE035}" type="doc">
-      <dgm:prSet loTypeId="urn:microsoft.com/office/officeart/2005/8/layout/cycle6" loCatId="cycle" qsTypeId="urn:microsoft.com/office/officeart/2005/8/quickstyle/simple1" qsCatId="simple" csTypeId="urn:microsoft.com/office/officeart/2005/8/colors/accent1_2" csCatId="accent1" phldr="1"/>
-      <dgm:spPr/>
-      <dgm:t>
-        <a:bodyPr/>
-        <a:lstStyle/>
-        <a:p>
-          <a:endParaRPr lang="fr-FR"/>
-        </a:p>
-      </dgm:t>
-    </dgm:pt>
-    <dgm:pt modelId="{6C6E451B-5F8C-4A17-992A-F34755C2121C}">
-      <dgm:prSet phldrT="[Texte]"/>
-      <dgm:spPr/>
-      <dgm:t>
-        <a:bodyPr/>
-        <a:lstStyle/>
-        <a:p>
-          <a:r>
-            <a:rPr lang="fr-FR" dirty="0"/>
-            <a:t>Interface d’échange</a:t>
-          </a:r>
-        </a:p>
-      </dgm:t>
-    </dgm:pt>
-    <dgm:pt modelId="{75323FD2-7086-40B4-8D3F-BB4F98195104}" type="parTrans" cxnId="{5E7376F0-E07B-4BBF-9B9A-1B296E548145}">
-      <dgm:prSet/>
-      <dgm:spPr/>
-      <dgm:t>
-        <a:bodyPr/>
-        <a:lstStyle/>
-        <a:p>
-          <a:endParaRPr lang="fr-FR"/>
-        </a:p>
-      </dgm:t>
-    </dgm:pt>
-    <dgm:pt modelId="{0B529A2E-68E7-4388-9277-AF1B586D6237}" type="sibTrans" cxnId="{5E7376F0-E07B-4BBF-9B9A-1B296E548145}">
-      <dgm:prSet/>
-      <dgm:spPr/>
-      <dgm:t>
-        <a:bodyPr/>
-        <a:lstStyle/>
-        <a:p>
-          <a:endParaRPr lang="fr-FR"/>
-        </a:p>
-      </dgm:t>
-    </dgm:pt>
-    <dgm:pt modelId="{839D5E04-38B5-4A35-9B44-23879FC60455}">
-      <dgm:prSet phldrT="[Texte]"/>
-      <dgm:spPr/>
-      <dgm:t>
-        <a:bodyPr/>
-        <a:lstStyle/>
-        <a:p>
-          <a:r>
-            <a:rPr lang="fr-FR" dirty="0"/>
-            <a:t>Centralisation des informations</a:t>
-          </a:r>
-        </a:p>
-      </dgm:t>
-    </dgm:pt>
-    <dgm:pt modelId="{FD82220B-6CD5-43FD-902D-480E84E78A39}" type="parTrans" cxnId="{0CE70CD7-538B-47D4-B65B-B23D76A92D59}">
-      <dgm:prSet/>
-      <dgm:spPr/>
-      <dgm:t>
-        <a:bodyPr/>
-        <a:lstStyle/>
-        <a:p>
-          <a:endParaRPr lang="fr-FR"/>
-        </a:p>
-      </dgm:t>
-    </dgm:pt>
-    <dgm:pt modelId="{694ED1D7-0E28-43C0-87FF-3BF83C07648B}" type="sibTrans" cxnId="{0CE70CD7-538B-47D4-B65B-B23D76A92D59}">
-      <dgm:prSet/>
-      <dgm:spPr/>
-      <dgm:t>
-        <a:bodyPr/>
-        <a:lstStyle/>
-        <a:p>
-          <a:endParaRPr lang="fr-FR"/>
-        </a:p>
-      </dgm:t>
-    </dgm:pt>
-    <dgm:pt modelId="{8044BBE1-BC1B-4438-8BA5-DDA99CECD0E3}">
-      <dgm:prSet phldrT="[Texte]"/>
-      <dgm:spPr/>
-      <dgm:t>
-        <a:bodyPr/>
-        <a:lstStyle/>
-        <a:p>
-          <a:r>
-            <a:rPr lang="fr-FR" dirty="0"/>
-            <a:t>Solution portable</a:t>
-          </a:r>
-        </a:p>
-      </dgm:t>
-    </dgm:pt>
-    <dgm:pt modelId="{1FBDBB2D-A232-4F67-9C91-302CC83461C5}" type="parTrans" cxnId="{53320954-6F56-43F0-9AE2-C55A4772A832}">
-      <dgm:prSet/>
-      <dgm:spPr/>
-      <dgm:t>
-        <a:bodyPr/>
-        <a:lstStyle/>
-        <a:p>
-          <a:endParaRPr lang="fr-FR"/>
-        </a:p>
-      </dgm:t>
-    </dgm:pt>
-    <dgm:pt modelId="{DC60DF24-8C4B-4709-AAFE-AFD7C036FFEE}" type="sibTrans" cxnId="{53320954-6F56-43F0-9AE2-C55A4772A832}">
-      <dgm:prSet/>
-      <dgm:spPr/>
-      <dgm:t>
-        <a:bodyPr/>
-        <a:lstStyle/>
-        <a:p>
-          <a:endParaRPr lang="fr-FR"/>
-        </a:p>
-      </dgm:t>
-    </dgm:pt>
-    <dgm:pt modelId="{99E1CB66-4F80-4860-84EC-743B89BB0CC9}">
-      <dgm:prSet phldrT="[Texte]"/>
-      <dgm:spPr/>
-      <dgm:t>
-        <a:bodyPr/>
-        <a:lstStyle/>
-        <a:p>
-          <a:r>
-            <a:rPr lang="fr-FR" dirty="0"/>
-            <a:t>Evaluation bilatérale de la relation</a:t>
-          </a:r>
-        </a:p>
-      </dgm:t>
-    </dgm:pt>
-    <dgm:pt modelId="{F25B49C5-C416-472F-A810-1C0540D9D35F}" type="parTrans" cxnId="{38D5E833-A10B-418B-9EB5-5E74F41B49DA}">
-      <dgm:prSet/>
-      <dgm:spPr/>
-      <dgm:t>
-        <a:bodyPr/>
-        <a:lstStyle/>
-        <a:p>
-          <a:endParaRPr lang="fr-FR"/>
-        </a:p>
-      </dgm:t>
-    </dgm:pt>
-    <dgm:pt modelId="{21CFE25E-8C0D-4043-BCD9-F2E0F3F3C195}" type="sibTrans" cxnId="{38D5E833-A10B-418B-9EB5-5E74F41B49DA}">
-      <dgm:prSet/>
-      <dgm:spPr/>
-      <dgm:t>
-        <a:bodyPr/>
-        <a:lstStyle/>
-        <a:p>
-          <a:endParaRPr lang="fr-FR"/>
-        </a:p>
-      </dgm:t>
-    </dgm:pt>
-    <dgm:pt modelId="{AAAE6271-7F57-4862-8694-6A96D06D2235}">
-      <dgm:prSet phldrT="[Texte]"/>
-      <dgm:spPr/>
-      <dgm:t>
-        <a:bodyPr/>
-        <a:lstStyle/>
-        <a:p>
-          <a:r>
-            <a:rPr lang="fr-FR" dirty="0"/>
-            <a:t>Responsabiliser les acteurs de la relation</a:t>
-          </a:r>
-        </a:p>
-      </dgm:t>
-    </dgm:pt>
-    <dgm:pt modelId="{CD16607E-EB5F-4318-8B2E-B20BF33BCCF6}" type="parTrans" cxnId="{EA8A2883-30C9-4C30-BDEB-ADAAD0790CE8}">
-      <dgm:prSet/>
-      <dgm:spPr/>
-      <dgm:t>
-        <a:bodyPr/>
-        <a:lstStyle/>
-        <a:p>
-          <a:endParaRPr lang="fr-FR"/>
-        </a:p>
-      </dgm:t>
-    </dgm:pt>
-    <dgm:pt modelId="{32AFCDF4-E9D2-4598-85B5-D1B033C1F6E3}" type="sibTrans" cxnId="{EA8A2883-30C9-4C30-BDEB-ADAAD0790CE8}">
-      <dgm:prSet/>
-      <dgm:spPr/>
-      <dgm:t>
-        <a:bodyPr/>
-        <a:lstStyle/>
-        <a:p>
-          <a:endParaRPr lang="fr-FR"/>
-        </a:p>
-      </dgm:t>
-    </dgm:pt>
-    <dgm:pt modelId="{5C2CFE52-1A37-4096-9703-C947062BE0F0}" type="pres">
-      <dgm:prSet presAssocID="{3253007A-BA6D-408E-9713-D9070BCEE035}" presName="cycle" presStyleCnt="0">
-        <dgm:presLayoutVars>
-          <dgm:dir/>
-          <dgm:resizeHandles val="exact"/>
-        </dgm:presLayoutVars>
-      </dgm:prSet>
-      <dgm:spPr/>
-    </dgm:pt>
-    <dgm:pt modelId="{84144C12-0328-4CEF-901A-E66DC188E2F7}" type="pres">
-      <dgm:prSet presAssocID="{6C6E451B-5F8C-4A17-992A-F34755C2121C}" presName="node" presStyleLbl="node1" presStyleIdx="0" presStyleCnt="5">
-        <dgm:presLayoutVars>
-          <dgm:bulletEnabled val="1"/>
-        </dgm:presLayoutVars>
-      </dgm:prSet>
-      <dgm:spPr/>
-    </dgm:pt>
-    <dgm:pt modelId="{1E7172C0-0DB0-46A1-90BD-E745C0C43779}" type="pres">
-      <dgm:prSet presAssocID="{6C6E451B-5F8C-4A17-992A-F34755C2121C}" presName="spNode" presStyleCnt="0"/>
-      <dgm:spPr/>
-    </dgm:pt>
-    <dgm:pt modelId="{864BA202-862A-4B01-AE81-6087ABC57787}" type="pres">
-      <dgm:prSet presAssocID="{0B529A2E-68E7-4388-9277-AF1B586D6237}" presName="sibTrans" presStyleLbl="sibTrans1D1" presStyleIdx="0" presStyleCnt="5"/>
-      <dgm:spPr/>
-    </dgm:pt>
-    <dgm:pt modelId="{03EF3FFC-5AD2-481F-8565-4CEADE9A9091}" type="pres">
-      <dgm:prSet presAssocID="{839D5E04-38B5-4A35-9B44-23879FC60455}" presName="node" presStyleLbl="node1" presStyleIdx="1" presStyleCnt="5">
-        <dgm:presLayoutVars>
-          <dgm:bulletEnabled val="1"/>
-        </dgm:presLayoutVars>
-      </dgm:prSet>
-      <dgm:spPr/>
-    </dgm:pt>
-    <dgm:pt modelId="{B1A396CE-1E59-47EB-8D28-62BD17277919}" type="pres">
-      <dgm:prSet presAssocID="{839D5E04-38B5-4A35-9B44-23879FC60455}" presName="spNode" presStyleCnt="0"/>
-      <dgm:spPr/>
-    </dgm:pt>
-    <dgm:pt modelId="{AABE21BC-9F18-4289-84FC-24F97C9D7433}" type="pres">
-      <dgm:prSet presAssocID="{694ED1D7-0E28-43C0-87FF-3BF83C07648B}" presName="sibTrans" presStyleLbl="sibTrans1D1" presStyleIdx="1" presStyleCnt="5"/>
-      <dgm:spPr/>
-    </dgm:pt>
-    <dgm:pt modelId="{D6354FE9-6BA9-417E-9AB6-69052CAA96B1}" type="pres">
-      <dgm:prSet presAssocID="{8044BBE1-BC1B-4438-8BA5-DDA99CECD0E3}" presName="node" presStyleLbl="node1" presStyleIdx="2" presStyleCnt="5">
-        <dgm:presLayoutVars>
-          <dgm:bulletEnabled val="1"/>
-        </dgm:presLayoutVars>
-      </dgm:prSet>
-      <dgm:spPr/>
-    </dgm:pt>
-    <dgm:pt modelId="{F661A259-FD0D-43D7-8F13-5142F01E473C}" type="pres">
-      <dgm:prSet presAssocID="{8044BBE1-BC1B-4438-8BA5-DDA99CECD0E3}" presName="spNode" presStyleCnt="0"/>
-      <dgm:spPr/>
-    </dgm:pt>
-    <dgm:pt modelId="{96C4EE91-B78D-4749-9DE6-6C85AAD8322F}" type="pres">
-      <dgm:prSet presAssocID="{DC60DF24-8C4B-4709-AAFE-AFD7C036FFEE}" presName="sibTrans" presStyleLbl="sibTrans1D1" presStyleIdx="2" presStyleCnt="5"/>
-      <dgm:spPr/>
-    </dgm:pt>
-    <dgm:pt modelId="{A7D5D32F-C8A9-4283-A9A0-D255D095CA23}" type="pres">
-      <dgm:prSet presAssocID="{99E1CB66-4F80-4860-84EC-743B89BB0CC9}" presName="node" presStyleLbl="node1" presStyleIdx="3" presStyleCnt="5">
-        <dgm:presLayoutVars>
-          <dgm:bulletEnabled val="1"/>
-        </dgm:presLayoutVars>
-      </dgm:prSet>
-      <dgm:spPr/>
-    </dgm:pt>
-    <dgm:pt modelId="{87DA86B2-EFD9-4800-9FCF-013AAF427CB6}" type="pres">
-      <dgm:prSet presAssocID="{99E1CB66-4F80-4860-84EC-743B89BB0CC9}" presName="spNode" presStyleCnt="0"/>
-      <dgm:spPr/>
-    </dgm:pt>
-    <dgm:pt modelId="{13E538E8-B781-4841-A436-D806C511D467}" type="pres">
-      <dgm:prSet presAssocID="{21CFE25E-8C0D-4043-BCD9-F2E0F3F3C195}" presName="sibTrans" presStyleLbl="sibTrans1D1" presStyleIdx="3" presStyleCnt="5"/>
-      <dgm:spPr/>
-    </dgm:pt>
-    <dgm:pt modelId="{050FF382-E44C-4583-B361-D623720E3059}" type="pres">
-      <dgm:prSet presAssocID="{AAAE6271-7F57-4862-8694-6A96D06D2235}" presName="node" presStyleLbl="node1" presStyleIdx="4" presStyleCnt="5">
-        <dgm:presLayoutVars>
-          <dgm:bulletEnabled val="1"/>
-        </dgm:presLayoutVars>
-      </dgm:prSet>
-      <dgm:spPr/>
-    </dgm:pt>
-    <dgm:pt modelId="{59E129D0-A8C7-48B1-AA6C-A9BB9C0D8CFC}" type="pres">
-      <dgm:prSet presAssocID="{AAAE6271-7F57-4862-8694-6A96D06D2235}" presName="spNode" presStyleCnt="0"/>
-      <dgm:spPr/>
-    </dgm:pt>
-    <dgm:pt modelId="{7765B630-1BFB-43D9-B4FE-337C57A76922}" type="pres">
-      <dgm:prSet presAssocID="{32AFCDF4-E9D2-4598-85B5-D1B033C1F6E3}" presName="sibTrans" presStyleLbl="sibTrans1D1" presStyleIdx="4" presStyleCnt="5"/>
-      <dgm:spPr/>
-    </dgm:pt>
-  </dgm:ptLst>
-  <dgm:cxnLst>
-    <dgm:cxn modelId="{5036361B-D393-43D2-8790-1D954509BA5A}" type="presOf" srcId="{694ED1D7-0E28-43C0-87FF-3BF83C07648B}" destId="{AABE21BC-9F18-4289-84FC-24F97C9D7433}" srcOrd="0" destOrd="0" presId="urn:microsoft.com/office/officeart/2005/8/layout/cycle6"/>
-    <dgm:cxn modelId="{38D5E833-A10B-418B-9EB5-5E74F41B49DA}" srcId="{3253007A-BA6D-408E-9713-D9070BCEE035}" destId="{99E1CB66-4F80-4860-84EC-743B89BB0CC9}" srcOrd="3" destOrd="0" parTransId="{F25B49C5-C416-472F-A810-1C0540D9D35F}" sibTransId="{21CFE25E-8C0D-4043-BCD9-F2E0F3F3C195}"/>
-    <dgm:cxn modelId="{0241A163-A0C9-4284-A437-95F820A41166}" type="presOf" srcId="{AAAE6271-7F57-4862-8694-6A96D06D2235}" destId="{050FF382-E44C-4583-B361-D623720E3059}" srcOrd="0" destOrd="0" presId="urn:microsoft.com/office/officeart/2005/8/layout/cycle6"/>
-    <dgm:cxn modelId="{82A9994C-F699-446B-855D-B8A08D0778A2}" type="presOf" srcId="{DC60DF24-8C4B-4709-AAFE-AFD7C036FFEE}" destId="{96C4EE91-B78D-4749-9DE6-6C85AAD8322F}" srcOrd="0" destOrd="0" presId="urn:microsoft.com/office/officeart/2005/8/layout/cycle6"/>
-    <dgm:cxn modelId="{F4D38C70-6F5E-483E-996D-E9600600DC73}" type="presOf" srcId="{32AFCDF4-E9D2-4598-85B5-D1B033C1F6E3}" destId="{7765B630-1BFB-43D9-B4FE-337C57A76922}" srcOrd="0" destOrd="0" presId="urn:microsoft.com/office/officeart/2005/8/layout/cycle6"/>
-    <dgm:cxn modelId="{53320954-6F56-43F0-9AE2-C55A4772A832}" srcId="{3253007A-BA6D-408E-9713-D9070BCEE035}" destId="{8044BBE1-BC1B-4438-8BA5-DDA99CECD0E3}" srcOrd="2" destOrd="0" parTransId="{1FBDBB2D-A232-4F67-9C91-302CC83461C5}" sibTransId="{DC60DF24-8C4B-4709-AAFE-AFD7C036FFEE}"/>
-    <dgm:cxn modelId="{EA8A2883-30C9-4C30-BDEB-ADAAD0790CE8}" srcId="{3253007A-BA6D-408E-9713-D9070BCEE035}" destId="{AAAE6271-7F57-4862-8694-6A96D06D2235}" srcOrd="4" destOrd="0" parTransId="{CD16607E-EB5F-4318-8B2E-B20BF33BCCF6}" sibTransId="{32AFCDF4-E9D2-4598-85B5-D1B033C1F6E3}"/>
-    <dgm:cxn modelId="{E1858CAF-D3E9-47E2-BF05-E85B06C6F52B}" type="presOf" srcId="{839D5E04-38B5-4A35-9B44-23879FC60455}" destId="{03EF3FFC-5AD2-481F-8565-4CEADE9A9091}" srcOrd="0" destOrd="0" presId="urn:microsoft.com/office/officeart/2005/8/layout/cycle6"/>
-    <dgm:cxn modelId="{95A5C5AF-66BD-4064-9E93-2131D636A43E}" type="presOf" srcId="{0B529A2E-68E7-4388-9277-AF1B586D6237}" destId="{864BA202-862A-4B01-AE81-6087ABC57787}" srcOrd="0" destOrd="0" presId="urn:microsoft.com/office/officeart/2005/8/layout/cycle6"/>
-    <dgm:cxn modelId="{E9A3C3CC-F066-4C1A-B89D-74D8507F3F5B}" type="presOf" srcId="{3253007A-BA6D-408E-9713-D9070BCEE035}" destId="{5C2CFE52-1A37-4096-9703-C947062BE0F0}" srcOrd="0" destOrd="0" presId="urn:microsoft.com/office/officeart/2005/8/layout/cycle6"/>
-    <dgm:cxn modelId="{28BE80CF-826C-445C-A191-45CED7BC260F}" type="presOf" srcId="{99E1CB66-4F80-4860-84EC-743B89BB0CC9}" destId="{A7D5D32F-C8A9-4283-A9A0-D255D095CA23}" srcOrd="0" destOrd="0" presId="urn:microsoft.com/office/officeart/2005/8/layout/cycle6"/>
-    <dgm:cxn modelId="{0CE70CD7-538B-47D4-B65B-B23D76A92D59}" srcId="{3253007A-BA6D-408E-9713-D9070BCEE035}" destId="{839D5E04-38B5-4A35-9B44-23879FC60455}" srcOrd="1" destOrd="0" parTransId="{FD82220B-6CD5-43FD-902D-480E84E78A39}" sibTransId="{694ED1D7-0E28-43C0-87FF-3BF83C07648B}"/>
-    <dgm:cxn modelId="{380A19DF-D398-4AF1-87F2-B4A8ABFB2792}" type="presOf" srcId="{8044BBE1-BC1B-4438-8BA5-DDA99CECD0E3}" destId="{D6354FE9-6BA9-417E-9AB6-69052CAA96B1}" srcOrd="0" destOrd="0" presId="urn:microsoft.com/office/officeart/2005/8/layout/cycle6"/>
-    <dgm:cxn modelId="{47E64CE6-AA4E-4B53-9458-093EA83F1138}" type="presOf" srcId="{6C6E451B-5F8C-4A17-992A-F34755C2121C}" destId="{84144C12-0328-4CEF-901A-E66DC188E2F7}" srcOrd="0" destOrd="0" presId="urn:microsoft.com/office/officeart/2005/8/layout/cycle6"/>
-    <dgm:cxn modelId="{5E7376F0-E07B-4BBF-9B9A-1B296E548145}" srcId="{3253007A-BA6D-408E-9713-D9070BCEE035}" destId="{6C6E451B-5F8C-4A17-992A-F34755C2121C}" srcOrd="0" destOrd="0" parTransId="{75323FD2-7086-40B4-8D3F-BB4F98195104}" sibTransId="{0B529A2E-68E7-4388-9277-AF1B586D6237}"/>
-    <dgm:cxn modelId="{D6267EFA-148E-48ED-B8F4-378B9A8C5B0A}" type="presOf" srcId="{21CFE25E-8C0D-4043-BCD9-F2E0F3F3C195}" destId="{13E538E8-B781-4841-A436-D806C511D467}" srcOrd="0" destOrd="0" presId="urn:microsoft.com/office/officeart/2005/8/layout/cycle6"/>
-    <dgm:cxn modelId="{016DD431-8810-47CA-97D2-0595AA2CB4BE}" type="presParOf" srcId="{5C2CFE52-1A37-4096-9703-C947062BE0F0}" destId="{84144C12-0328-4CEF-901A-E66DC188E2F7}" srcOrd="0" destOrd="0" presId="urn:microsoft.com/office/officeart/2005/8/layout/cycle6"/>
-    <dgm:cxn modelId="{AD54752E-AD4D-4F68-8398-D74A0A9A8597}" type="presParOf" srcId="{5C2CFE52-1A37-4096-9703-C947062BE0F0}" destId="{1E7172C0-0DB0-46A1-90BD-E745C0C43779}" srcOrd="1" destOrd="0" presId="urn:microsoft.com/office/officeart/2005/8/layout/cycle6"/>
-    <dgm:cxn modelId="{76233932-1ED2-4EF0-998F-AE083E429169}" type="presParOf" srcId="{5C2CFE52-1A37-4096-9703-C947062BE0F0}" destId="{864BA202-862A-4B01-AE81-6087ABC57787}" srcOrd="2" destOrd="0" presId="urn:microsoft.com/office/officeart/2005/8/layout/cycle6"/>
-    <dgm:cxn modelId="{BD5D1FD3-E7B8-4AF2-B117-CF13B8060D6E}" type="presParOf" srcId="{5C2CFE52-1A37-4096-9703-C947062BE0F0}" destId="{03EF3FFC-5AD2-481F-8565-4CEADE9A9091}" srcOrd="3" destOrd="0" presId="urn:microsoft.com/office/officeart/2005/8/layout/cycle6"/>
-    <dgm:cxn modelId="{A69B50CD-7F14-4694-ADB0-620AD631E4B0}" type="presParOf" srcId="{5C2CFE52-1A37-4096-9703-C947062BE0F0}" destId="{B1A396CE-1E59-47EB-8D28-62BD17277919}" srcOrd="4" destOrd="0" presId="urn:microsoft.com/office/officeart/2005/8/layout/cycle6"/>
-    <dgm:cxn modelId="{6DF79318-8D4F-43B5-BEC3-7EB98F8AAFA7}" type="presParOf" srcId="{5C2CFE52-1A37-4096-9703-C947062BE0F0}" destId="{AABE21BC-9F18-4289-84FC-24F97C9D7433}" srcOrd="5" destOrd="0" presId="urn:microsoft.com/office/officeart/2005/8/layout/cycle6"/>
-    <dgm:cxn modelId="{4C17F3CF-01F5-4497-B5B7-FCA70074104E}" type="presParOf" srcId="{5C2CFE52-1A37-4096-9703-C947062BE0F0}" destId="{D6354FE9-6BA9-417E-9AB6-69052CAA96B1}" srcOrd="6" destOrd="0" presId="urn:microsoft.com/office/officeart/2005/8/layout/cycle6"/>
-    <dgm:cxn modelId="{958841D3-1F92-477A-B410-C7A19562B928}" type="presParOf" srcId="{5C2CFE52-1A37-4096-9703-C947062BE0F0}" destId="{F661A259-FD0D-43D7-8F13-5142F01E473C}" srcOrd="7" destOrd="0" presId="urn:microsoft.com/office/officeart/2005/8/layout/cycle6"/>
-    <dgm:cxn modelId="{CFBCCD74-6600-4624-BD51-37EFAED5332C}" type="presParOf" srcId="{5C2CFE52-1A37-4096-9703-C947062BE0F0}" destId="{96C4EE91-B78D-4749-9DE6-6C85AAD8322F}" srcOrd="8" destOrd="0" presId="urn:microsoft.com/office/officeart/2005/8/layout/cycle6"/>
-    <dgm:cxn modelId="{346FE144-3506-48CC-9727-FB34078060EE}" type="presParOf" srcId="{5C2CFE52-1A37-4096-9703-C947062BE0F0}" destId="{A7D5D32F-C8A9-4283-A9A0-D255D095CA23}" srcOrd="9" destOrd="0" presId="urn:microsoft.com/office/officeart/2005/8/layout/cycle6"/>
-    <dgm:cxn modelId="{4093BF56-9763-4E8D-9B59-2F9B4A96D7F6}" type="presParOf" srcId="{5C2CFE52-1A37-4096-9703-C947062BE0F0}" destId="{87DA86B2-EFD9-4800-9FCF-013AAF427CB6}" srcOrd="10" destOrd="0" presId="urn:microsoft.com/office/officeart/2005/8/layout/cycle6"/>
-    <dgm:cxn modelId="{20977859-E4D9-4E3E-AE6C-4E59F2734F37}" type="presParOf" srcId="{5C2CFE52-1A37-4096-9703-C947062BE0F0}" destId="{13E538E8-B781-4841-A436-D806C511D467}" srcOrd="11" destOrd="0" presId="urn:microsoft.com/office/officeart/2005/8/layout/cycle6"/>
-    <dgm:cxn modelId="{3DF57F55-A719-4C50-B7EC-68B0B8FA9435}" type="presParOf" srcId="{5C2CFE52-1A37-4096-9703-C947062BE0F0}" destId="{050FF382-E44C-4583-B361-D623720E3059}" srcOrd="12" destOrd="0" presId="urn:microsoft.com/office/officeart/2005/8/layout/cycle6"/>
-    <dgm:cxn modelId="{54981E1B-CE07-48F4-A943-BAFE2A1C66BE}" type="presParOf" srcId="{5C2CFE52-1A37-4096-9703-C947062BE0F0}" destId="{59E129D0-A8C7-48B1-AA6C-A9BB9C0D8CFC}" srcOrd="13" destOrd="0" presId="urn:microsoft.com/office/officeart/2005/8/layout/cycle6"/>
-    <dgm:cxn modelId="{DC2DA977-89B1-4323-A2E1-08BBD96DD6E8}" type="presParOf" srcId="{5C2CFE52-1A37-4096-9703-C947062BE0F0}" destId="{7765B630-1BFB-43D9-B4FE-337C57A76922}" srcOrd="14" destOrd="0" presId="urn:microsoft.com/office/officeart/2005/8/layout/cycle6"/>
-  </dgm:cxnLst>
-  <dgm:bg/>
-  <dgm:whole/>
-  <dgm:extLst>
-    <a:ext uri="http://schemas.microsoft.com/office/drawing/2008/diagram">
-      <dsp:dataModelExt xmlns:dsp="http://schemas.microsoft.com/office/drawing/2008/diagram" relId="rId6" minVer="http://schemas.openxmlformats.org/drawingml/2006/diagram"/>
-    </a:ext>
-  </dgm:extLst>
-</dgm:dataModel>
-</file>
-
-<file path=ppt/diagrams/drawing1.xml><?xml version="1.0" encoding="utf-8"?>
-<dsp:drawing xmlns:dgm="http://schemas.openxmlformats.org/drawingml/2006/diagram" xmlns:dsp="http://schemas.microsoft.com/office/drawing/2008/diagram" xmlns:a="http://schemas.openxmlformats.org/drawingml/2006/main">
-  <dsp:spTree>
-    <dsp:nvGrpSpPr>
-      <dsp:cNvPr id="0" name=""/>
-      <dsp:cNvGrpSpPr/>
-    </dsp:nvGrpSpPr>
-    <dsp:grpSpPr/>
-    <dsp:sp modelId="{84144C12-0328-4CEF-901A-E66DC188E2F7}">
-      <dsp:nvSpPr>
-        <dsp:cNvPr id="0" name=""/>
-        <dsp:cNvSpPr/>
-      </dsp:nvSpPr>
-      <dsp:spPr>
-        <a:xfrm>
-          <a:off x="4348170" y="1828"/>
-          <a:ext cx="1860924" cy="1209600"/>
-        </a:xfrm>
-        <a:prstGeom prst="roundRect">
-          <a:avLst/>
-        </a:prstGeom>
-        <a:solidFill>
-          <a:schemeClr val="accent1">
-            <a:hueOff val="0"/>
-            <a:satOff val="0"/>
-            <a:lumOff val="0"/>
-            <a:alphaOff val="0"/>
-          </a:schemeClr>
-        </a:solidFill>
-        <a:ln w="19050" cap="rnd" cmpd="sng" algn="ctr">
-          <a:solidFill>
-            <a:schemeClr val="lt1">
-              <a:hueOff val="0"/>
-              <a:satOff val="0"/>
-              <a:lumOff val="0"/>
-              <a:alphaOff val="0"/>
-            </a:schemeClr>
-          </a:solidFill>
-          <a:prstDash val="solid"/>
-        </a:ln>
-        <a:effectLst/>
-      </dsp:spPr>
-      <dsp:style>
-        <a:lnRef idx="2">
-          <a:scrgbClr r="0" g="0" b="0"/>
-        </a:lnRef>
-        <a:fillRef idx="1">
-          <a:scrgbClr r="0" g="0" b="0"/>
-        </a:fillRef>
-        <a:effectRef idx="0">
-          <a:scrgbClr r="0" g="0" b="0"/>
-        </a:effectRef>
-        <a:fontRef idx="minor">
-          <a:schemeClr val="lt1"/>
-        </a:fontRef>
-      </dsp:style>
-      <dsp:txBody>
-        <a:bodyPr spcFirstLastPara="0" vert="horz" wrap="square" lIns="68580" tIns="68580" rIns="68580" bIns="68580" numCol="1" spcCol="1270" anchor="ctr" anchorCtr="0">
-          <a:noAutofit/>
-        </a:bodyPr>
-        <a:lstStyle/>
-        <a:p>
-          <a:pPr marL="0" lvl="0" indent="0" algn="ctr" defTabSz="800100">
-            <a:lnSpc>
-              <a:spcPct val="90000"/>
-            </a:lnSpc>
-            <a:spcBef>
-              <a:spcPct val="0"/>
-            </a:spcBef>
-            <a:spcAft>
-              <a:spcPct val="35000"/>
-            </a:spcAft>
-            <a:buNone/>
-          </a:pPr>
-          <a:r>
-            <a:rPr lang="fr-FR" sz="1800" kern="1200" dirty="0"/>
-            <a:t>Interface d’échange</a:t>
-          </a:r>
-        </a:p>
-      </dsp:txBody>
-      <dsp:txXfrm>
-        <a:off x="4407218" y="60876"/>
-        <a:ext cx="1742828" cy="1091504"/>
-      </dsp:txXfrm>
-    </dsp:sp>
-    <dsp:sp modelId="{864BA202-862A-4B01-AE81-6087ABC57787}">
-      <dsp:nvSpPr>
-        <dsp:cNvPr id="0" name=""/>
-        <dsp:cNvSpPr/>
-      </dsp:nvSpPr>
-      <dsp:spPr>
-        <a:xfrm>
-          <a:off x="2861185" y="606629"/>
-          <a:ext cx="4834895" cy="4834895"/>
-        </a:xfrm>
-        <a:custGeom>
-          <a:avLst/>
-          <a:gdLst/>
-          <a:ahLst/>
-          <a:cxnLst/>
-          <a:rect l="0" t="0" r="0" b="0"/>
-          <a:pathLst>
-            <a:path>
-              <a:moveTo>
-                <a:pt x="3360703" y="191617"/>
-              </a:moveTo>
-              <a:arcTo wR="2417447" hR="2417447" stAng="17577967" swAng="1962274"/>
-            </a:path>
-          </a:pathLst>
-        </a:custGeom>
-        <a:noFill/>
-        <a:ln w="12700" cap="rnd" cmpd="sng" algn="ctr">
-          <a:solidFill>
-            <a:schemeClr val="accent1">
-              <a:hueOff val="0"/>
-              <a:satOff val="0"/>
-              <a:lumOff val="0"/>
-              <a:alphaOff val="0"/>
-            </a:schemeClr>
-          </a:solidFill>
-          <a:prstDash val="solid"/>
-        </a:ln>
-        <a:effectLst/>
-      </dsp:spPr>
-      <dsp:style>
-        <a:lnRef idx="1">
-          <a:scrgbClr r="0" g="0" b="0"/>
-        </a:lnRef>
-        <a:fillRef idx="0">
-          <a:scrgbClr r="0" g="0" b="0"/>
-        </a:fillRef>
-        <a:effectRef idx="0">
-          <a:scrgbClr r="0" g="0" b="0"/>
-        </a:effectRef>
-        <a:fontRef idx="minor"/>
-      </dsp:style>
-    </dsp:sp>
-    <dsp:sp modelId="{03EF3FFC-5AD2-481F-8565-4CEADE9A9091}">
-      <dsp:nvSpPr>
-        <dsp:cNvPr id="0" name=""/>
-        <dsp:cNvSpPr/>
-      </dsp:nvSpPr>
-      <dsp:spPr>
-        <a:xfrm>
-          <a:off x="6647300" y="1672243"/>
-          <a:ext cx="1860924" cy="1209600"/>
-        </a:xfrm>
-        <a:prstGeom prst="roundRect">
-          <a:avLst/>
-        </a:prstGeom>
-        <a:solidFill>
-          <a:schemeClr val="accent1">
-            <a:hueOff val="0"/>
-            <a:satOff val="0"/>
-            <a:lumOff val="0"/>
-            <a:alphaOff val="0"/>
-          </a:schemeClr>
-        </a:solidFill>
-        <a:ln w="19050" cap="rnd" cmpd="sng" algn="ctr">
-          <a:solidFill>
-            <a:schemeClr val="lt1">
-              <a:hueOff val="0"/>
-              <a:satOff val="0"/>
-              <a:lumOff val="0"/>
-              <a:alphaOff val="0"/>
-            </a:schemeClr>
-          </a:solidFill>
-          <a:prstDash val="solid"/>
-        </a:ln>
-        <a:effectLst/>
-      </dsp:spPr>
-      <dsp:style>
-        <a:lnRef idx="2">
-          <a:scrgbClr r="0" g="0" b="0"/>
-        </a:lnRef>
-        <a:fillRef idx="1">
-          <a:scrgbClr r="0" g="0" b="0"/>
-        </a:fillRef>
-        <a:effectRef idx="0">
-          <a:scrgbClr r="0" g="0" b="0"/>
-        </a:effectRef>
-        <a:fontRef idx="minor">
-          <a:schemeClr val="lt1"/>
-        </a:fontRef>
-      </dsp:style>
-      <dsp:txBody>
-        <a:bodyPr spcFirstLastPara="0" vert="horz" wrap="square" lIns="68580" tIns="68580" rIns="68580" bIns="68580" numCol="1" spcCol="1270" anchor="ctr" anchorCtr="0">
-          <a:noAutofit/>
-        </a:bodyPr>
-        <a:lstStyle/>
-        <a:p>
-          <a:pPr marL="0" lvl="0" indent="0" algn="ctr" defTabSz="800100">
-            <a:lnSpc>
-              <a:spcPct val="90000"/>
-            </a:lnSpc>
-            <a:spcBef>
-              <a:spcPct val="0"/>
-            </a:spcBef>
-            <a:spcAft>
-              <a:spcPct val="35000"/>
-            </a:spcAft>
-            <a:buNone/>
-          </a:pPr>
-          <a:r>
-            <a:rPr lang="fr-FR" sz="1800" kern="1200" dirty="0"/>
-            <a:t>Centralisation des informations</a:t>
-          </a:r>
-        </a:p>
-      </dsp:txBody>
-      <dsp:txXfrm>
-        <a:off x="6706348" y="1731291"/>
-        <a:ext cx="1742828" cy="1091504"/>
-      </dsp:txXfrm>
-    </dsp:sp>
-    <dsp:sp modelId="{AABE21BC-9F18-4289-84FC-24F97C9D7433}">
-      <dsp:nvSpPr>
-        <dsp:cNvPr id="0" name=""/>
-        <dsp:cNvSpPr/>
-      </dsp:nvSpPr>
-      <dsp:spPr>
-        <a:xfrm>
-          <a:off x="2861185" y="606629"/>
-          <a:ext cx="4834895" cy="4834895"/>
-        </a:xfrm>
-        <a:custGeom>
-          <a:avLst/>
-          <a:gdLst/>
-          <a:ahLst/>
-          <a:cxnLst/>
-          <a:rect l="0" t="0" r="0" b="0"/>
-          <a:pathLst>
-            <a:path>
-              <a:moveTo>
-                <a:pt x="4831568" y="2290672"/>
-              </a:moveTo>
-              <a:arcTo wR="2417447" hR="2417447" stAng="21419636" swAng="2196869"/>
-            </a:path>
-          </a:pathLst>
-        </a:custGeom>
-        <a:noFill/>
-        <a:ln w="12700" cap="rnd" cmpd="sng" algn="ctr">
-          <a:solidFill>
-            <a:schemeClr val="accent1">
-              <a:hueOff val="0"/>
-              <a:satOff val="0"/>
-              <a:lumOff val="0"/>
-              <a:alphaOff val="0"/>
-            </a:schemeClr>
-          </a:solidFill>
-          <a:prstDash val="solid"/>
-        </a:ln>
-        <a:effectLst/>
-      </dsp:spPr>
-      <dsp:style>
-        <a:lnRef idx="1">
-          <a:scrgbClr r="0" g="0" b="0"/>
-        </a:lnRef>
-        <a:fillRef idx="0">
-          <a:scrgbClr r="0" g="0" b="0"/>
-        </a:fillRef>
-        <a:effectRef idx="0">
-          <a:scrgbClr r="0" g="0" b="0"/>
-        </a:effectRef>
-        <a:fontRef idx="minor"/>
-      </dsp:style>
-    </dsp:sp>
-    <dsp:sp modelId="{D6354FE9-6BA9-417E-9AB6-69052CAA96B1}">
-      <dsp:nvSpPr>
-        <dsp:cNvPr id="0" name=""/>
-        <dsp:cNvSpPr/>
-      </dsp:nvSpPr>
-      <dsp:spPr>
-        <a:xfrm>
-          <a:off x="5769110" y="4375032"/>
-          <a:ext cx="1860924" cy="1209600"/>
-        </a:xfrm>
-        <a:prstGeom prst="roundRect">
-          <a:avLst/>
-        </a:prstGeom>
-        <a:solidFill>
-          <a:schemeClr val="accent1">
-            <a:hueOff val="0"/>
-            <a:satOff val="0"/>
-            <a:lumOff val="0"/>
-            <a:alphaOff val="0"/>
-          </a:schemeClr>
-        </a:solidFill>
-        <a:ln w="19050" cap="rnd" cmpd="sng" algn="ctr">
-          <a:solidFill>
-            <a:schemeClr val="lt1">
-              <a:hueOff val="0"/>
-              <a:satOff val="0"/>
-              <a:lumOff val="0"/>
-              <a:alphaOff val="0"/>
-            </a:schemeClr>
-          </a:solidFill>
-          <a:prstDash val="solid"/>
-        </a:ln>
-        <a:effectLst/>
-      </dsp:spPr>
-      <dsp:style>
-        <a:lnRef idx="2">
-          <a:scrgbClr r="0" g="0" b="0"/>
-        </a:lnRef>
-        <a:fillRef idx="1">
-          <a:scrgbClr r="0" g="0" b="0"/>
-        </a:fillRef>
-        <a:effectRef idx="0">
-          <a:scrgbClr r="0" g="0" b="0"/>
-        </a:effectRef>
-        <a:fontRef idx="minor">
-          <a:schemeClr val="lt1"/>
-        </a:fontRef>
-      </dsp:style>
-      <dsp:txBody>
-        <a:bodyPr spcFirstLastPara="0" vert="horz" wrap="square" lIns="68580" tIns="68580" rIns="68580" bIns="68580" numCol="1" spcCol="1270" anchor="ctr" anchorCtr="0">
-          <a:noAutofit/>
-        </a:bodyPr>
-        <a:lstStyle/>
-        <a:p>
-          <a:pPr marL="0" lvl="0" indent="0" algn="ctr" defTabSz="800100">
-            <a:lnSpc>
-              <a:spcPct val="90000"/>
-            </a:lnSpc>
-            <a:spcBef>
-              <a:spcPct val="0"/>
-            </a:spcBef>
-            <a:spcAft>
-              <a:spcPct val="35000"/>
-            </a:spcAft>
-            <a:buNone/>
-          </a:pPr>
-          <a:r>
-            <a:rPr lang="fr-FR" sz="1800" kern="1200" dirty="0"/>
-            <a:t>Solution portable</a:t>
-          </a:r>
-        </a:p>
-      </dsp:txBody>
-      <dsp:txXfrm>
-        <a:off x="5828158" y="4434080"/>
-        <a:ext cx="1742828" cy="1091504"/>
-      </dsp:txXfrm>
-    </dsp:sp>
-    <dsp:sp modelId="{96C4EE91-B78D-4749-9DE6-6C85AAD8322F}">
-      <dsp:nvSpPr>
-        <dsp:cNvPr id="0" name=""/>
-        <dsp:cNvSpPr/>
-      </dsp:nvSpPr>
-      <dsp:spPr>
-        <a:xfrm>
-          <a:off x="2861185" y="606629"/>
-          <a:ext cx="4834895" cy="4834895"/>
-        </a:xfrm>
-        <a:custGeom>
-          <a:avLst/>
-          <a:gdLst/>
-          <a:ahLst/>
-          <a:cxnLst/>
-          <a:rect l="0" t="0" r="0" b="0"/>
-          <a:pathLst>
-            <a:path>
-              <a:moveTo>
-                <a:pt x="2898315" y="4786586"/>
-              </a:moveTo>
-              <a:arcTo wR="2417447" hR="2417447" stAng="4711586" swAng="1376827"/>
-            </a:path>
-          </a:pathLst>
-        </a:custGeom>
-        <a:noFill/>
-        <a:ln w="12700" cap="rnd" cmpd="sng" algn="ctr">
-          <a:solidFill>
-            <a:schemeClr val="accent1">
-              <a:hueOff val="0"/>
-              <a:satOff val="0"/>
-              <a:lumOff val="0"/>
-              <a:alphaOff val="0"/>
-            </a:schemeClr>
-          </a:solidFill>
-          <a:prstDash val="solid"/>
-        </a:ln>
-        <a:effectLst/>
-      </dsp:spPr>
-      <dsp:style>
-        <a:lnRef idx="1">
-          <a:scrgbClr r="0" g="0" b="0"/>
-        </a:lnRef>
-        <a:fillRef idx="0">
-          <a:scrgbClr r="0" g="0" b="0"/>
-        </a:fillRef>
-        <a:effectRef idx="0">
-          <a:scrgbClr r="0" g="0" b="0"/>
-        </a:effectRef>
-        <a:fontRef idx="minor"/>
-      </dsp:style>
-    </dsp:sp>
-    <dsp:sp modelId="{A7D5D32F-C8A9-4283-A9A0-D255D095CA23}">
-      <dsp:nvSpPr>
-        <dsp:cNvPr id="0" name=""/>
-        <dsp:cNvSpPr/>
-      </dsp:nvSpPr>
-      <dsp:spPr>
-        <a:xfrm>
-          <a:off x="2927230" y="4375032"/>
-          <a:ext cx="1860924" cy="1209600"/>
-        </a:xfrm>
-        <a:prstGeom prst="roundRect">
-          <a:avLst/>
-        </a:prstGeom>
-        <a:solidFill>
-          <a:schemeClr val="accent1">
-            <a:hueOff val="0"/>
-            <a:satOff val="0"/>
-            <a:lumOff val="0"/>
-            <a:alphaOff val="0"/>
-          </a:schemeClr>
-        </a:solidFill>
-        <a:ln w="19050" cap="rnd" cmpd="sng" algn="ctr">
-          <a:solidFill>
-            <a:schemeClr val="lt1">
-              <a:hueOff val="0"/>
-              <a:satOff val="0"/>
-              <a:lumOff val="0"/>
-              <a:alphaOff val="0"/>
-            </a:schemeClr>
-          </a:solidFill>
-          <a:prstDash val="solid"/>
-        </a:ln>
-        <a:effectLst/>
-      </dsp:spPr>
-      <dsp:style>
-        <a:lnRef idx="2">
-          <a:scrgbClr r="0" g="0" b="0"/>
-        </a:lnRef>
-        <a:fillRef idx="1">
-          <a:scrgbClr r="0" g="0" b="0"/>
-        </a:fillRef>
-        <a:effectRef idx="0">
-          <a:scrgbClr r="0" g="0" b="0"/>
-        </a:effectRef>
-        <a:fontRef idx="minor">
-          <a:schemeClr val="lt1"/>
-        </a:fontRef>
-      </dsp:style>
-      <dsp:txBody>
-        <a:bodyPr spcFirstLastPara="0" vert="horz" wrap="square" lIns="68580" tIns="68580" rIns="68580" bIns="68580" numCol="1" spcCol="1270" anchor="ctr" anchorCtr="0">
-          <a:noAutofit/>
-        </a:bodyPr>
-        <a:lstStyle/>
-        <a:p>
-          <a:pPr marL="0" lvl="0" indent="0" algn="ctr" defTabSz="800100">
-            <a:lnSpc>
-              <a:spcPct val="90000"/>
-            </a:lnSpc>
-            <a:spcBef>
-              <a:spcPct val="0"/>
-            </a:spcBef>
-            <a:spcAft>
-              <a:spcPct val="35000"/>
-            </a:spcAft>
-            <a:buNone/>
-          </a:pPr>
-          <a:r>
-            <a:rPr lang="fr-FR" sz="1800" kern="1200" dirty="0"/>
-            <a:t>Evaluation bilatérale de la relation</a:t>
-          </a:r>
-        </a:p>
-      </dsp:txBody>
-      <dsp:txXfrm>
-        <a:off x="2986278" y="4434080"/>
-        <a:ext cx="1742828" cy="1091504"/>
-      </dsp:txXfrm>
-    </dsp:sp>
-    <dsp:sp modelId="{13E538E8-B781-4841-A436-D806C511D467}">
-      <dsp:nvSpPr>
-        <dsp:cNvPr id="0" name=""/>
-        <dsp:cNvSpPr/>
-      </dsp:nvSpPr>
-      <dsp:spPr>
-        <a:xfrm>
-          <a:off x="2861185" y="606629"/>
-          <a:ext cx="4834895" cy="4834895"/>
-        </a:xfrm>
-        <a:custGeom>
-          <a:avLst/>
-          <a:gdLst/>
-          <a:ahLst/>
-          <a:cxnLst/>
-          <a:rect l="0" t="0" r="0" b="0"/>
-          <a:pathLst>
-            <a:path>
-              <a:moveTo>
-                <a:pt x="404100" y="3755538"/>
-              </a:moveTo>
-              <a:arcTo wR="2417447" hR="2417447" stAng="8783496" swAng="2196869"/>
-            </a:path>
-          </a:pathLst>
-        </a:custGeom>
-        <a:noFill/>
-        <a:ln w="12700" cap="rnd" cmpd="sng" algn="ctr">
-          <a:solidFill>
-            <a:schemeClr val="accent1">
-              <a:hueOff val="0"/>
-              <a:satOff val="0"/>
-              <a:lumOff val="0"/>
-              <a:alphaOff val="0"/>
-            </a:schemeClr>
-          </a:solidFill>
-          <a:prstDash val="solid"/>
-        </a:ln>
-        <a:effectLst/>
-      </dsp:spPr>
-      <dsp:style>
-        <a:lnRef idx="1">
-          <a:scrgbClr r="0" g="0" b="0"/>
-        </a:lnRef>
-        <a:fillRef idx="0">
-          <a:scrgbClr r="0" g="0" b="0"/>
-        </a:fillRef>
-        <a:effectRef idx="0">
-          <a:scrgbClr r="0" g="0" b="0"/>
-        </a:effectRef>
-        <a:fontRef idx="minor"/>
-      </dsp:style>
-    </dsp:sp>
-    <dsp:sp modelId="{050FF382-E44C-4583-B361-D623720E3059}">
-      <dsp:nvSpPr>
-        <dsp:cNvPr id="0" name=""/>
-        <dsp:cNvSpPr/>
-      </dsp:nvSpPr>
-      <dsp:spPr>
-        <a:xfrm>
-          <a:off x="2049041" y="1672243"/>
-          <a:ext cx="1860924" cy="1209600"/>
-        </a:xfrm>
-        <a:prstGeom prst="roundRect">
-          <a:avLst/>
-        </a:prstGeom>
-        <a:solidFill>
-          <a:schemeClr val="accent1">
-            <a:hueOff val="0"/>
-            <a:satOff val="0"/>
-            <a:lumOff val="0"/>
-            <a:alphaOff val="0"/>
-          </a:schemeClr>
-        </a:solidFill>
-        <a:ln w="19050" cap="rnd" cmpd="sng" algn="ctr">
-          <a:solidFill>
-            <a:schemeClr val="lt1">
-              <a:hueOff val="0"/>
-              <a:satOff val="0"/>
-              <a:lumOff val="0"/>
-              <a:alphaOff val="0"/>
-            </a:schemeClr>
-          </a:solidFill>
-          <a:prstDash val="solid"/>
-        </a:ln>
-        <a:effectLst/>
-      </dsp:spPr>
-      <dsp:style>
-        <a:lnRef idx="2">
-          <a:scrgbClr r="0" g="0" b="0"/>
-        </a:lnRef>
-        <a:fillRef idx="1">
-          <a:scrgbClr r="0" g="0" b="0"/>
-        </a:fillRef>
-        <a:effectRef idx="0">
-          <a:scrgbClr r="0" g="0" b="0"/>
-        </a:effectRef>
-        <a:fontRef idx="minor">
-          <a:schemeClr val="lt1"/>
-        </a:fontRef>
-      </dsp:style>
-      <dsp:txBody>
-        <a:bodyPr spcFirstLastPara="0" vert="horz" wrap="square" lIns="68580" tIns="68580" rIns="68580" bIns="68580" numCol="1" spcCol="1270" anchor="ctr" anchorCtr="0">
-          <a:noAutofit/>
-        </a:bodyPr>
-        <a:lstStyle/>
-        <a:p>
-          <a:pPr marL="0" lvl="0" indent="0" algn="ctr" defTabSz="800100">
-            <a:lnSpc>
-              <a:spcPct val="90000"/>
-            </a:lnSpc>
-            <a:spcBef>
-              <a:spcPct val="0"/>
-            </a:spcBef>
-            <a:spcAft>
-              <a:spcPct val="35000"/>
-            </a:spcAft>
-            <a:buNone/>
-          </a:pPr>
-          <a:r>
-            <a:rPr lang="fr-FR" sz="1800" kern="1200" dirty="0"/>
-            <a:t>Responsabiliser les acteurs de la relation</a:t>
-          </a:r>
-        </a:p>
-      </dsp:txBody>
-      <dsp:txXfrm>
-        <a:off x="2108089" y="1731291"/>
-        <a:ext cx="1742828" cy="1091504"/>
-      </dsp:txXfrm>
-    </dsp:sp>
-    <dsp:sp modelId="{7765B630-1BFB-43D9-B4FE-337C57A76922}">
-      <dsp:nvSpPr>
-        <dsp:cNvPr id="0" name=""/>
-        <dsp:cNvSpPr/>
-      </dsp:nvSpPr>
-      <dsp:spPr>
-        <a:xfrm>
-          <a:off x="2861185" y="606629"/>
-          <a:ext cx="4834895" cy="4834895"/>
-        </a:xfrm>
-        <a:custGeom>
-          <a:avLst/>
-          <a:gdLst/>
-          <a:ahLst/>
-          <a:cxnLst/>
-          <a:rect l="0" t="0" r="0" b="0"/>
-          <a:pathLst>
-            <a:path>
-              <a:moveTo>
-                <a:pt x="421095" y="1054131"/>
-              </a:moveTo>
-              <a:arcTo wR="2417447" hR="2417447" stAng="12859759" swAng="1962274"/>
-            </a:path>
-          </a:pathLst>
-        </a:custGeom>
-        <a:noFill/>
-        <a:ln w="12700" cap="rnd" cmpd="sng" algn="ctr">
-          <a:solidFill>
-            <a:schemeClr val="accent1">
-              <a:hueOff val="0"/>
-              <a:satOff val="0"/>
-              <a:lumOff val="0"/>
-              <a:alphaOff val="0"/>
-            </a:schemeClr>
-          </a:solidFill>
-          <a:prstDash val="solid"/>
-        </a:ln>
-        <a:effectLst/>
-      </dsp:spPr>
-      <dsp:style>
-        <a:lnRef idx="1">
-          <a:scrgbClr r="0" g="0" b="0"/>
-        </a:lnRef>
-        <a:fillRef idx="0">
-          <a:scrgbClr r="0" g="0" b="0"/>
-        </a:fillRef>
-        <a:effectRef idx="0">
-          <a:scrgbClr r="0" g="0" b="0"/>
-        </a:effectRef>
-        <a:fontRef idx="minor"/>
-      </dsp:style>
-    </dsp:sp>
-  </dsp:spTree>
-</dsp:drawing>
-</file>
-
-<file path=ppt/diagrams/layout1.xml><?xml version="1.0" encoding="utf-8"?>
-<dgm:layoutDef xmlns:dgm="http://schemas.openxmlformats.org/drawingml/2006/diagram" xmlns:a="http://schemas.openxmlformats.org/drawingml/2006/main" uniqueId="urn:microsoft.com/office/officeart/2005/8/layout/cycle6">
-  <dgm:title val=""/>
-  <dgm:desc val=""/>
-  <dgm:catLst>
-    <dgm:cat type="cycle" pri="4000"/>
-    <dgm:cat type="relationship" pri="24000"/>
-  </dgm:catLst>
-  <dgm:sampData>
-    <dgm:dataModel>
-      <dgm:ptLst>
-        <dgm:pt modelId="0" type="doc"/>
-        <dgm:pt modelId="1">
-          <dgm:prSet phldr="1"/>
-        </dgm:pt>
-        <dgm:pt modelId="2">
-          <dgm:prSet phldr="1"/>
-        </dgm:pt>
-        <dgm:pt modelId="3">
-          <dgm:prSet phldr="1"/>
-        </dgm:pt>
-        <dgm:pt modelId="4">
-          <dgm:prSet phldr="1"/>
-        </dgm:pt>
-        <dgm:pt modelId="5">
-          <dgm:prSet phldr="1"/>
-        </dgm:pt>
-      </dgm:ptLst>
-      <dgm:cxnLst>
-        <dgm:cxn modelId="6" srcId="0" destId="1" srcOrd="0" destOrd="0"/>
-        <dgm:cxn modelId="7" srcId="0" destId="2" srcOrd="1" destOrd="0"/>
-        <dgm:cxn modelId="8" srcId="0" destId="3" srcOrd="2" destOrd="0"/>
-        <dgm:cxn modelId="9" srcId="0" destId="4" srcOrd="3" destOrd="0"/>
-        <dgm:cxn modelId="10" srcId="0" destId="5" srcOrd="4" destOrd="0"/>
-      </dgm:cxnLst>
-      <dgm:bg/>
-      <dgm:whole/>
-    </dgm:dataModel>
-  </dgm:sampData>
-  <dgm:styleData>
-    <dgm:dataModel>
-      <dgm:ptLst>
-        <dgm:pt modelId="0" type="doc"/>
-        <dgm:pt modelId="1"/>
-        <dgm:pt modelId="2"/>
-        <dgm:pt modelId="3"/>
-      </dgm:ptLst>
-      <dgm:cxnLst>
-        <dgm:cxn modelId="4" srcId="0" destId="1" srcOrd="0" destOrd="0"/>
-        <dgm:cxn modelId="5" srcId="0" destId="2" srcOrd="1" destOrd="0"/>
-        <dgm:cxn modelId="6" srcId="0" destId="3" srcOrd="2" destOrd="0"/>
-      </dgm:cxnLst>
-      <dgm:bg/>
-      <dgm:whole/>
-    </dgm:dataModel>
-  </dgm:styleData>
-  <dgm:clrData>
-    <dgm:dataModel>
-      <dgm:ptLst>
-        <dgm:pt modelId="0" type="doc"/>
-        <dgm:pt modelId="1"/>
-        <dgm:pt modelId="2"/>
-        <dgm:pt modelId="3"/>
-        <dgm:pt modelId="4"/>
-        <dgm:pt modelId="5"/>
-        <dgm:pt modelId="6"/>
-      </dgm:ptLst>
-      <dgm:cxnLst>
-        <dgm:cxn modelId="7" srcId="0" destId="1" srcOrd="0" destOrd="0"/>
-        <dgm:cxn modelId="8" srcId="0" destId="2" srcOrd="1" destOrd="0"/>
-        <dgm:cxn modelId="9" srcId="0" destId="3" srcOrd="2" destOrd="0"/>
-        <dgm:cxn modelId="10" srcId="0" destId="4" srcOrd="3" destOrd="0"/>
-        <dgm:cxn modelId="11" srcId="0" destId="5" srcOrd="4" destOrd="0"/>
-        <dgm:cxn modelId="12" srcId="0" destId="6" srcOrd="5" destOrd="0"/>
-      </dgm:cxnLst>
-      <dgm:bg/>
-      <dgm:whole/>
-    </dgm:dataModel>
-  </dgm:clrData>
-  <dgm:layoutNode name="cycle">
-    <dgm:varLst>
-      <dgm:dir/>
-      <dgm:resizeHandles val="exact"/>
-    </dgm:varLst>
-    <dgm:choose name="Name0">
-      <dgm:if name="Name1" func="var" arg="dir" op="equ" val="norm">
-        <dgm:choose name="Name2">
-          <dgm:if name="Name3" axis="ch" ptType="node" func="cnt" op="gt" val="2">
-            <dgm:alg type="cycle">
-              <dgm:param type="stAng" val="0"/>
-              <dgm:param type="spanAng" val="360"/>
-            </dgm:alg>
-          </dgm:if>
-          <dgm:else name="Name4">
-            <dgm:alg type="cycle">
-              <dgm:param type="stAng" val="-90"/>
-              <dgm:param type="spanAng" val="360"/>
-            </dgm:alg>
-          </dgm:else>
-        </dgm:choose>
-      </dgm:if>
-      <dgm:else name="Name5">
-        <dgm:choose name="Name6">
-          <dgm:if name="Name7" axis="ch" ptType="node" func="cnt" op="gt" val="2">
-            <dgm:alg type="cycle">
-              <dgm:param type="stAng" val="0"/>
-              <dgm:param type="spanAng" val="-360"/>
-            </dgm:alg>
-          </dgm:if>
-          <dgm:else name="Name8">
-            <dgm:alg type="cycle">
-              <dgm:param type="stAng" val="90"/>
-              <dgm:param type="spanAng" val="-360"/>
-            </dgm:alg>
-          </dgm:else>
-        </dgm:choose>
-      </dgm:else>
-    </dgm:choose>
-    <dgm:shape xmlns:r="http://schemas.openxmlformats.org/officeDocument/2006/relationships" r:blip="">
-      <dgm:adjLst/>
-    </dgm:shape>
-    <dgm:presOf/>
-    <dgm:choose name="Name9">
-      <dgm:if name="Name10" func="var" arg="dir" op="equ" val="norm">
-        <dgm:constrLst>
-          <dgm:constr type="w" for="ch" forName="node" refType="w"/>
-          <dgm:constr type="w" for="ch" ptType="sibTrans" refType="w" refFor="ch" refForName="node" op="equ" fact="0.3"/>
-          <dgm:constr type="diam" for="ch" ptType="sibTrans" refType="diam" op="equ"/>
-          <dgm:constr type="sibSp" refType="w" refFor="ch" refForName="node" op="equ" fact="0.15"/>
-          <dgm:constr type="w" for="ch" forName="spNode" refType="sibSp" fact="1.6"/>
-          <dgm:constr type="primFontSz" for="ch" forName="node" op="equ" val="65"/>
-        </dgm:constrLst>
-      </dgm:if>
-      <dgm:else name="Name11">
-        <dgm:constrLst>
-          <dgm:constr type="w" for="ch" forName="node" refType="w"/>
-          <dgm:constr type="w" for="ch" ptType="sibTrans" refType="w" refFor="ch" refForName="node" op="equ" fact="0.3"/>
-          <dgm:constr type="diam" for="ch" ptType="sibTrans" refType="diam" op="equ" fact="-1"/>
-          <dgm:constr type="sibSp" refType="w" refFor="ch" refForName="node" op="equ" fact="0.15"/>
-          <dgm:constr type="w" for="ch" forName="spNode" refType="sibSp" fact="1.6"/>
-          <dgm:constr type="primFontSz" for="ch" forName="node" op="equ" val="65"/>
-        </dgm:constrLst>
-      </dgm:else>
-    </dgm:choose>
-    <dgm:ruleLst/>
-    <dgm:forEach name="Name12" axis="ch" ptType="node">
-      <dgm:layoutNode name="node">
-        <dgm:varLst>
-          <dgm:bulletEnabled val="1"/>
-        </dgm:varLst>
-        <dgm:alg type="tx"/>
-        <dgm:shape xmlns:r="http://schemas.openxmlformats.org/officeDocument/2006/relationships" type="roundRect" r:blip="">
-          <dgm:adjLst/>
-        </dgm:shape>
-        <dgm:presOf axis="desOrSelf" ptType="node"/>
-        <dgm:constrLst>
-          <dgm:constr type="h" refType="w" fact="0.65"/>
-          <dgm:constr type="tMarg" refType="primFontSz" fact="0.3"/>
-          <dgm:constr type="bMarg" refType="primFontSz" fact="0.3"/>
-          <dgm:constr type="lMarg" refType="primFontSz" fact="0.3"/>
-          <dgm:constr type="rMarg" refType="primFontSz" fact="0.3"/>
-        </dgm:constrLst>
-        <dgm:ruleLst>
-          <dgm:rule type="primFontSz" val="5" fact="NaN" max="NaN"/>
-        </dgm:ruleLst>
-      </dgm:layoutNode>
-      <dgm:choose name="Name13">
-        <dgm:if name="Name14" axis="par ch" ptType="doc node" func="cnt" op="gt" val="1">
-          <dgm:layoutNode name="spNode">
-            <dgm:alg type="sp"/>
-            <dgm:shape xmlns:r="http://schemas.openxmlformats.org/officeDocument/2006/relationships" r:blip="">
-              <dgm:adjLst/>
-            </dgm:shape>
-            <dgm:presOf/>
-            <dgm:constrLst>
-              <dgm:constr type="h" refType="w"/>
-            </dgm:constrLst>
-            <dgm:ruleLst/>
-          </dgm:layoutNode>
-          <dgm:forEach name="Name15" axis="followSib" ptType="sibTrans" hideLastTrans="0" cnt="1">
-            <dgm:layoutNode name="sibTrans">
-              <dgm:alg type="conn">
-                <dgm:param type="dim" val="1D"/>
-                <dgm:param type="connRout" val="curve"/>
-                <dgm:param type="begPts" val="radial"/>
-                <dgm:param type="endPts" val="radial"/>
-                <dgm:param type="endSty" val="noArr"/>
-              </dgm:alg>
-              <dgm:shape xmlns:r="http://schemas.openxmlformats.org/officeDocument/2006/relationships" type="conn" r:blip="">
-                <dgm:adjLst/>
-              </dgm:shape>
-              <dgm:presOf axis="self"/>
-              <dgm:constrLst>
-                <dgm:constr type="h" refType="w" fact="0.65"/>
-                <dgm:constr type="connDist"/>
-                <dgm:constr type="begPad" refType="connDist" fact="0.01"/>
-                <dgm:constr type="endPad" refType="connDist" fact="0.01"/>
-              </dgm:constrLst>
-              <dgm:ruleLst/>
-            </dgm:layoutNode>
-          </dgm:forEach>
-        </dgm:if>
-        <dgm:else name="Name16"/>
-      </dgm:choose>
-    </dgm:forEach>
-  </dgm:layoutNode>
-</dgm:layoutDef>
-</file>
-
-<file path=ppt/diagrams/quickStyle1.xml><?xml version="1.0" encoding="utf-8"?>
-<dgm:styleDef xmlns:dgm="http://schemas.openxmlformats.org/drawingml/2006/diagram" xmlns:a="http://schemas.openxmlformats.org/drawingml/2006/main" uniqueId="urn:microsoft.com/office/officeart/2005/8/quickstyle/simple1">
-  <dgm:title val=""/>
-  <dgm:desc val=""/>
-  <dgm:catLst>
-    <dgm:cat type="simple" pri="10100"/>
-  </dgm:catLst>
-  <dgm:scene3d>
-    <a:camera prst="orthographicFront"/>
-    <a:lightRig rig="threePt" dir="t"/>
-  </dgm:scene3d>
-  <dgm:styleLbl name="node0">
-    <dgm:scene3d>
-      <a:camera prst="orthographicFront"/>
-      <a:lightRig rig="threePt" dir="t"/>
-    </dgm:scene3d>
-    <dgm:sp3d/>
-    <dgm:txPr/>
-    <dgm:style>
-      <a:lnRef idx="2">
-        <a:scrgbClr r="0" g="0" b="0"/>
-      </a:lnRef>
-      <a:fillRef idx="1">
-        <a:scrgbClr r="0" g="0" b="0"/>
-      </a:fillRef>
-      <a:effectRef idx="0">
-        <a:scrgbClr r="0" g="0" b="0"/>
-      </a:effectRef>
-      <a:fontRef idx="minor">
-        <a:schemeClr val="lt1"/>
-      </a:fontRef>
-    </dgm:style>
-  </dgm:styleLbl>
-  <dgm:styleLbl name="lnNode1">
-    <dgm:scene3d>
-      <a:camera prst="orthographicFront"/>
-      <a:lightRig rig="threePt" dir="t"/>
-    </dgm:scene3d>
-    <dgm:sp3d/>
-    <dgm:txPr/>
-    <dgm:style>
-      <a:lnRef idx="2">
-        <a:scrgbClr r="0" g="0" b="0"/>
-      </a:lnRef>
-      <a:fillRef idx="1">
-        <a:scrgbClr r="0" g="0" b="0"/>
-      </a:fillRef>
-      <a:effectRef idx="0">
-        <a:scrgbClr r="0" g="0" b="0"/>
-      </a:effectRef>
-      <a:fontRef idx="minor">
-        <a:schemeClr val="lt1"/>
-      </a:fontRef>
-    </dgm:style>
-  </dgm:styleLbl>
-  <dgm:styleLbl name="vennNode1">
-    <dgm:scene3d>
-      <a:camera prst="orthographicFront"/>
-      <a:lightRig rig="threePt" dir="t"/>
-    </dgm:scene3d>
-    <dgm:sp3d/>
-    <dgm:txPr/>
-    <dgm:style>
-      <a:lnRef idx="2">
-        <a:scrgbClr r="0" g="0" b="0"/>
-      </a:lnRef>
-      <a:fillRef idx="1">
-        <a:scrgbClr r="0" g="0" b="0"/>
-      </a:fillRef>
-      <a:effectRef idx="0">
-        <a:scrgbClr r="0" g="0" b="0"/>
-      </a:effectRef>
-      <a:fontRef idx="minor">
-        <a:schemeClr val="tx1"/>
-      </a:fontRef>
-    </dgm:style>
-  </dgm:styleLbl>
-  <dgm:styleLbl name="alignNode1">
-    <dgm:scene3d>
-      <a:camera prst="orthographicFront"/>
-      <a:lightRig rig="threePt" dir="t"/>
-    </dgm:scene3d>
-    <dgm:sp3d/>
-    <dgm:txPr/>
-    <dgm:style>
-      <a:lnRef idx="2">
-        <a:scrgbClr r="0" g="0" b="0"/>
-      </a:lnRef>
-      <a:fillRef idx="1">
-        <a:scrgbClr r="0" g="0" b="0"/>
-      </a:fillRef>
-      <a:effectRef idx="0">
-        <a:scrgbClr r="0" g="0" b="0"/>
-      </a:effectRef>
-      <a:fontRef idx="minor">
-        <a:schemeClr val="lt1"/>
-      </a:fontRef>
-    </dgm:style>
-  </dgm:styleLbl>
-  <dgm:styleLbl name="node1">
-    <dgm:scene3d>
-      <a:camera prst="orthographicFront"/>
-      <a:lightRig rig="threePt" dir="t"/>
-    </dgm:scene3d>
-    <dgm:sp3d/>
-    <dgm:txPr/>
-    <dgm:style>
-      <a:lnRef idx="2">
-        <a:scrgbClr r="0" g="0" b="0"/>
-      </a:lnRef>
-      <a:fillRef idx="1">
-        <a:scrgbClr r="0" g="0" b="0"/>
-      </a:fillRef>
-      <a:effectRef idx="0">
-        <a:scrgbClr r="0" g="0" b="0"/>
-      </a:effectRef>
-      <a:fontRef idx="minor">
-        <a:schemeClr val="lt1"/>
-      </a:fontRef>
-    </dgm:style>
-  </dgm:styleLbl>
-  <dgm:styleLbl name="node2">
-    <dgm:scene3d>
-      <a:camera prst="orthographicFront"/>
-      <a:lightRig rig="threePt" dir="t"/>
-    </dgm:scene3d>
-    <dgm:sp3d/>
-    <dgm:txPr/>
-    <dgm:style>
-      <a:lnRef idx="2">
-        <a:scrgbClr r="0" g="0" b="0"/>
-      </a:lnRef>
-      <a:fillRef idx="1">
-        <a:scrgbClr r="0" g="0" b="0"/>
-      </a:fillRef>
-      <a:effectRef idx="0">
-        <a:scrgbClr r="0" g="0" b="0"/>
-      </a:effectRef>
-      <a:fontRef idx="minor">
-        <a:schemeClr val="lt1"/>
-      </a:fontRef>
-    </dgm:style>
-  </dgm:styleLbl>
-  <dgm:styleLbl name="node3">
-    <dgm:scene3d>
-      <a:camera prst="orthographicFront"/>
-      <a:lightRig rig="threePt" dir="t"/>
-    </dgm:scene3d>
-    <dgm:sp3d/>
-    <dgm:txPr/>
-    <dgm:style>
-      <a:lnRef idx="2">
-        <a:scrgbClr r="0" g="0" b="0"/>
-      </a:lnRef>
-      <a:fillRef idx="1">
-        <a:scrgbClr r="0" g="0" b="0"/>
-      </a:fillRef>
-      <a:effectRef idx="0">
-        <a:scrgbClr r="0" g="0" b="0"/>
-      </a:effectRef>
-      <a:fontRef idx="minor">
-        <a:schemeClr val="lt1"/>
-      </a:fontRef>
-    </dgm:style>
-  </dgm:styleLbl>
-  <dgm:styleLbl name="node4">
-    <dgm:scene3d>
-      <a:camera prst="orthographicFront"/>
-      <a:lightRig rig="threePt" dir="t"/>
-    </dgm:scene3d>
-    <dgm:sp3d/>
-    <dgm:txPr/>
-    <dgm:style>
-      <a:lnRef idx="2">
-        <a:scrgbClr r="0" g="0" b="0"/>
-      </a:lnRef>
-      <a:fillRef idx="1">
-        <a:scrgbClr r="0" g="0" b="0"/>
-      </a:fillRef>
-      <a:effectRef idx="0">
-        <a:scrgbClr r="0" g="0" b="0"/>
-      </a:effectRef>
-      <a:fontRef idx="minor">
-        <a:schemeClr val="lt1"/>
-      </a:fontRef>
-    </dgm:style>
-  </dgm:styleLbl>
-  <dgm:styleLbl name="fgImgPlace1">
-    <dgm:scene3d>
-      <a:camera prst="orthographicFront"/>
-      <a:lightRig rig="threePt" dir="t"/>
-    </dgm:scene3d>
-    <dgm:sp3d/>
-    <dgm:txPr/>
-    <dgm:style>
-      <a:lnRef idx="2">
-        <a:scrgbClr r="0" g="0" b="0"/>
-      </a:lnRef>
-      <a:fillRef idx="1">
-        <a:scrgbClr r="0" g="0" b="0"/>
-      </a:fillRef>
-      <a:effectRef idx="0">
-        <a:scrgbClr r="0" g="0" b="0"/>
-      </a:effectRef>
-      <a:fontRef idx="minor"/>
-    </dgm:style>
-  </dgm:styleLbl>
-  <dgm:styleLbl name="alignImgPlace1">
-    <dgm:scene3d>
-      <a:camera prst="orthographicFront"/>
-      <a:lightRig rig="threePt" dir="t"/>
-    </dgm:scene3d>
-    <dgm:sp3d/>
-    <dgm:txPr/>
-    <dgm:style>
-      <a:lnRef idx="2">
-        <a:scrgbClr r="0" g="0" b="0"/>
-      </a:lnRef>
-      <a:fillRef idx="1">
-        <a:scrgbClr r="0" g="0" b="0"/>
-      </a:fillRef>
-      <a:effectRef idx="0">
-        <a:scrgbClr r="0" g="0" b="0"/>
-      </a:effectRef>
-      <a:fontRef idx="minor"/>
-    </dgm:style>
-  </dgm:styleLbl>
-  <dgm:styleLbl name="bgImgPlace1">
-    <dgm:scene3d>
-      <a:camera prst="orthographicFront"/>
-      <a:lightRig rig="threePt" dir="t"/>
-    </dgm:scene3d>
-    <dgm:sp3d/>
-    <dgm:txPr/>
-    <dgm:style>
-      <a:lnRef idx="2">
-        <a:scrgbClr r="0" g="0" b="0"/>
-      </a:lnRef>
-      <a:fillRef idx="1">
-        <a:scrgbClr r="0" g="0" b="0"/>
-      </a:fillRef>
-      <a:effectRef idx="0">
-        <a:scrgbClr r="0" g="0" b="0"/>
-      </a:effectRef>
-      <a:fontRef idx="minor"/>
-    </dgm:style>
-  </dgm:styleLbl>
-  <dgm:styleLbl name="sibTrans2D1">
-    <dgm:scene3d>
-      <a:camera prst="orthographicFront"/>
-      <a:lightRig rig="threePt" dir="t"/>
-    </dgm:scene3d>
-    <dgm:sp3d/>
-    <dgm:txPr/>
-    <dgm:style>
-      <a:lnRef idx="0">
-        <a:scrgbClr r="0" g="0" b="0"/>
-      </a:lnRef>
-      <a:fillRef idx="1">
-        <a:scrgbClr r="0" g="0" b="0"/>
-      </a:fillRef>
-      <a:effectRef idx="0">
-        <a:scrgbClr r="0" g="0" b="0"/>
-      </a:effectRef>
-      <a:fontRef idx="minor">
-        <a:schemeClr val="lt1"/>
-      </a:fontRef>
-    </dgm:style>
-  </dgm:styleLbl>
-  <dgm:styleLbl name="fgSibTrans2D1">
-    <dgm:scene3d>
-      <a:camera prst="orthographicFront"/>
-      <a:lightRig rig="threePt" dir="t"/>
-    </dgm:scene3d>
-    <dgm:sp3d/>
-    <dgm:txPr/>
-    <dgm:style>
-      <a:lnRef idx="0">
-        <a:scrgbClr r="0" g="0" b="0"/>
-      </a:lnRef>
-      <a:fillRef idx="1">
-        <a:scrgbClr r="0" g="0" b="0"/>
-      </a:fillRef>
-      <a:effectRef idx="0">
-        <a:scrgbClr r="0" g="0" b="0"/>
-      </a:effectRef>
-      <a:fontRef idx="minor">
-        <a:schemeClr val="lt1"/>
-      </a:fontRef>
-    </dgm:style>
-  </dgm:styleLbl>
-  <dgm:styleLbl name="bgSibTrans2D1">
-    <dgm:scene3d>
-      <a:camera prst="orthographicFront"/>
-      <a:lightRig rig="threePt" dir="t"/>
-    </dgm:scene3d>
-    <dgm:sp3d/>
-    <dgm:txPr/>
-    <dgm:style>
-      <a:lnRef idx="0">
-        <a:scrgbClr r="0" g="0" b="0"/>
-      </a:lnRef>
-      <a:fillRef idx="1">
-        <a:scrgbClr r="0" g="0" b="0"/>
-      </a:fillRef>
-      <a:effectRef idx="0">
-        <a:scrgbClr r="0" g="0" b="0"/>
-      </a:effectRef>
-      <a:fontRef idx="minor">
-        <a:schemeClr val="lt1"/>
-      </a:fontRef>
-    </dgm:style>
-  </dgm:styleLbl>
-  <dgm:styleLbl name="sibTrans1D1">
-    <dgm:scene3d>
-      <a:camera prst="orthographicFront"/>
-      <a:lightRig rig="threePt" dir="t"/>
-    </dgm:scene3d>
-    <dgm:sp3d/>
-    <dgm:txPr/>
-    <dgm:style>
-      <a:lnRef idx="1">
-        <a:scrgbClr r="0" g="0" b="0"/>
-      </a:lnRef>
-      <a:fillRef idx="0">
-        <a:scrgbClr r="0" g="0" b="0"/>
-      </a:fillRef>
-      <a:effectRef idx="0">
-        <a:scrgbClr r="0" g="0" b="0"/>
-      </a:effectRef>
-      <a:fontRef idx="minor"/>
-    </dgm:style>
-  </dgm:styleLbl>
-  <dgm:styleLbl name="callout">
-    <dgm:scene3d>
-      <a:camera prst="orthographicFront"/>
-      <a:lightRig rig="threePt" dir="t"/>
-    </dgm:scene3d>
-    <dgm:sp3d/>
-    <dgm:txPr/>
-    <dgm:style>
-      <a:lnRef idx="2">
-        <a:scrgbClr r="0" g="0" b="0"/>
-      </a:lnRef>
-      <a:fillRef idx="1">
-        <a:scrgbClr r="0" g="0" b="0"/>
-      </a:fillRef>
-      <a:effectRef idx="0">
-        <a:scrgbClr r="0" g="0" b="0"/>
-      </a:effectRef>
-      <a:fontRef idx="minor"/>
-    </dgm:style>
-  </dgm:styleLbl>
-  <dgm:styleLbl name="asst0">
-    <dgm:scene3d>
-      <a:camera prst="orthographicFront"/>
-      <a:lightRig rig="threePt" dir="t"/>
-    </dgm:scene3d>
-    <dgm:sp3d/>
-    <dgm:txPr/>
-    <dgm:style>
-      <a:lnRef idx="2">
-        <a:scrgbClr r="0" g="0" b="0"/>
-      </a:lnRef>
-      <a:fillRef idx="1">
-        <a:scrgbClr r="0" g="0" b="0"/>
-      </a:fillRef>
-      <a:effectRef idx="0">
-        <a:scrgbClr r="0" g="0" b="0"/>
-      </a:effectRef>
-      <a:fontRef idx="minor">
-        <a:schemeClr val="lt1"/>
-      </a:fontRef>
-    </dgm:style>
-  </dgm:styleLbl>
-  <dgm:styleLbl name="asst1">
-    <dgm:scene3d>
-      <a:camera prst="orthographicFront"/>
-      <a:lightRig rig="threePt" dir="t"/>
-    </dgm:scene3d>
-    <dgm:sp3d/>
-    <dgm:txPr/>
-    <dgm:style>
-      <a:lnRef idx="2">
-        <a:scrgbClr r="0" g="0" b="0"/>
-      </a:lnRef>
-      <a:fillRef idx="1">
-        <a:scrgbClr r="0" g="0" b="0"/>
-      </a:fillRef>
-      <a:effectRef idx="0">
-        <a:scrgbClr r="0" g="0" b="0"/>
-      </a:effectRef>
-      <a:fontRef idx="minor">
-        <a:schemeClr val="lt1"/>
-      </a:fontRef>
-    </dgm:style>
-  </dgm:styleLbl>
-  <dgm:styleLbl name="asst2">
-    <dgm:scene3d>
-      <a:camera prst="orthographicFront"/>
-      <a:lightRig rig="threePt" dir="t"/>
-    </dgm:scene3d>
-    <dgm:sp3d/>
-    <dgm:txPr/>
-    <dgm:style>
-      <a:lnRef idx="2">
-        <a:scrgbClr r="0" g="0" b="0"/>
-      </a:lnRef>
-      <a:fillRef idx="1">
-        <a:scrgbClr r="0" g="0" b="0"/>
-      </a:fillRef>
-      <a:effectRef idx="0">
-        <a:scrgbClr r="0" g="0" b="0"/>
-      </a:effectRef>
-      <a:fontRef idx="minor">
-        <a:schemeClr val="lt1"/>
-      </a:fontRef>
-    </dgm:style>
-  </dgm:styleLbl>
-  <dgm:styleLbl name="asst3">
-    <dgm:scene3d>
-      <a:camera prst="orthographicFront"/>
-      <a:lightRig rig="threePt" dir="t"/>
-    </dgm:scene3d>
-    <dgm:sp3d/>
-    <dgm:txPr/>
-    <dgm:style>
-      <a:lnRef idx="2">
-        <a:scrgbClr r="0" g="0" b="0"/>
-      </a:lnRef>
-      <a:fillRef idx="1">
-        <a:scrgbClr r="0" g="0" b="0"/>
-      </a:fillRef>
-      <a:effectRef idx="0">
-        <a:scrgbClr r="0" g="0" b="0"/>
-      </a:effectRef>
-      <a:fontRef idx="minor">
-        <a:schemeClr val="lt1"/>
-      </a:fontRef>
-    </dgm:style>
-  </dgm:styleLbl>
-  <dgm:styleLbl name="asst4">
-    <dgm:scene3d>
-      <a:camera prst="orthographicFront"/>
-      <a:lightRig rig="threePt" dir="t"/>
-    </dgm:scene3d>
-    <dgm:sp3d/>
-    <dgm:txPr/>
-    <dgm:style>
-      <a:lnRef idx="2">
-        <a:scrgbClr r="0" g="0" b="0"/>
-      </a:lnRef>
-      <a:fillRef idx="1">
-        <a:scrgbClr r="0" g="0" b="0"/>
-      </a:fillRef>
-      <a:effectRef idx="0">
-        <a:scrgbClr r="0" g="0" b="0"/>
-      </a:effectRef>
-      <a:fontRef idx="minor">
-        <a:schemeClr val="lt1"/>
-      </a:fontRef>
-    </dgm:style>
-  </dgm:styleLbl>
-  <dgm:styleLbl name="parChTrans2D1">
-    <dgm:scene3d>
-      <a:camera prst="orthographicFront"/>
-      <a:lightRig rig="threePt" dir="t"/>
-    </dgm:scene3d>
-    <dgm:sp3d/>
-    <dgm:txPr/>
-    <dgm:style>
-      <a:lnRef idx="2">
-        <a:scrgbClr r="0" g="0" b="0"/>
-      </a:lnRef>
-      <a:fillRef idx="1">
-        <a:scrgbClr r="0" g="0" b="0"/>
-      </a:fillRef>
-      <a:effectRef idx="0">
-        <a:scrgbClr r="0" g="0" b="0"/>
-      </a:effectRef>
-      <a:fontRef idx="minor">
-        <a:schemeClr val="lt1"/>
-      </a:fontRef>
-    </dgm:style>
-  </dgm:styleLbl>
-  <dgm:styleLbl name="parChTrans2D2">
-    <dgm:scene3d>
-      <a:camera prst="orthographicFront"/>
-      <a:lightRig rig="threePt" dir="t"/>
-    </dgm:scene3d>
-    <dgm:sp3d/>
-    <dgm:txPr/>
-    <dgm:style>
-      <a:lnRef idx="2">
-        <a:scrgbClr r="0" g="0" b="0"/>
-      </a:lnRef>
-      <a:fillRef idx="1">
-        <a:scrgbClr r="0" g="0" b="0"/>
-      </a:fillRef>
-      <a:effectRef idx="0">
-        <a:scrgbClr r="0" g="0" b="0"/>
-      </a:effectRef>
-      <a:fontRef idx="minor">
-        <a:schemeClr val="lt1"/>
-      </a:fontRef>
-    </dgm:style>
-  </dgm:styleLbl>
-  <dgm:styleLbl name="parChTrans2D3">
-    <dgm:scene3d>
-      <a:camera prst="orthographicFront"/>
-      <a:lightRig rig="threePt" dir="t"/>
-    </dgm:scene3d>
-    <dgm:sp3d/>
-    <dgm:txPr/>
-    <dgm:style>
-      <a:lnRef idx="2">
-        <a:scrgbClr r="0" g="0" b="0"/>
-      </a:lnRef>
-      <a:fillRef idx="1">
-        <a:scrgbClr r="0" g="0" b="0"/>
-      </a:fillRef>
-      <a:effectRef idx="0">
-        <a:scrgbClr r="0" g="0" b="0"/>
-      </a:effectRef>
-      <a:fontRef idx="minor">
-        <a:schemeClr val="lt1"/>
-      </a:fontRef>
-    </dgm:style>
-  </dgm:styleLbl>
-  <dgm:styleLbl name="parChTrans2D4">
-    <dgm:scene3d>
-      <a:camera prst="orthographicFront"/>
-      <a:lightRig rig="threePt" dir="t"/>
-    </dgm:scene3d>
-    <dgm:sp3d/>
-    <dgm:txPr/>
-    <dgm:style>
-      <a:lnRef idx="2">
-        <a:scrgbClr r="0" g="0" b="0"/>
-      </a:lnRef>
-      <a:fillRef idx="1">
-        <a:scrgbClr r="0" g="0" b="0"/>
-      </a:fillRef>
-      <a:effectRef idx="0">
-        <a:scrgbClr r="0" g="0" b="0"/>
-      </a:effectRef>
-      <a:fontRef idx="minor">
-        <a:schemeClr val="lt1"/>
-      </a:fontRef>
-    </dgm:style>
-  </dgm:styleLbl>
-  <dgm:styleLbl name="parChTrans1D1">
-    <dgm:scene3d>
-      <a:camera prst="orthographicFront"/>
-      <a:lightRig rig="threePt" dir="t"/>
-    </dgm:scene3d>
-    <dgm:sp3d/>
-    <dgm:txPr/>
-    <dgm:style>
-      <a:lnRef idx="2">
-        <a:scrgbClr r="0" g="0" b="0"/>
-      </a:lnRef>
-      <a:fillRef idx="0">
-        <a:scrgbClr r="0" g="0" b="0"/>
-      </a:fillRef>
-      <a:effectRef idx="0">
-        <a:scrgbClr r="0" g="0" b="0"/>
-      </a:effectRef>
-      <a:fontRef idx="minor"/>
-    </dgm:style>
-  </dgm:styleLbl>
-  <dgm:styleLbl name="parChTrans1D2">
-    <dgm:scene3d>
-      <a:camera prst="orthographicFront"/>
-      <a:lightRig rig="threePt" dir="t"/>
-    </dgm:scene3d>
-    <dgm:sp3d/>
-    <dgm:txPr/>
-    <dgm:style>
-      <a:lnRef idx="2">
-        <a:scrgbClr r="0" g="0" b="0"/>
-      </a:lnRef>
-      <a:fillRef idx="0">
-        <a:scrgbClr r="0" g="0" b="0"/>
-      </a:fillRef>
-      <a:effectRef idx="0">
-        <a:scrgbClr r="0" g="0" b="0"/>
-      </a:effectRef>
-      <a:fontRef idx="minor"/>
-    </dgm:style>
-  </dgm:styleLbl>
-  <dgm:styleLbl name="parChTrans1D3">
-    <dgm:scene3d>
-      <a:camera prst="orthographicFront"/>
-      <a:lightRig rig="threePt" dir="t"/>
-    </dgm:scene3d>
-    <dgm:sp3d/>
-    <dgm:txPr/>
-    <dgm:style>
-      <a:lnRef idx="2">
-        <a:scrgbClr r="0" g="0" b="0"/>
-      </a:lnRef>
-      <a:fillRef idx="0">
-        <a:scrgbClr r="0" g="0" b="0"/>
-      </a:fillRef>
-      <a:effectRef idx="0">
-        <a:scrgbClr r="0" g="0" b="0"/>
-      </a:effectRef>
-      <a:fontRef idx="minor"/>
-    </dgm:style>
-  </dgm:styleLbl>
-  <dgm:styleLbl name="parChTrans1D4">
-    <dgm:scene3d>
-      <a:camera prst="orthographicFront"/>
-      <a:lightRig rig="threePt" dir="t"/>
-    </dgm:scene3d>
-    <dgm:sp3d/>
-    <dgm:txPr/>
-    <dgm:style>
-      <a:lnRef idx="2">
-        <a:scrgbClr r="0" g="0" b="0"/>
-      </a:lnRef>
-      <a:fillRef idx="0">
-        <a:scrgbClr r="0" g="0" b="0"/>
-      </a:fillRef>
-      <a:effectRef idx="0">
-        <a:scrgbClr r="0" g="0" b="0"/>
-      </a:effectRef>
-      <a:fontRef idx="minor"/>
-    </dgm:style>
-  </dgm:styleLbl>
-  <dgm:styleLbl name="fgAcc1">
-    <dgm:scene3d>
-      <a:camera prst="orthographicFront"/>
-      <a:lightRig rig="threePt" dir="t"/>
-    </dgm:scene3d>
-    <dgm:sp3d/>
-    <dgm:txPr/>
-    <dgm:style>
-      <a:lnRef idx="2">
-        <a:scrgbClr r="0" g="0" b="0"/>
-      </a:lnRef>
-      <a:fillRef idx="1">
-        <a:scrgbClr r="0" g="0" b="0"/>
-      </a:fillRef>
-      <a:effectRef idx="0">
-        <a:scrgbClr r="0" g="0" b="0"/>
-      </a:effectRef>
-      <a:fontRef idx="minor"/>
-    </dgm:style>
-  </dgm:styleLbl>
-  <dgm:styleLbl name="conFgAcc1">
-    <dgm:scene3d>
-      <a:camera prst="orthographicFront"/>
-      <a:lightRig rig="threePt" dir="t"/>
-    </dgm:scene3d>
-    <dgm:sp3d/>
-    <dgm:txPr/>
-    <dgm:style>
-      <a:lnRef idx="2">
-        <a:scrgbClr r="0" g="0" b="0"/>
-      </a:lnRef>
-      <a:fillRef idx="1">
-        <a:scrgbClr r="0" g="0" b="0"/>
-      </a:fillRef>
-      <a:effectRef idx="0">
-        <a:scrgbClr r="0" g="0" b="0"/>
-      </a:effectRef>
-      <a:fontRef idx="minor"/>
-    </dgm:style>
-  </dgm:styleLbl>
-  <dgm:styleLbl name="alignAcc1">
-    <dgm:scene3d>
-      <a:camera prst="orthographicFront"/>
-      <a:lightRig rig="threePt" dir="t"/>
-    </dgm:scene3d>
-    <dgm:sp3d/>
-    <dgm:txPr/>
-    <dgm:style>
-      <a:lnRef idx="2">
-        <a:scrgbClr r="0" g="0" b="0"/>
-      </a:lnRef>
-      <a:fillRef idx="1">
-        <a:scrgbClr r="0" g="0" b="0"/>
-      </a:fillRef>
-      <a:effectRef idx="0">
-        <a:scrgbClr r="0" g="0" b="0"/>
-      </a:effectRef>
-      <a:fontRef idx="minor"/>
-    </dgm:style>
-  </dgm:styleLbl>
-  <dgm:styleLbl name="trAlignAcc1">
-    <dgm:scene3d>
-      <a:camera prst="orthographicFront"/>
-      <a:lightRig rig="threePt" dir="t"/>
-    </dgm:scene3d>
-    <dgm:sp3d/>
-    <dgm:txPr/>
-    <dgm:style>
-      <a:lnRef idx="1">
-        <a:scrgbClr r="0" g="0" b="0"/>
-      </a:lnRef>
-      <a:fillRef idx="1">
-        <a:scrgbClr r="0" g="0" b="0"/>
-      </a:fillRef>
-      <a:effectRef idx="0">
-        <a:scrgbClr r="0" g="0" b="0"/>
-      </a:effectRef>
-      <a:fontRef idx="minor"/>
-    </dgm:style>
-  </dgm:styleLbl>
-  <dgm:styleLbl name="bgAcc1">
-    <dgm:scene3d>
-      <a:camera prst="orthographicFront"/>
-      <a:lightRig rig="threePt" dir="t"/>
-    </dgm:scene3d>
-    <dgm:sp3d/>
-    <dgm:txPr/>
-    <dgm:style>
-      <a:lnRef idx="2">
-        <a:scrgbClr r="0" g="0" b="0"/>
-      </a:lnRef>
-      <a:fillRef idx="1">
-        <a:scrgbClr r="0" g="0" b="0"/>
-      </a:fillRef>
-      <a:effectRef idx="0">
-        <a:scrgbClr r="0" g="0" b="0"/>
-      </a:effectRef>
-      <a:fontRef idx="minor"/>
-    </dgm:style>
-  </dgm:styleLbl>
-  <dgm:styleLbl name="solidFgAcc1">
-    <dgm:scene3d>
-      <a:camera prst="orthographicFront"/>
-      <a:lightRig rig="threePt" dir="t"/>
-    </dgm:scene3d>
-    <dgm:sp3d/>
-    <dgm:txPr/>
-    <dgm:style>
-      <a:lnRef idx="2">
-        <a:scrgbClr r="0" g="0" b="0"/>
-      </a:lnRef>
-      <a:fillRef idx="1">
-        <a:scrgbClr r="0" g="0" b="0"/>
-      </a:fillRef>
-      <a:effectRef idx="0">
-        <a:scrgbClr r="0" g="0" b="0"/>
-      </a:effectRef>
-      <a:fontRef idx="minor"/>
-    </dgm:style>
-  </dgm:styleLbl>
-  <dgm:styleLbl name="solidAlignAcc1">
-    <dgm:scene3d>
-      <a:camera prst="orthographicFront"/>
-      <a:lightRig rig="threePt" dir="t"/>
-    </dgm:scene3d>
-    <dgm:sp3d/>
-    <dgm:txPr/>
-    <dgm:style>
-      <a:lnRef idx="2">
-        <a:scrgbClr r="0" g="0" b="0"/>
-      </a:lnRef>
-      <a:fillRef idx="1">
-        <a:scrgbClr r="0" g="0" b="0"/>
-      </a:fillRef>
-      <a:effectRef idx="0">
-        <a:scrgbClr r="0" g="0" b="0"/>
-      </a:effectRef>
-      <a:fontRef idx="minor"/>
-    </dgm:style>
-  </dgm:styleLbl>
-  <dgm:styleLbl name="solidBgAcc1">
-    <dgm:scene3d>
-      <a:camera prst="orthographicFront"/>
-      <a:lightRig rig="threePt" dir="t"/>
-    </dgm:scene3d>
-    <dgm:sp3d/>
-    <dgm:txPr/>
-    <dgm:style>
-      <a:lnRef idx="2">
-        <a:scrgbClr r="0" g="0" b="0"/>
-      </a:lnRef>
-      <a:fillRef idx="1">
-        <a:scrgbClr r="0" g="0" b="0"/>
-      </a:fillRef>
-      <a:effectRef idx="0">
-        <a:scrgbClr r="0" g="0" b="0"/>
-      </a:effectRef>
-      <a:fontRef idx="minor"/>
-    </dgm:style>
-  </dgm:styleLbl>
-  <dgm:styleLbl name="fgAccFollowNode1">
-    <dgm:scene3d>
-      <a:camera prst="orthographicFront"/>
-      <a:lightRig rig="threePt" dir="t"/>
-    </dgm:scene3d>
-    <dgm:sp3d/>
-    <dgm:txPr/>
-    <dgm:style>
-      <a:lnRef idx="2">
-        <a:scrgbClr r="0" g="0" b="0"/>
-      </a:lnRef>
-      <a:fillRef idx="1">
-        <a:scrgbClr r="0" g="0" b="0"/>
-      </a:fillRef>
-      <a:effectRef idx="0">
-        <a:scrgbClr r="0" g="0" b="0"/>
-      </a:effectRef>
-      <a:fontRef idx="minor"/>
-    </dgm:style>
-  </dgm:styleLbl>
-  <dgm:styleLbl name="alignAccFollowNode1">
-    <dgm:scene3d>
-      <a:camera prst="orthographicFront"/>
-      <a:lightRig rig="threePt" dir="t"/>
-    </dgm:scene3d>
-    <dgm:sp3d/>
-    <dgm:txPr/>
-    <dgm:style>
-      <a:lnRef idx="2">
-        <a:scrgbClr r="0" g="0" b="0"/>
-      </a:lnRef>
-      <a:fillRef idx="1">
-        <a:scrgbClr r="0" g="0" b="0"/>
-      </a:fillRef>
-      <a:effectRef idx="0">
-        <a:scrgbClr r="0" g="0" b="0"/>
-      </a:effectRef>
-      <a:fontRef idx="minor"/>
-    </dgm:style>
-  </dgm:styleLbl>
-  <dgm:styleLbl name="bgAccFollowNode1">
-    <dgm:scene3d>
-      <a:camera prst="orthographicFront"/>
-      <a:lightRig rig="threePt" dir="t"/>
-    </dgm:scene3d>
-    <dgm:sp3d/>
-    <dgm:txPr/>
-    <dgm:style>
-      <a:lnRef idx="2">
-        <a:scrgbClr r="0" g="0" b="0"/>
-      </a:lnRef>
-      <a:fillRef idx="1">
-        <a:scrgbClr r="0" g="0" b="0"/>
-      </a:fillRef>
-      <a:effectRef idx="0">
-        <a:scrgbClr r="0" g="0" b="0"/>
-      </a:effectRef>
-      <a:fontRef idx="minor"/>
-    </dgm:style>
-  </dgm:styleLbl>
-  <dgm:styleLbl name="fgAcc0">
-    <dgm:scene3d>
-      <a:camera prst="orthographicFront"/>
-      <a:lightRig rig="threePt" dir="t"/>
-    </dgm:scene3d>
-    <dgm:sp3d/>
-    <dgm:txPr/>
-    <dgm:style>
-      <a:lnRef idx="2">
-        <a:scrgbClr r="0" g="0" b="0"/>
-      </a:lnRef>
-      <a:fillRef idx="1">
-        <a:scrgbClr r="0" g="0" b="0"/>
-      </a:fillRef>
-      <a:effectRef idx="0">
-        <a:scrgbClr r="0" g="0" b="0"/>
-      </a:effectRef>
-      <a:fontRef idx="minor"/>
-    </dgm:style>
-  </dgm:styleLbl>
-  <dgm:styleLbl name="fgAcc2">
-    <dgm:scene3d>
-      <a:camera prst="orthographicFront"/>
-      <a:lightRig rig="threePt" dir="t"/>
-    </dgm:scene3d>
-    <dgm:sp3d/>
-    <dgm:txPr/>
-    <dgm:style>
-      <a:lnRef idx="2">
-        <a:scrgbClr r="0" g="0" b="0"/>
-      </a:lnRef>
-      <a:fillRef idx="1">
-        <a:scrgbClr r="0" g="0" b="0"/>
-      </a:fillRef>
-      <a:effectRef idx="0">
-        <a:scrgbClr r="0" g="0" b="0"/>
-      </a:effectRef>
-      <a:fontRef idx="minor"/>
-    </dgm:style>
-  </dgm:styleLbl>
-  <dgm:styleLbl name="fgAcc3">
-    <dgm:scene3d>
-      <a:camera prst="orthographicFront"/>
-      <a:lightRig rig="threePt" dir="t"/>
-    </dgm:scene3d>
-    <dgm:sp3d/>
-    <dgm:txPr/>
-    <dgm:style>
-      <a:lnRef idx="2">
-        <a:scrgbClr r="0" g="0" b="0"/>
-      </a:lnRef>
-      <a:fillRef idx="1">
-        <a:scrgbClr r="0" g="0" b="0"/>
-      </a:fillRef>
-      <a:effectRef idx="0">
-        <a:scrgbClr r="0" g="0" b="0"/>
-      </a:effectRef>
-      <a:fontRef idx="minor"/>
-    </dgm:style>
-  </dgm:styleLbl>
-  <dgm:styleLbl name="fgAcc4">
-    <dgm:scene3d>
-      <a:camera prst="orthographicFront"/>
-      <a:lightRig rig="threePt" dir="t"/>
-    </dgm:scene3d>
-    <dgm:sp3d/>
-    <dgm:txPr/>
-    <dgm:style>
-      <a:lnRef idx="2">
-        <a:scrgbClr r="0" g="0" b="0"/>
-      </a:lnRef>
-      <a:fillRef idx="1">
-        <a:scrgbClr r="0" g="0" b="0"/>
-      </a:fillRef>
-      <a:effectRef idx="0">
-        <a:scrgbClr r="0" g="0" b="0"/>
-      </a:effectRef>
-      <a:fontRef idx="minor"/>
-    </dgm:style>
-  </dgm:styleLbl>
-  <dgm:styleLbl name="bgShp">
-    <dgm:scene3d>
-      <a:camera prst="orthographicFront"/>
-      <a:lightRig rig="threePt" dir="t"/>
-    </dgm:scene3d>
-    <dgm:sp3d/>
-    <dgm:txPr/>
-    <dgm:style>
-      <a:lnRef idx="0">
-        <a:scrgbClr r="0" g="0" b="0"/>
-      </a:lnRef>
-      <a:fillRef idx="1">
-        <a:scrgbClr r="0" g="0" b="0"/>
-      </a:fillRef>
-      <a:effectRef idx="0">
-        <a:scrgbClr r="0" g="0" b="0"/>
-      </a:effectRef>
-      <a:fontRef idx="minor"/>
-    </dgm:style>
-  </dgm:styleLbl>
-  <dgm:styleLbl name="dkBgShp">
-    <dgm:scene3d>
-      <a:camera prst="orthographicFront"/>
-      <a:lightRig rig="threePt" dir="t"/>
-    </dgm:scene3d>
-    <dgm:sp3d/>
-    <dgm:txPr/>
-    <dgm:style>
-      <a:lnRef idx="0">
-        <a:scrgbClr r="0" g="0" b="0"/>
-      </a:lnRef>
-      <a:fillRef idx="1">
-        <a:scrgbClr r="0" g="0" b="0"/>
-      </a:fillRef>
-      <a:effectRef idx="0">
-        <a:scrgbClr r="0" g="0" b="0"/>
-      </a:effectRef>
-      <a:fontRef idx="minor"/>
-    </dgm:style>
-  </dgm:styleLbl>
-  <dgm:styleLbl name="trBgShp">
-    <dgm:scene3d>
-      <a:camera prst="orthographicFront"/>
-      <a:lightRig rig="threePt" dir="t"/>
-    </dgm:scene3d>
-    <dgm:sp3d/>
-    <dgm:txPr/>
-    <dgm:style>
-      <a:lnRef idx="0">
-        <a:scrgbClr r="0" g="0" b="0"/>
-      </a:lnRef>
-      <a:fillRef idx="1">
-        <a:scrgbClr r="0" g="0" b="0"/>
-      </a:fillRef>
-      <a:effectRef idx="0">
-        <a:scrgbClr r="0" g="0" b="0"/>
-      </a:effectRef>
-      <a:fontRef idx="minor"/>
-    </dgm:style>
-  </dgm:styleLbl>
-  <dgm:styleLbl name="fgShp">
-    <dgm:scene3d>
-      <a:camera prst="orthographicFront"/>
-      <a:lightRig rig="threePt" dir="t"/>
-    </dgm:scene3d>
-    <dgm:sp3d/>
-    <dgm:txPr/>
-    <dgm:style>
-      <a:lnRef idx="2">
-        <a:scrgbClr r="0" g="0" b="0"/>
-      </a:lnRef>
-      <a:fillRef idx="1">
-        <a:scrgbClr r="0" g="0" b="0"/>
-      </a:fillRef>
-      <a:effectRef idx="0">
-        <a:scrgbClr r="0" g="0" b="0"/>
-      </a:effectRef>
-      <a:fontRef idx="minor"/>
-    </dgm:style>
-  </dgm:styleLbl>
-  <dgm:styleLbl name="revTx">
-    <dgm:scene3d>
-      <a:camera prst="orthographicFront"/>
-      <a:lightRig rig="threePt" dir="t"/>
-    </dgm:scene3d>
-    <dgm:sp3d/>
-    <dgm:txPr/>
-    <dgm:style>
-      <a:lnRef idx="0">
-        <a:scrgbClr r="0" g="0" b="0"/>
-      </a:lnRef>
-      <a:fillRef idx="0">
-        <a:scrgbClr r="0" g="0" b="0"/>
-      </a:fillRef>
-      <a:effectRef idx="0">
-        <a:scrgbClr r="0" g="0" b="0"/>
-      </a:effectRef>
-      <a:fontRef idx="minor"/>
-    </dgm:style>
-  </dgm:styleLbl>
-</dgm:styleDef>
 </file>
 
 <file path=ppt/slideLayouts/slideLayout1.xml><?xml version="1.0" encoding="utf-8"?>
@@ -3826,7 +852,7 @@
           <a:p>
             <a:fld id="{691282EA-CDD0-4B74-9EB9-DD218018EBB4}" type="datetimeFigureOut">
               <a:rPr lang="fr-FR" smtClean="0"/>
-              <a:t>25/10/2020</a:t>
+              <a:t>31/10/2020</a:t>
             </a:fld>
             <a:endParaRPr lang="fr-FR"/>
           </a:p>
@@ -4077,7 +1103,7 @@
           <a:p>
             <a:fld id="{691282EA-CDD0-4B74-9EB9-DD218018EBB4}" type="datetimeFigureOut">
               <a:rPr lang="fr-FR" smtClean="0"/>
-              <a:t>25/10/2020</a:t>
+              <a:t>31/10/2020</a:t>
             </a:fld>
             <a:endParaRPr lang="fr-FR"/>
           </a:p>
@@ -4391,7 +1417,7 @@
           <a:p>
             <a:fld id="{691282EA-CDD0-4B74-9EB9-DD218018EBB4}" type="datetimeFigureOut">
               <a:rPr lang="fr-FR" smtClean="0"/>
-              <a:t>25/10/2020</a:t>
+              <a:t>31/10/2020</a:t>
             </a:fld>
             <a:endParaRPr lang="fr-FR"/>
           </a:p>
@@ -4732,7 +1758,7 @@
           <a:p>
             <a:fld id="{691282EA-CDD0-4B74-9EB9-DD218018EBB4}" type="datetimeFigureOut">
               <a:rPr lang="fr-FR" smtClean="0"/>
-              <a:t>25/10/2020</a:t>
+              <a:t>31/10/2020</a:t>
             </a:fld>
             <a:endParaRPr lang="fr-FR"/>
           </a:p>
@@ -5046,7 +2072,7 @@
           <a:p>
             <a:fld id="{691282EA-CDD0-4B74-9EB9-DD218018EBB4}" type="datetimeFigureOut">
               <a:rPr lang="fr-FR" smtClean="0"/>
-              <a:t>25/10/2020</a:t>
+              <a:t>31/10/2020</a:t>
             </a:fld>
             <a:endParaRPr lang="fr-FR"/>
           </a:p>
@@ -5439,7 +2465,7 @@
           <a:p>
             <a:fld id="{691282EA-CDD0-4B74-9EB9-DD218018EBB4}" type="datetimeFigureOut">
               <a:rPr lang="fr-FR" smtClean="0"/>
-              <a:t>25/10/2020</a:t>
+              <a:t>31/10/2020</a:t>
             </a:fld>
             <a:endParaRPr lang="fr-FR"/>
           </a:p>
@@ -5609,7 +2635,7 @@
           <a:p>
             <a:fld id="{691282EA-CDD0-4B74-9EB9-DD218018EBB4}" type="datetimeFigureOut">
               <a:rPr lang="fr-FR" smtClean="0"/>
-              <a:t>25/10/2020</a:t>
+              <a:t>31/10/2020</a:t>
             </a:fld>
             <a:endParaRPr lang="fr-FR"/>
           </a:p>
@@ -5789,7 +2815,7 @@
           <a:p>
             <a:fld id="{691282EA-CDD0-4B74-9EB9-DD218018EBB4}" type="datetimeFigureOut">
               <a:rPr lang="fr-FR" smtClean="0"/>
-              <a:t>25/10/2020</a:t>
+              <a:t>31/10/2020</a:t>
             </a:fld>
             <a:endParaRPr lang="fr-FR"/>
           </a:p>
@@ -5965,7 +2991,7 @@
           <a:p>
             <a:fld id="{691282EA-CDD0-4B74-9EB9-DD218018EBB4}" type="datetimeFigureOut">
               <a:rPr lang="fr-FR" smtClean="0"/>
-              <a:t>25/10/2020</a:t>
+              <a:t>31/10/2020</a:t>
             </a:fld>
             <a:endParaRPr lang="fr-FR"/>
           </a:p>
@@ -6212,7 +3238,7 @@
           <a:p>
             <a:fld id="{691282EA-CDD0-4B74-9EB9-DD218018EBB4}" type="datetimeFigureOut">
               <a:rPr lang="fr-FR" smtClean="0"/>
-              <a:t>25/10/2020</a:t>
+              <a:t>31/10/2020</a:t>
             </a:fld>
             <a:endParaRPr lang="fr-FR"/>
           </a:p>
@@ -6444,7 +3470,7 @@
           <a:p>
             <a:fld id="{691282EA-CDD0-4B74-9EB9-DD218018EBB4}" type="datetimeFigureOut">
               <a:rPr lang="fr-FR" smtClean="0"/>
-              <a:t>25/10/2020</a:t>
+              <a:t>31/10/2020</a:t>
             </a:fld>
             <a:endParaRPr lang="fr-FR"/>
           </a:p>
@@ -6818,7 +3844,7 @@
           <a:p>
             <a:fld id="{691282EA-CDD0-4B74-9EB9-DD218018EBB4}" type="datetimeFigureOut">
               <a:rPr lang="fr-FR" smtClean="0"/>
-              <a:t>25/10/2020</a:t>
+              <a:t>31/10/2020</a:t>
             </a:fld>
             <a:endParaRPr lang="fr-FR"/>
           </a:p>
@@ -6941,7 +3967,7 @@
           <a:p>
             <a:fld id="{691282EA-CDD0-4B74-9EB9-DD218018EBB4}" type="datetimeFigureOut">
               <a:rPr lang="fr-FR" smtClean="0"/>
-              <a:t>25/10/2020</a:t>
+              <a:t>31/10/2020</a:t>
             </a:fld>
             <a:endParaRPr lang="fr-FR"/>
           </a:p>
@@ -7036,7 +4062,7 @@
           <a:p>
             <a:fld id="{691282EA-CDD0-4B74-9EB9-DD218018EBB4}" type="datetimeFigureOut">
               <a:rPr lang="fr-FR" smtClean="0"/>
-              <a:t>25/10/2020</a:t>
+              <a:t>31/10/2020</a:t>
             </a:fld>
             <a:endParaRPr lang="fr-FR"/>
           </a:p>
@@ -7291,7 +4317,7 @@
           <a:p>
             <a:fld id="{691282EA-CDD0-4B74-9EB9-DD218018EBB4}" type="datetimeFigureOut">
               <a:rPr lang="fr-FR" smtClean="0"/>
-              <a:t>25/10/2020</a:t>
+              <a:t>31/10/2020</a:t>
             </a:fld>
             <a:endParaRPr lang="fr-FR"/>
           </a:p>
@@ -7554,7 +4580,7 @@
           <a:p>
             <a:fld id="{691282EA-CDD0-4B74-9EB9-DD218018EBB4}" type="datetimeFigureOut">
               <a:rPr lang="fr-FR" smtClean="0"/>
-              <a:t>25/10/2020</a:t>
+              <a:t>31/10/2020</a:t>
             </a:fld>
             <a:endParaRPr lang="fr-FR"/>
           </a:p>
@@ -8297,7 +5323,7 @@
           <a:p>
             <a:fld id="{691282EA-CDD0-4B74-9EB9-DD218018EBB4}" type="datetimeFigureOut">
               <a:rPr lang="fr-FR" smtClean="0"/>
-              <a:t>25/10/2020</a:t>
+              <a:t>31/10/2020</a:t>
             </a:fld>
             <a:endParaRPr lang="fr-FR"/>
           </a:p>
@@ -9982,34 +7008,1156 @@
           </a:p>
         </p:txBody>
       </p:sp>
-      <p:graphicFrame>
-        <p:nvGraphicFramePr>
-          <p:cNvPr id="5" name="Diagramme 4">
+      <p:sp>
+        <p:nvSpPr>
+          <p:cNvPr id="3" name="Forme libre : forme 2">
             <a:extLst>
               <a:ext uri="{FF2B5EF4-FFF2-40B4-BE49-F238E27FC236}">
-                <a16:creationId xmlns:a16="http://schemas.microsoft.com/office/drawing/2014/main" id="{CFFE04DB-143C-4BD6-A794-9F1754077BBF}"/>
+                <a16:creationId xmlns:a16="http://schemas.microsoft.com/office/drawing/2014/main" id="{FE8F735A-420C-42EF-9FDF-8FFE3E9976CA}"/>
               </a:ext>
             </a:extLst>
           </p:cNvPr>
-          <p:cNvGraphicFramePr/>
-          <p:nvPr>
-            <p:extLst>
-              <p:ext uri="{D42A27DB-BD31-4B8C-83A1-F6EECF244321}">
-                <p14:modId xmlns:p14="http://schemas.microsoft.com/office/powerpoint/2010/main" val="141192943"/>
-              </p:ext>
-            </p:extLst>
-          </p:nvPr>
-        </p:nvGraphicFramePr>
-        <p:xfrm>
-          <a:off x="646230" y="708970"/>
-          <a:ext cx="10557266" cy="5666664"/>
-        </p:xfrm>
-        <a:graphic>
-          <a:graphicData uri="http://schemas.openxmlformats.org/drawingml/2006/diagram">
-            <dgm:relIds xmlns:dgm="http://schemas.openxmlformats.org/drawingml/2006/diagram" xmlns:r="http://schemas.openxmlformats.org/officeDocument/2006/relationships" r:dm="rId2" r:lo="rId3" r:qs="rId4" r:cs="rId5"/>
-          </a:graphicData>
-        </a:graphic>
-      </p:graphicFrame>
+          <p:cNvSpPr/>
+          <p:nvPr/>
+        </p:nvSpPr>
+        <p:spPr>
+          <a:xfrm>
+            <a:off x="4994400" y="710798"/>
+            <a:ext cx="1860924" cy="1209600"/>
+          </a:xfrm>
+          <a:custGeom>
+            <a:avLst/>
+            <a:gdLst>
+              <a:gd name="connsiteX0" fmla="*/ 0 w 1860924"/>
+              <a:gd name="connsiteY0" fmla="*/ 201604 h 1209600"/>
+              <a:gd name="connsiteX1" fmla="*/ 201604 w 1860924"/>
+              <a:gd name="connsiteY1" fmla="*/ 0 h 1209600"/>
+              <a:gd name="connsiteX2" fmla="*/ 1659320 w 1860924"/>
+              <a:gd name="connsiteY2" fmla="*/ 0 h 1209600"/>
+              <a:gd name="connsiteX3" fmla="*/ 1860924 w 1860924"/>
+              <a:gd name="connsiteY3" fmla="*/ 201604 h 1209600"/>
+              <a:gd name="connsiteX4" fmla="*/ 1860924 w 1860924"/>
+              <a:gd name="connsiteY4" fmla="*/ 1007996 h 1209600"/>
+              <a:gd name="connsiteX5" fmla="*/ 1659320 w 1860924"/>
+              <a:gd name="connsiteY5" fmla="*/ 1209600 h 1209600"/>
+              <a:gd name="connsiteX6" fmla="*/ 201604 w 1860924"/>
+              <a:gd name="connsiteY6" fmla="*/ 1209600 h 1209600"/>
+              <a:gd name="connsiteX7" fmla="*/ 0 w 1860924"/>
+              <a:gd name="connsiteY7" fmla="*/ 1007996 h 1209600"/>
+              <a:gd name="connsiteX8" fmla="*/ 0 w 1860924"/>
+              <a:gd name="connsiteY8" fmla="*/ 201604 h 1209600"/>
+            </a:gdLst>
+            <a:ahLst/>
+            <a:cxnLst>
+              <a:cxn ang="0">
+                <a:pos x="connsiteX0" y="connsiteY0"/>
+              </a:cxn>
+              <a:cxn ang="0">
+                <a:pos x="connsiteX1" y="connsiteY1"/>
+              </a:cxn>
+              <a:cxn ang="0">
+                <a:pos x="connsiteX2" y="connsiteY2"/>
+              </a:cxn>
+              <a:cxn ang="0">
+                <a:pos x="connsiteX3" y="connsiteY3"/>
+              </a:cxn>
+              <a:cxn ang="0">
+                <a:pos x="connsiteX4" y="connsiteY4"/>
+              </a:cxn>
+              <a:cxn ang="0">
+                <a:pos x="connsiteX5" y="connsiteY5"/>
+              </a:cxn>
+              <a:cxn ang="0">
+                <a:pos x="connsiteX6" y="connsiteY6"/>
+              </a:cxn>
+              <a:cxn ang="0">
+                <a:pos x="connsiteX7" y="connsiteY7"/>
+              </a:cxn>
+              <a:cxn ang="0">
+                <a:pos x="connsiteX8" y="connsiteY8"/>
+              </a:cxn>
+            </a:cxnLst>
+            <a:rect l="l" t="t" r="r" b="b"/>
+            <a:pathLst>
+              <a:path w="1860924" h="1209600">
+                <a:moveTo>
+                  <a:pt x="0" y="201604"/>
+                </a:moveTo>
+                <a:cubicBezTo>
+                  <a:pt x="0" y="90261"/>
+                  <a:pt x="90261" y="0"/>
+                  <a:pt x="201604" y="0"/>
+                </a:cubicBezTo>
+                <a:lnTo>
+                  <a:pt x="1659320" y="0"/>
+                </a:lnTo>
+                <a:cubicBezTo>
+                  <a:pt x="1770663" y="0"/>
+                  <a:pt x="1860924" y="90261"/>
+                  <a:pt x="1860924" y="201604"/>
+                </a:cubicBezTo>
+                <a:lnTo>
+                  <a:pt x="1860924" y="1007996"/>
+                </a:lnTo>
+                <a:cubicBezTo>
+                  <a:pt x="1860924" y="1119339"/>
+                  <a:pt x="1770663" y="1209600"/>
+                  <a:pt x="1659320" y="1209600"/>
+                </a:cubicBezTo>
+                <a:lnTo>
+                  <a:pt x="201604" y="1209600"/>
+                </a:lnTo>
+                <a:cubicBezTo>
+                  <a:pt x="90261" y="1209600"/>
+                  <a:pt x="0" y="1119339"/>
+                  <a:pt x="0" y="1007996"/>
+                </a:cubicBezTo>
+                <a:lnTo>
+                  <a:pt x="0" y="201604"/>
+                </a:lnTo>
+                <a:close/>
+              </a:path>
+            </a:pathLst>
+          </a:custGeom>
+        </p:spPr>
+        <p:style>
+          <a:lnRef idx="2">
+            <a:schemeClr val="lt1">
+              <a:hueOff val="0"/>
+              <a:satOff val="0"/>
+              <a:lumOff val="0"/>
+              <a:alphaOff val="0"/>
+            </a:schemeClr>
+          </a:lnRef>
+          <a:fillRef idx="1">
+            <a:schemeClr val="accent1">
+              <a:hueOff val="0"/>
+              <a:satOff val="0"/>
+              <a:lumOff val="0"/>
+              <a:alphaOff val="0"/>
+            </a:schemeClr>
+          </a:fillRef>
+          <a:effectRef idx="0">
+            <a:schemeClr val="accent1">
+              <a:hueOff val="0"/>
+              <a:satOff val="0"/>
+              <a:lumOff val="0"/>
+              <a:alphaOff val="0"/>
+            </a:schemeClr>
+          </a:effectRef>
+          <a:fontRef idx="minor">
+            <a:schemeClr val="lt1"/>
+          </a:fontRef>
+        </p:style>
+        <p:txBody>
+          <a:bodyPr spcFirstLastPara="0" vert="horz" wrap="square" lIns="127628" tIns="127628" rIns="127628" bIns="127628" numCol="1" spcCol="1270" anchor="ctr" anchorCtr="0">
+            <a:noAutofit/>
+          </a:bodyPr>
+          <a:lstStyle/>
+          <a:p>
+            <a:pPr marL="0" lvl="0" indent="0" algn="ctr" defTabSz="800100">
+              <a:lnSpc>
+                <a:spcPct val="90000"/>
+              </a:lnSpc>
+              <a:spcBef>
+                <a:spcPct val="0"/>
+              </a:spcBef>
+              <a:spcAft>
+                <a:spcPct val="35000"/>
+              </a:spcAft>
+              <a:buNone/>
+            </a:pPr>
+            <a:r>
+              <a:rPr lang="fr-FR" sz="1800" kern="1200" dirty="0"/>
+              <a:t>Interface d’échange</a:t>
+            </a:r>
+          </a:p>
+        </p:txBody>
+      </p:sp>
+      <p:sp>
+        <p:nvSpPr>
+          <p:cNvPr id="4" name="Forme libre : forme 3">
+            <a:extLst>
+              <a:ext uri="{FF2B5EF4-FFF2-40B4-BE49-F238E27FC236}">
+                <a16:creationId xmlns:a16="http://schemas.microsoft.com/office/drawing/2014/main" id="{12359215-5EE2-4FFB-8B06-CAB26008F49D}"/>
+              </a:ext>
+            </a:extLst>
+          </p:cNvPr>
+          <p:cNvSpPr/>
+          <p:nvPr/>
+        </p:nvSpPr>
+        <p:spPr>
+          <a:xfrm>
+            <a:off x="3507415" y="1315599"/>
+            <a:ext cx="4834895" cy="4834895"/>
+          </a:xfrm>
+          <a:custGeom>
+            <a:avLst/>
+            <a:gdLst/>
+            <a:ahLst/>
+            <a:cxnLst/>
+            <a:rect l="0" t="0" r="0" b="0"/>
+            <a:pathLst>
+              <a:path>
+                <a:moveTo>
+                  <a:pt x="3360703" y="191617"/>
+                </a:moveTo>
+                <a:arcTo wR="2417447" hR="2417447" stAng="17577967" swAng="1962274"/>
+              </a:path>
+            </a:pathLst>
+          </a:custGeom>
+          <a:noFill/>
+        </p:spPr>
+        <p:style>
+          <a:lnRef idx="1">
+            <a:schemeClr val="accent1">
+              <a:hueOff val="0"/>
+              <a:satOff val="0"/>
+              <a:lumOff val="0"/>
+              <a:alphaOff val="0"/>
+            </a:schemeClr>
+          </a:lnRef>
+          <a:fillRef idx="0">
+            <a:scrgbClr r="0" g="0" b="0"/>
+          </a:fillRef>
+          <a:effectRef idx="0">
+            <a:schemeClr val="accent1">
+              <a:hueOff val="0"/>
+              <a:satOff val="0"/>
+              <a:lumOff val="0"/>
+              <a:alphaOff val="0"/>
+            </a:schemeClr>
+          </a:effectRef>
+          <a:fontRef idx="minor">
+            <a:schemeClr val="tx1">
+              <a:hueOff val="0"/>
+              <a:satOff val="0"/>
+              <a:lumOff val="0"/>
+              <a:alphaOff val="0"/>
+            </a:schemeClr>
+          </a:fontRef>
+        </p:style>
+      </p:sp>
+      <p:sp>
+        <p:nvSpPr>
+          <p:cNvPr id="7" name="Forme libre : forme 6">
+            <a:extLst>
+              <a:ext uri="{FF2B5EF4-FFF2-40B4-BE49-F238E27FC236}">
+                <a16:creationId xmlns:a16="http://schemas.microsoft.com/office/drawing/2014/main" id="{E7A1CF51-7614-4116-A0DF-223466E12E9E}"/>
+              </a:ext>
+            </a:extLst>
+          </p:cNvPr>
+          <p:cNvSpPr/>
+          <p:nvPr/>
+        </p:nvSpPr>
+        <p:spPr>
+          <a:xfrm>
+            <a:off x="7293530" y="2381213"/>
+            <a:ext cx="1860924" cy="1209600"/>
+          </a:xfrm>
+          <a:custGeom>
+            <a:avLst/>
+            <a:gdLst>
+              <a:gd name="connsiteX0" fmla="*/ 0 w 1860924"/>
+              <a:gd name="connsiteY0" fmla="*/ 201604 h 1209600"/>
+              <a:gd name="connsiteX1" fmla="*/ 201604 w 1860924"/>
+              <a:gd name="connsiteY1" fmla="*/ 0 h 1209600"/>
+              <a:gd name="connsiteX2" fmla="*/ 1659320 w 1860924"/>
+              <a:gd name="connsiteY2" fmla="*/ 0 h 1209600"/>
+              <a:gd name="connsiteX3" fmla="*/ 1860924 w 1860924"/>
+              <a:gd name="connsiteY3" fmla="*/ 201604 h 1209600"/>
+              <a:gd name="connsiteX4" fmla="*/ 1860924 w 1860924"/>
+              <a:gd name="connsiteY4" fmla="*/ 1007996 h 1209600"/>
+              <a:gd name="connsiteX5" fmla="*/ 1659320 w 1860924"/>
+              <a:gd name="connsiteY5" fmla="*/ 1209600 h 1209600"/>
+              <a:gd name="connsiteX6" fmla="*/ 201604 w 1860924"/>
+              <a:gd name="connsiteY6" fmla="*/ 1209600 h 1209600"/>
+              <a:gd name="connsiteX7" fmla="*/ 0 w 1860924"/>
+              <a:gd name="connsiteY7" fmla="*/ 1007996 h 1209600"/>
+              <a:gd name="connsiteX8" fmla="*/ 0 w 1860924"/>
+              <a:gd name="connsiteY8" fmla="*/ 201604 h 1209600"/>
+            </a:gdLst>
+            <a:ahLst/>
+            <a:cxnLst>
+              <a:cxn ang="0">
+                <a:pos x="connsiteX0" y="connsiteY0"/>
+              </a:cxn>
+              <a:cxn ang="0">
+                <a:pos x="connsiteX1" y="connsiteY1"/>
+              </a:cxn>
+              <a:cxn ang="0">
+                <a:pos x="connsiteX2" y="connsiteY2"/>
+              </a:cxn>
+              <a:cxn ang="0">
+                <a:pos x="connsiteX3" y="connsiteY3"/>
+              </a:cxn>
+              <a:cxn ang="0">
+                <a:pos x="connsiteX4" y="connsiteY4"/>
+              </a:cxn>
+              <a:cxn ang="0">
+                <a:pos x="connsiteX5" y="connsiteY5"/>
+              </a:cxn>
+              <a:cxn ang="0">
+                <a:pos x="connsiteX6" y="connsiteY6"/>
+              </a:cxn>
+              <a:cxn ang="0">
+                <a:pos x="connsiteX7" y="connsiteY7"/>
+              </a:cxn>
+              <a:cxn ang="0">
+                <a:pos x="connsiteX8" y="connsiteY8"/>
+              </a:cxn>
+            </a:cxnLst>
+            <a:rect l="l" t="t" r="r" b="b"/>
+            <a:pathLst>
+              <a:path w="1860924" h="1209600">
+                <a:moveTo>
+                  <a:pt x="0" y="201604"/>
+                </a:moveTo>
+                <a:cubicBezTo>
+                  <a:pt x="0" y="90261"/>
+                  <a:pt x="90261" y="0"/>
+                  <a:pt x="201604" y="0"/>
+                </a:cubicBezTo>
+                <a:lnTo>
+                  <a:pt x="1659320" y="0"/>
+                </a:lnTo>
+                <a:cubicBezTo>
+                  <a:pt x="1770663" y="0"/>
+                  <a:pt x="1860924" y="90261"/>
+                  <a:pt x="1860924" y="201604"/>
+                </a:cubicBezTo>
+                <a:lnTo>
+                  <a:pt x="1860924" y="1007996"/>
+                </a:lnTo>
+                <a:cubicBezTo>
+                  <a:pt x="1860924" y="1119339"/>
+                  <a:pt x="1770663" y="1209600"/>
+                  <a:pt x="1659320" y="1209600"/>
+                </a:cubicBezTo>
+                <a:lnTo>
+                  <a:pt x="201604" y="1209600"/>
+                </a:lnTo>
+                <a:cubicBezTo>
+                  <a:pt x="90261" y="1209600"/>
+                  <a:pt x="0" y="1119339"/>
+                  <a:pt x="0" y="1007996"/>
+                </a:cubicBezTo>
+                <a:lnTo>
+                  <a:pt x="0" y="201604"/>
+                </a:lnTo>
+                <a:close/>
+              </a:path>
+            </a:pathLst>
+          </a:custGeom>
+        </p:spPr>
+        <p:style>
+          <a:lnRef idx="2">
+            <a:schemeClr val="lt1">
+              <a:hueOff val="0"/>
+              <a:satOff val="0"/>
+              <a:lumOff val="0"/>
+              <a:alphaOff val="0"/>
+            </a:schemeClr>
+          </a:lnRef>
+          <a:fillRef idx="1">
+            <a:schemeClr val="accent1">
+              <a:hueOff val="0"/>
+              <a:satOff val="0"/>
+              <a:lumOff val="0"/>
+              <a:alphaOff val="0"/>
+            </a:schemeClr>
+          </a:fillRef>
+          <a:effectRef idx="0">
+            <a:schemeClr val="accent1">
+              <a:hueOff val="0"/>
+              <a:satOff val="0"/>
+              <a:lumOff val="0"/>
+              <a:alphaOff val="0"/>
+            </a:schemeClr>
+          </a:effectRef>
+          <a:fontRef idx="minor">
+            <a:schemeClr val="lt1"/>
+          </a:fontRef>
+        </p:style>
+        <p:txBody>
+          <a:bodyPr spcFirstLastPara="0" vert="horz" wrap="square" lIns="127628" tIns="127628" rIns="127628" bIns="127628" numCol="1" spcCol="1270" anchor="ctr" anchorCtr="0">
+            <a:noAutofit/>
+          </a:bodyPr>
+          <a:lstStyle/>
+          <a:p>
+            <a:pPr marL="0" lvl="0" indent="0" algn="ctr" defTabSz="800100">
+              <a:lnSpc>
+                <a:spcPct val="90000"/>
+              </a:lnSpc>
+              <a:spcBef>
+                <a:spcPct val="0"/>
+              </a:spcBef>
+              <a:spcAft>
+                <a:spcPct val="35000"/>
+              </a:spcAft>
+              <a:buNone/>
+            </a:pPr>
+            <a:r>
+              <a:rPr lang="fr-FR" sz="1800" kern="1200" dirty="0"/>
+              <a:t>Centralisation des informations</a:t>
+            </a:r>
+          </a:p>
+        </p:txBody>
+      </p:sp>
+      <p:sp>
+        <p:nvSpPr>
+          <p:cNvPr id="8" name="Forme libre : forme 7">
+            <a:extLst>
+              <a:ext uri="{FF2B5EF4-FFF2-40B4-BE49-F238E27FC236}">
+                <a16:creationId xmlns:a16="http://schemas.microsoft.com/office/drawing/2014/main" id="{CB2A4938-4D21-4797-84E9-DD94A7F345A3}"/>
+              </a:ext>
+            </a:extLst>
+          </p:cNvPr>
+          <p:cNvSpPr/>
+          <p:nvPr/>
+        </p:nvSpPr>
+        <p:spPr>
+          <a:xfrm>
+            <a:off x="3507415" y="1315599"/>
+            <a:ext cx="4834895" cy="4834895"/>
+          </a:xfrm>
+          <a:custGeom>
+            <a:avLst/>
+            <a:gdLst/>
+            <a:ahLst/>
+            <a:cxnLst/>
+            <a:rect l="0" t="0" r="0" b="0"/>
+            <a:pathLst>
+              <a:path>
+                <a:moveTo>
+                  <a:pt x="4831568" y="2290672"/>
+                </a:moveTo>
+                <a:arcTo wR="2417447" hR="2417447" stAng="21419636" swAng="2196869"/>
+              </a:path>
+            </a:pathLst>
+          </a:custGeom>
+          <a:noFill/>
+        </p:spPr>
+        <p:style>
+          <a:lnRef idx="1">
+            <a:schemeClr val="accent1">
+              <a:hueOff val="0"/>
+              <a:satOff val="0"/>
+              <a:lumOff val="0"/>
+              <a:alphaOff val="0"/>
+            </a:schemeClr>
+          </a:lnRef>
+          <a:fillRef idx="0">
+            <a:scrgbClr r="0" g="0" b="0"/>
+          </a:fillRef>
+          <a:effectRef idx="0">
+            <a:schemeClr val="accent1">
+              <a:hueOff val="0"/>
+              <a:satOff val="0"/>
+              <a:lumOff val="0"/>
+              <a:alphaOff val="0"/>
+            </a:schemeClr>
+          </a:effectRef>
+          <a:fontRef idx="minor">
+            <a:schemeClr val="tx1">
+              <a:hueOff val="0"/>
+              <a:satOff val="0"/>
+              <a:lumOff val="0"/>
+              <a:alphaOff val="0"/>
+            </a:schemeClr>
+          </a:fontRef>
+        </p:style>
+      </p:sp>
+      <p:sp>
+        <p:nvSpPr>
+          <p:cNvPr id="9" name="Forme libre : forme 8">
+            <a:extLst>
+              <a:ext uri="{FF2B5EF4-FFF2-40B4-BE49-F238E27FC236}">
+                <a16:creationId xmlns:a16="http://schemas.microsoft.com/office/drawing/2014/main" id="{4CADCF70-4256-4E60-A1A0-BED5A894D5D5}"/>
+              </a:ext>
+            </a:extLst>
+          </p:cNvPr>
+          <p:cNvSpPr/>
+          <p:nvPr/>
+        </p:nvSpPr>
+        <p:spPr>
+          <a:xfrm>
+            <a:off x="6415340" y="5084002"/>
+            <a:ext cx="1860924" cy="1209600"/>
+          </a:xfrm>
+          <a:custGeom>
+            <a:avLst/>
+            <a:gdLst>
+              <a:gd name="connsiteX0" fmla="*/ 0 w 1860924"/>
+              <a:gd name="connsiteY0" fmla="*/ 201604 h 1209600"/>
+              <a:gd name="connsiteX1" fmla="*/ 201604 w 1860924"/>
+              <a:gd name="connsiteY1" fmla="*/ 0 h 1209600"/>
+              <a:gd name="connsiteX2" fmla="*/ 1659320 w 1860924"/>
+              <a:gd name="connsiteY2" fmla="*/ 0 h 1209600"/>
+              <a:gd name="connsiteX3" fmla="*/ 1860924 w 1860924"/>
+              <a:gd name="connsiteY3" fmla="*/ 201604 h 1209600"/>
+              <a:gd name="connsiteX4" fmla="*/ 1860924 w 1860924"/>
+              <a:gd name="connsiteY4" fmla="*/ 1007996 h 1209600"/>
+              <a:gd name="connsiteX5" fmla="*/ 1659320 w 1860924"/>
+              <a:gd name="connsiteY5" fmla="*/ 1209600 h 1209600"/>
+              <a:gd name="connsiteX6" fmla="*/ 201604 w 1860924"/>
+              <a:gd name="connsiteY6" fmla="*/ 1209600 h 1209600"/>
+              <a:gd name="connsiteX7" fmla="*/ 0 w 1860924"/>
+              <a:gd name="connsiteY7" fmla="*/ 1007996 h 1209600"/>
+              <a:gd name="connsiteX8" fmla="*/ 0 w 1860924"/>
+              <a:gd name="connsiteY8" fmla="*/ 201604 h 1209600"/>
+            </a:gdLst>
+            <a:ahLst/>
+            <a:cxnLst>
+              <a:cxn ang="0">
+                <a:pos x="connsiteX0" y="connsiteY0"/>
+              </a:cxn>
+              <a:cxn ang="0">
+                <a:pos x="connsiteX1" y="connsiteY1"/>
+              </a:cxn>
+              <a:cxn ang="0">
+                <a:pos x="connsiteX2" y="connsiteY2"/>
+              </a:cxn>
+              <a:cxn ang="0">
+                <a:pos x="connsiteX3" y="connsiteY3"/>
+              </a:cxn>
+              <a:cxn ang="0">
+                <a:pos x="connsiteX4" y="connsiteY4"/>
+              </a:cxn>
+              <a:cxn ang="0">
+                <a:pos x="connsiteX5" y="connsiteY5"/>
+              </a:cxn>
+              <a:cxn ang="0">
+                <a:pos x="connsiteX6" y="connsiteY6"/>
+              </a:cxn>
+              <a:cxn ang="0">
+                <a:pos x="connsiteX7" y="connsiteY7"/>
+              </a:cxn>
+              <a:cxn ang="0">
+                <a:pos x="connsiteX8" y="connsiteY8"/>
+              </a:cxn>
+            </a:cxnLst>
+            <a:rect l="l" t="t" r="r" b="b"/>
+            <a:pathLst>
+              <a:path w="1860924" h="1209600">
+                <a:moveTo>
+                  <a:pt x="0" y="201604"/>
+                </a:moveTo>
+                <a:cubicBezTo>
+                  <a:pt x="0" y="90261"/>
+                  <a:pt x="90261" y="0"/>
+                  <a:pt x="201604" y="0"/>
+                </a:cubicBezTo>
+                <a:lnTo>
+                  <a:pt x="1659320" y="0"/>
+                </a:lnTo>
+                <a:cubicBezTo>
+                  <a:pt x="1770663" y="0"/>
+                  <a:pt x="1860924" y="90261"/>
+                  <a:pt x="1860924" y="201604"/>
+                </a:cubicBezTo>
+                <a:lnTo>
+                  <a:pt x="1860924" y="1007996"/>
+                </a:lnTo>
+                <a:cubicBezTo>
+                  <a:pt x="1860924" y="1119339"/>
+                  <a:pt x="1770663" y="1209600"/>
+                  <a:pt x="1659320" y="1209600"/>
+                </a:cubicBezTo>
+                <a:lnTo>
+                  <a:pt x="201604" y="1209600"/>
+                </a:lnTo>
+                <a:cubicBezTo>
+                  <a:pt x="90261" y="1209600"/>
+                  <a:pt x="0" y="1119339"/>
+                  <a:pt x="0" y="1007996"/>
+                </a:cubicBezTo>
+                <a:lnTo>
+                  <a:pt x="0" y="201604"/>
+                </a:lnTo>
+                <a:close/>
+              </a:path>
+            </a:pathLst>
+          </a:custGeom>
+        </p:spPr>
+        <p:style>
+          <a:lnRef idx="2">
+            <a:schemeClr val="lt1">
+              <a:hueOff val="0"/>
+              <a:satOff val="0"/>
+              <a:lumOff val="0"/>
+              <a:alphaOff val="0"/>
+            </a:schemeClr>
+          </a:lnRef>
+          <a:fillRef idx="1">
+            <a:schemeClr val="accent1">
+              <a:hueOff val="0"/>
+              <a:satOff val="0"/>
+              <a:lumOff val="0"/>
+              <a:alphaOff val="0"/>
+            </a:schemeClr>
+          </a:fillRef>
+          <a:effectRef idx="0">
+            <a:schemeClr val="accent1">
+              <a:hueOff val="0"/>
+              <a:satOff val="0"/>
+              <a:lumOff val="0"/>
+              <a:alphaOff val="0"/>
+            </a:schemeClr>
+          </a:effectRef>
+          <a:fontRef idx="minor">
+            <a:schemeClr val="lt1"/>
+          </a:fontRef>
+        </p:style>
+        <p:txBody>
+          <a:bodyPr spcFirstLastPara="0" vert="horz" wrap="square" lIns="127628" tIns="127628" rIns="127628" bIns="127628" numCol="1" spcCol="1270" anchor="ctr" anchorCtr="0">
+            <a:noAutofit/>
+          </a:bodyPr>
+          <a:lstStyle/>
+          <a:p>
+            <a:pPr marL="0" lvl="0" indent="0" algn="ctr" defTabSz="800100">
+              <a:lnSpc>
+                <a:spcPct val="90000"/>
+              </a:lnSpc>
+              <a:spcBef>
+                <a:spcPct val="0"/>
+              </a:spcBef>
+              <a:spcAft>
+                <a:spcPct val="35000"/>
+              </a:spcAft>
+              <a:buNone/>
+            </a:pPr>
+            <a:r>
+              <a:rPr lang="fr-FR" sz="1800" kern="1200" dirty="0"/>
+              <a:t>Solution portable</a:t>
+            </a:r>
+          </a:p>
+        </p:txBody>
+      </p:sp>
+      <p:sp>
+        <p:nvSpPr>
+          <p:cNvPr id="10" name="Forme libre : forme 9">
+            <a:extLst>
+              <a:ext uri="{FF2B5EF4-FFF2-40B4-BE49-F238E27FC236}">
+                <a16:creationId xmlns:a16="http://schemas.microsoft.com/office/drawing/2014/main" id="{DCE4CEE3-3ABD-4423-BBAA-37919E66B51D}"/>
+              </a:ext>
+            </a:extLst>
+          </p:cNvPr>
+          <p:cNvSpPr/>
+          <p:nvPr/>
+        </p:nvSpPr>
+        <p:spPr>
+          <a:xfrm>
+            <a:off x="3507415" y="1315599"/>
+            <a:ext cx="4834895" cy="4834895"/>
+          </a:xfrm>
+          <a:custGeom>
+            <a:avLst/>
+            <a:gdLst/>
+            <a:ahLst/>
+            <a:cxnLst/>
+            <a:rect l="0" t="0" r="0" b="0"/>
+            <a:pathLst>
+              <a:path>
+                <a:moveTo>
+                  <a:pt x="2898315" y="4786586"/>
+                </a:moveTo>
+                <a:arcTo wR="2417447" hR="2417447" stAng="4711586" swAng="1376827"/>
+              </a:path>
+            </a:pathLst>
+          </a:custGeom>
+          <a:noFill/>
+        </p:spPr>
+        <p:style>
+          <a:lnRef idx="1">
+            <a:schemeClr val="accent1">
+              <a:hueOff val="0"/>
+              <a:satOff val="0"/>
+              <a:lumOff val="0"/>
+              <a:alphaOff val="0"/>
+            </a:schemeClr>
+          </a:lnRef>
+          <a:fillRef idx="0">
+            <a:scrgbClr r="0" g="0" b="0"/>
+          </a:fillRef>
+          <a:effectRef idx="0">
+            <a:schemeClr val="accent1">
+              <a:hueOff val="0"/>
+              <a:satOff val="0"/>
+              <a:lumOff val="0"/>
+              <a:alphaOff val="0"/>
+            </a:schemeClr>
+          </a:effectRef>
+          <a:fontRef idx="minor">
+            <a:schemeClr val="tx1">
+              <a:hueOff val="0"/>
+              <a:satOff val="0"/>
+              <a:lumOff val="0"/>
+              <a:alphaOff val="0"/>
+            </a:schemeClr>
+          </a:fontRef>
+        </p:style>
+      </p:sp>
+      <p:sp>
+        <p:nvSpPr>
+          <p:cNvPr id="11" name="Forme libre : forme 10">
+            <a:extLst>
+              <a:ext uri="{FF2B5EF4-FFF2-40B4-BE49-F238E27FC236}">
+                <a16:creationId xmlns:a16="http://schemas.microsoft.com/office/drawing/2014/main" id="{A3C82E10-0098-4EBC-99B6-786A19F137BB}"/>
+              </a:ext>
+            </a:extLst>
+          </p:cNvPr>
+          <p:cNvSpPr/>
+          <p:nvPr/>
+        </p:nvSpPr>
+        <p:spPr>
+          <a:xfrm>
+            <a:off x="3573460" y="5084002"/>
+            <a:ext cx="1860924" cy="1209600"/>
+          </a:xfrm>
+          <a:custGeom>
+            <a:avLst/>
+            <a:gdLst>
+              <a:gd name="connsiteX0" fmla="*/ 0 w 1860924"/>
+              <a:gd name="connsiteY0" fmla="*/ 201604 h 1209600"/>
+              <a:gd name="connsiteX1" fmla="*/ 201604 w 1860924"/>
+              <a:gd name="connsiteY1" fmla="*/ 0 h 1209600"/>
+              <a:gd name="connsiteX2" fmla="*/ 1659320 w 1860924"/>
+              <a:gd name="connsiteY2" fmla="*/ 0 h 1209600"/>
+              <a:gd name="connsiteX3" fmla="*/ 1860924 w 1860924"/>
+              <a:gd name="connsiteY3" fmla="*/ 201604 h 1209600"/>
+              <a:gd name="connsiteX4" fmla="*/ 1860924 w 1860924"/>
+              <a:gd name="connsiteY4" fmla="*/ 1007996 h 1209600"/>
+              <a:gd name="connsiteX5" fmla="*/ 1659320 w 1860924"/>
+              <a:gd name="connsiteY5" fmla="*/ 1209600 h 1209600"/>
+              <a:gd name="connsiteX6" fmla="*/ 201604 w 1860924"/>
+              <a:gd name="connsiteY6" fmla="*/ 1209600 h 1209600"/>
+              <a:gd name="connsiteX7" fmla="*/ 0 w 1860924"/>
+              <a:gd name="connsiteY7" fmla="*/ 1007996 h 1209600"/>
+              <a:gd name="connsiteX8" fmla="*/ 0 w 1860924"/>
+              <a:gd name="connsiteY8" fmla="*/ 201604 h 1209600"/>
+            </a:gdLst>
+            <a:ahLst/>
+            <a:cxnLst>
+              <a:cxn ang="0">
+                <a:pos x="connsiteX0" y="connsiteY0"/>
+              </a:cxn>
+              <a:cxn ang="0">
+                <a:pos x="connsiteX1" y="connsiteY1"/>
+              </a:cxn>
+              <a:cxn ang="0">
+                <a:pos x="connsiteX2" y="connsiteY2"/>
+              </a:cxn>
+              <a:cxn ang="0">
+                <a:pos x="connsiteX3" y="connsiteY3"/>
+              </a:cxn>
+              <a:cxn ang="0">
+                <a:pos x="connsiteX4" y="connsiteY4"/>
+              </a:cxn>
+              <a:cxn ang="0">
+                <a:pos x="connsiteX5" y="connsiteY5"/>
+              </a:cxn>
+              <a:cxn ang="0">
+                <a:pos x="connsiteX6" y="connsiteY6"/>
+              </a:cxn>
+              <a:cxn ang="0">
+                <a:pos x="connsiteX7" y="connsiteY7"/>
+              </a:cxn>
+              <a:cxn ang="0">
+                <a:pos x="connsiteX8" y="connsiteY8"/>
+              </a:cxn>
+            </a:cxnLst>
+            <a:rect l="l" t="t" r="r" b="b"/>
+            <a:pathLst>
+              <a:path w="1860924" h="1209600">
+                <a:moveTo>
+                  <a:pt x="0" y="201604"/>
+                </a:moveTo>
+                <a:cubicBezTo>
+                  <a:pt x="0" y="90261"/>
+                  <a:pt x="90261" y="0"/>
+                  <a:pt x="201604" y="0"/>
+                </a:cubicBezTo>
+                <a:lnTo>
+                  <a:pt x="1659320" y="0"/>
+                </a:lnTo>
+                <a:cubicBezTo>
+                  <a:pt x="1770663" y="0"/>
+                  <a:pt x="1860924" y="90261"/>
+                  <a:pt x="1860924" y="201604"/>
+                </a:cubicBezTo>
+                <a:lnTo>
+                  <a:pt x="1860924" y="1007996"/>
+                </a:lnTo>
+                <a:cubicBezTo>
+                  <a:pt x="1860924" y="1119339"/>
+                  <a:pt x="1770663" y="1209600"/>
+                  <a:pt x="1659320" y="1209600"/>
+                </a:cubicBezTo>
+                <a:lnTo>
+                  <a:pt x="201604" y="1209600"/>
+                </a:lnTo>
+                <a:cubicBezTo>
+                  <a:pt x="90261" y="1209600"/>
+                  <a:pt x="0" y="1119339"/>
+                  <a:pt x="0" y="1007996"/>
+                </a:cubicBezTo>
+                <a:lnTo>
+                  <a:pt x="0" y="201604"/>
+                </a:lnTo>
+                <a:close/>
+              </a:path>
+            </a:pathLst>
+          </a:custGeom>
+        </p:spPr>
+        <p:style>
+          <a:lnRef idx="2">
+            <a:schemeClr val="lt1">
+              <a:hueOff val="0"/>
+              <a:satOff val="0"/>
+              <a:lumOff val="0"/>
+              <a:alphaOff val="0"/>
+            </a:schemeClr>
+          </a:lnRef>
+          <a:fillRef idx="1">
+            <a:schemeClr val="accent1">
+              <a:hueOff val="0"/>
+              <a:satOff val="0"/>
+              <a:lumOff val="0"/>
+              <a:alphaOff val="0"/>
+            </a:schemeClr>
+          </a:fillRef>
+          <a:effectRef idx="0">
+            <a:schemeClr val="accent1">
+              <a:hueOff val="0"/>
+              <a:satOff val="0"/>
+              <a:lumOff val="0"/>
+              <a:alphaOff val="0"/>
+            </a:schemeClr>
+          </a:effectRef>
+          <a:fontRef idx="minor">
+            <a:schemeClr val="lt1"/>
+          </a:fontRef>
+        </p:style>
+        <p:txBody>
+          <a:bodyPr spcFirstLastPara="0" vert="horz" wrap="square" lIns="127628" tIns="127628" rIns="127628" bIns="127628" numCol="1" spcCol="1270" anchor="ctr" anchorCtr="0">
+            <a:noAutofit/>
+          </a:bodyPr>
+          <a:lstStyle/>
+          <a:p>
+            <a:pPr marL="0" lvl="0" indent="0" algn="ctr" defTabSz="800100">
+              <a:lnSpc>
+                <a:spcPct val="90000"/>
+              </a:lnSpc>
+              <a:spcBef>
+                <a:spcPct val="0"/>
+              </a:spcBef>
+              <a:spcAft>
+                <a:spcPct val="35000"/>
+              </a:spcAft>
+              <a:buNone/>
+            </a:pPr>
+            <a:r>
+              <a:rPr lang="fr-FR" sz="1800" kern="1200" dirty="0"/>
+              <a:t>Evaluation bilatérale de la relation</a:t>
+            </a:r>
+          </a:p>
+        </p:txBody>
+      </p:sp>
+      <p:sp>
+        <p:nvSpPr>
+          <p:cNvPr id="12" name="Forme libre : forme 11">
+            <a:extLst>
+              <a:ext uri="{FF2B5EF4-FFF2-40B4-BE49-F238E27FC236}">
+                <a16:creationId xmlns:a16="http://schemas.microsoft.com/office/drawing/2014/main" id="{8502B8F8-4FD4-45CD-9D5C-279BAF5324C4}"/>
+              </a:ext>
+            </a:extLst>
+          </p:cNvPr>
+          <p:cNvSpPr/>
+          <p:nvPr/>
+        </p:nvSpPr>
+        <p:spPr>
+          <a:xfrm>
+            <a:off x="3507415" y="1315599"/>
+            <a:ext cx="4834895" cy="4834895"/>
+          </a:xfrm>
+          <a:custGeom>
+            <a:avLst/>
+            <a:gdLst/>
+            <a:ahLst/>
+            <a:cxnLst/>
+            <a:rect l="0" t="0" r="0" b="0"/>
+            <a:pathLst>
+              <a:path>
+                <a:moveTo>
+                  <a:pt x="404100" y="3755538"/>
+                </a:moveTo>
+                <a:arcTo wR="2417447" hR="2417447" stAng="8783496" swAng="2196869"/>
+              </a:path>
+            </a:pathLst>
+          </a:custGeom>
+          <a:noFill/>
+        </p:spPr>
+        <p:style>
+          <a:lnRef idx="1">
+            <a:schemeClr val="accent1">
+              <a:hueOff val="0"/>
+              <a:satOff val="0"/>
+              <a:lumOff val="0"/>
+              <a:alphaOff val="0"/>
+            </a:schemeClr>
+          </a:lnRef>
+          <a:fillRef idx="0">
+            <a:scrgbClr r="0" g="0" b="0"/>
+          </a:fillRef>
+          <a:effectRef idx="0">
+            <a:schemeClr val="accent1">
+              <a:hueOff val="0"/>
+              <a:satOff val="0"/>
+              <a:lumOff val="0"/>
+              <a:alphaOff val="0"/>
+            </a:schemeClr>
+          </a:effectRef>
+          <a:fontRef idx="minor">
+            <a:schemeClr val="tx1">
+              <a:hueOff val="0"/>
+              <a:satOff val="0"/>
+              <a:lumOff val="0"/>
+              <a:alphaOff val="0"/>
+            </a:schemeClr>
+          </a:fontRef>
+        </p:style>
+      </p:sp>
+      <p:sp>
+        <p:nvSpPr>
+          <p:cNvPr id="13" name="Forme libre : forme 12">
+            <a:extLst>
+              <a:ext uri="{FF2B5EF4-FFF2-40B4-BE49-F238E27FC236}">
+                <a16:creationId xmlns:a16="http://schemas.microsoft.com/office/drawing/2014/main" id="{BF24AADC-9652-4426-AEC8-25E2837C5E37}"/>
+              </a:ext>
+            </a:extLst>
+          </p:cNvPr>
+          <p:cNvSpPr/>
+          <p:nvPr/>
+        </p:nvSpPr>
+        <p:spPr>
+          <a:xfrm>
+            <a:off x="2695271" y="2381213"/>
+            <a:ext cx="1860924" cy="1209600"/>
+          </a:xfrm>
+          <a:custGeom>
+            <a:avLst/>
+            <a:gdLst>
+              <a:gd name="connsiteX0" fmla="*/ 0 w 1860924"/>
+              <a:gd name="connsiteY0" fmla="*/ 201604 h 1209600"/>
+              <a:gd name="connsiteX1" fmla="*/ 201604 w 1860924"/>
+              <a:gd name="connsiteY1" fmla="*/ 0 h 1209600"/>
+              <a:gd name="connsiteX2" fmla="*/ 1659320 w 1860924"/>
+              <a:gd name="connsiteY2" fmla="*/ 0 h 1209600"/>
+              <a:gd name="connsiteX3" fmla="*/ 1860924 w 1860924"/>
+              <a:gd name="connsiteY3" fmla="*/ 201604 h 1209600"/>
+              <a:gd name="connsiteX4" fmla="*/ 1860924 w 1860924"/>
+              <a:gd name="connsiteY4" fmla="*/ 1007996 h 1209600"/>
+              <a:gd name="connsiteX5" fmla="*/ 1659320 w 1860924"/>
+              <a:gd name="connsiteY5" fmla="*/ 1209600 h 1209600"/>
+              <a:gd name="connsiteX6" fmla="*/ 201604 w 1860924"/>
+              <a:gd name="connsiteY6" fmla="*/ 1209600 h 1209600"/>
+              <a:gd name="connsiteX7" fmla="*/ 0 w 1860924"/>
+              <a:gd name="connsiteY7" fmla="*/ 1007996 h 1209600"/>
+              <a:gd name="connsiteX8" fmla="*/ 0 w 1860924"/>
+              <a:gd name="connsiteY8" fmla="*/ 201604 h 1209600"/>
+            </a:gdLst>
+            <a:ahLst/>
+            <a:cxnLst>
+              <a:cxn ang="0">
+                <a:pos x="connsiteX0" y="connsiteY0"/>
+              </a:cxn>
+              <a:cxn ang="0">
+                <a:pos x="connsiteX1" y="connsiteY1"/>
+              </a:cxn>
+              <a:cxn ang="0">
+                <a:pos x="connsiteX2" y="connsiteY2"/>
+              </a:cxn>
+              <a:cxn ang="0">
+                <a:pos x="connsiteX3" y="connsiteY3"/>
+              </a:cxn>
+              <a:cxn ang="0">
+                <a:pos x="connsiteX4" y="connsiteY4"/>
+              </a:cxn>
+              <a:cxn ang="0">
+                <a:pos x="connsiteX5" y="connsiteY5"/>
+              </a:cxn>
+              <a:cxn ang="0">
+                <a:pos x="connsiteX6" y="connsiteY6"/>
+              </a:cxn>
+              <a:cxn ang="0">
+                <a:pos x="connsiteX7" y="connsiteY7"/>
+              </a:cxn>
+              <a:cxn ang="0">
+                <a:pos x="connsiteX8" y="connsiteY8"/>
+              </a:cxn>
+            </a:cxnLst>
+            <a:rect l="l" t="t" r="r" b="b"/>
+            <a:pathLst>
+              <a:path w="1860924" h="1209600">
+                <a:moveTo>
+                  <a:pt x="0" y="201604"/>
+                </a:moveTo>
+                <a:cubicBezTo>
+                  <a:pt x="0" y="90261"/>
+                  <a:pt x="90261" y="0"/>
+                  <a:pt x="201604" y="0"/>
+                </a:cubicBezTo>
+                <a:lnTo>
+                  <a:pt x="1659320" y="0"/>
+                </a:lnTo>
+                <a:cubicBezTo>
+                  <a:pt x="1770663" y="0"/>
+                  <a:pt x="1860924" y="90261"/>
+                  <a:pt x="1860924" y="201604"/>
+                </a:cubicBezTo>
+                <a:lnTo>
+                  <a:pt x="1860924" y="1007996"/>
+                </a:lnTo>
+                <a:cubicBezTo>
+                  <a:pt x="1860924" y="1119339"/>
+                  <a:pt x="1770663" y="1209600"/>
+                  <a:pt x="1659320" y="1209600"/>
+                </a:cubicBezTo>
+                <a:lnTo>
+                  <a:pt x="201604" y="1209600"/>
+                </a:lnTo>
+                <a:cubicBezTo>
+                  <a:pt x="90261" y="1209600"/>
+                  <a:pt x="0" y="1119339"/>
+                  <a:pt x="0" y="1007996"/>
+                </a:cubicBezTo>
+                <a:lnTo>
+                  <a:pt x="0" y="201604"/>
+                </a:lnTo>
+                <a:close/>
+              </a:path>
+            </a:pathLst>
+          </a:custGeom>
+        </p:spPr>
+        <p:style>
+          <a:lnRef idx="2">
+            <a:schemeClr val="lt1">
+              <a:hueOff val="0"/>
+              <a:satOff val="0"/>
+              <a:lumOff val="0"/>
+              <a:alphaOff val="0"/>
+            </a:schemeClr>
+          </a:lnRef>
+          <a:fillRef idx="1">
+            <a:schemeClr val="accent1">
+              <a:hueOff val="0"/>
+              <a:satOff val="0"/>
+              <a:lumOff val="0"/>
+              <a:alphaOff val="0"/>
+            </a:schemeClr>
+          </a:fillRef>
+          <a:effectRef idx="0">
+            <a:schemeClr val="accent1">
+              <a:hueOff val="0"/>
+              <a:satOff val="0"/>
+              <a:lumOff val="0"/>
+              <a:alphaOff val="0"/>
+            </a:schemeClr>
+          </a:effectRef>
+          <a:fontRef idx="minor">
+            <a:schemeClr val="lt1"/>
+          </a:fontRef>
+        </p:style>
+        <p:txBody>
+          <a:bodyPr spcFirstLastPara="0" vert="horz" wrap="square" lIns="127628" tIns="127628" rIns="127628" bIns="127628" numCol="1" spcCol="1270" anchor="ctr" anchorCtr="0">
+            <a:noAutofit/>
+          </a:bodyPr>
+          <a:lstStyle/>
+          <a:p>
+            <a:pPr marL="0" lvl="0" indent="0" algn="ctr" defTabSz="800100">
+              <a:lnSpc>
+                <a:spcPct val="90000"/>
+              </a:lnSpc>
+              <a:spcBef>
+                <a:spcPct val="0"/>
+              </a:spcBef>
+              <a:spcAft>
+                <a:spcPct val="35000"/>
+              </a:spcAft>
+              <a:buNone/>
+            </a:pPr>
+            <a:r>
+              <a:rPr lang="fr-FR" sz="1800" kern="1200" dirty="0"/>
+              <a:t>Responsabiliser les acteurs de la relation</a:t>
+            </a:r>
+          </a:p>
+        </p:txBody>
+      </p:sp>
+      <p:sp>
+        <p:nvSpPr>
+          <p:cNvPr id="14" name="Forme libre : forme 13">
+            <a:extLst>
+              <a:ext uri="{FF2B5EF4-FFF2-40B4-BE49-F238E27FC236}">
+                <a16:creationId xmlns:a16="http://schemas.microsoft.com/office/drawing/2014/main" id="{5BFDDBBE-28D5-431D-A725-6A53A9C17854}"/>
+              </a:ext>
+            </a:extLst>
+          </p:cNvPr>
+          <p:cNvSpPr/>
+          <p:nvPr/>
+        </p:nvSpPr>
+        <p:spPr>
+          <a:xfrm>
+            <a:off x="3507415" y="1315599"/>
+            <a:ext cx="4834895" cy="4834895"/>
+          </a:xfrm>
+          <a:custGeom>
+            <a:avLst/>
+            <a:gdLst/>
+            <a:ahLst/>
+            <a:cxnLst/>
+            <a:rect l="0" t="0" r="0" b="0"/>
+            <a:pathLst>
+              <a:path>
+                <a:moveTo>
+                  <a:pt x="421095" y="1054131"/>
+                </a:moveTo>
+                <a:arcTo wR="2417447" hR="2417447" stAng="12859759" swAng="1962274"/>
+              </a:path>
+            </a:pathLst>
+          </a:custGeom>
+          <a:noFill/>
+        </p:spPr>
+        <p:style>
+          <a:lnRef idx="1">
+            <a:schemeClr val="accent1">
+              <a:hueOff val="0"/>
+              <a:satOff val="0"/>
+              <a:lumOff val="0"/>
+              <a:alphaOff val="0"/>
+            </a:schemeClr>
+          </a:lnRef>
+          <a:fillRef idx="0">
+            <a:scrgbClr r="0" g="0" b="0"/>
+          </a:fillRef>
+          <a:effectRef idx="0">
+            <a:schemeClr val="accent1">
+              <a:hueOff val="0"/>
+              <a:satOff val="0"/>
+              <a:lumOff val="0"/>
+              <a:alphaOff val="0"/>
+            </a:schemeClr>
+          </a:effectRef>
+          <a:fontRef idx="minor">
+            <a:schemeClr val="tx1">
+              <a:hueOff val="0"/>
+              <a:satOff val="0"/>
+              <a:lumOff val="0"/>
+              <a:alphaOff val="0"/>
+            </a:schemeClr>
+          </a:fontRef>
+        </p:style>
+      </p:sp>
       <p:sp>
         <p:nvSpPr>
           <p:cNvPr id="6" name="ZoneTexte 5">
@@ -10056,6 +8204,314 @@
   <p:clrMapOvr>
     <a:masterClrMapping/>
   </p:clrMapOvr>
+  <p:timing>
+    <p:tnLst>
+      <p:par>
+        <p:cTn id="1" dur="indefinite" restart="never" nodeType="tmRoot">
+          <p:childTnLst>
+            <p:seq concurrent="1" nextAc="seek">
+              <p:cTn id="2" dur="indefinite" nodeType="mainSeq">
+                <p:childTnLst>
+                  <p:par>
+                    <p:cTn id="3" fill="hold">
+                      <p:stCondLst>
+                        <p:cond delay="indefinite"/>
+                      </p:stCondLst>
+                      <p:childTnLst>
+                        <p:par>
+                          <p:cTn id="4" fill="hold">
+                            <p:stCondLst>
+                              <p:cond delay="0"/>
+                            </p:stCondLst>
+                            <p:childTnLst>
+                              <p:par>
+                                <p:cTn id="5" presetID="1" presetClass="entr" presetSubtype="0" fill="hold" grpId="0" nodeType="clickEffect">
+                                  <p:stCondLst>
+                                    <p:cond delay="0"/>
+                                  </p:stCondLst>
+                                  <p:childTnLst>
+                                    <p:set>
+                                      <p:cBhvr>
+                                        <p:cTn id="6" dur="1" fill="hold">
+                                          <p:stCondLst>
+                                            <p:cond delay="0"/>
+                                          </p:stCondLst>
+                                        </p:cTn>
+                                        <p:tgtEl>
+                                          <p:spTgt spid="6"/>
+                                        </p:tgtEl>
+                                        <p:attrNameLst>
+                                          <p:attrName>style.visibility</p:attrName>
+                                        </p:attrNameLst>
+                                      </p:cBhvr>
+                                      <p:to>
+                                        <p:strVal val="visible"/>
+                                      </p:to>
+                                    </p:set>
+                                  </p:childTnLst>
+                                </p:cTn>
+                              </p:par>
+                            </p:childTnLst>
+                          </p:cTn>
+                        </p:par>
+                      </p:childTnLst>
+                    </p:cTn>
+                  </p:par>
+                  <p:par>
+                    <p:cTn id="7" fill="hold">
+                      <p:stCondLst>
+                        <p:cond delay="indefinite"/>
+                      </p:stCondLst>
+                      <p:childTnLst>
+                        <p:par>
+                          <p:cTn id="8" fill="hold">
+                            <p:stCondLst>
+                              <p:cond delay="0"/>
+                            </p:stCondLst>
+                            <p:childTnLst>
+                              <p:par>
+                                <p:cTn id="9" presetID="1" presetClass="entr" presetSubtype="0" fill="hold" grpId="0" nodeType="clickEffect">
+                                  <p:stCondLst>
+                                    <p:cond delay="0"/>
+                                  </p:stCondLst>
+                                  <p:childTnLst>
+                                    <p:set>
+                                      <p:cBhvr>
+                                        <p:cTn id="10" dur="1" fill="hold">
+                                          <p:stCondLst>
+                                            <p:cond delay="0"/>
+                                          </p:stCondLst>
+                                        </p:cTn>
+                                        <p:tgtEl>
+                                          <p:spTgt spid="3"/>
+                                        </p:tgtEl>
+                                        <p:attrNameLst>
+                                          <p:attrName>style.visibility</p:attrName>
+                                        </p:attrNameLst>
+                                      </p:cBhvr>
+                                      <p:to>
+                                        <p:strVal val="visible"/>
+                                      </p:to>
+                                    </p:set>
+                                  </p:childTnLst>
+                                </p:cTn>
+                              </p:par>
+                            </p:childTnLst>
+                          </p:cTn>
+                        </p:par>
+                      </p:childTnLst>
+                    </p:cTn>
+                  </p:par>
+                  <p:par>
+                    <p:cTn id="11" fill="hold">
+                      <p:stCondLst>
+                        <p:cond delay="indefinite"/>
+                      </p:stCondLst>
+                      <p:childTnLst>
+                        <p:par>
+                          <p:cTn id="12" fill="hold">
+                            <p:stCondLst>
+                              <p:cond delay="0"/>
+                            </p:stCondLst>
+                            <p:childTnLst>
+                              <p:par>
+                                <p:cTn id="13" presetID="1" presetClass="entr" presetSubtype="0" fill="hold" grpId="0" nodeType="clickEffect">
+                                  <p:stCondLst>
+                                    <p:cond delay="0"/>
+                                  </p:stCondLst>
+                                  <p:childTnLst>
+                                    <p:set>
+                                      <p:cBhvr>
+                                        <p:cTn id="14" dur="1" fill="hold">
+                                          <p:stCondLst>
+                                            <p:cond delay="0"/>
+                                          </p:stCondLst>
+                                        </p:cTn>
+                                        <p:tgtEl>
+                                          <p:spTgt spid="7"/>
+                                        </p:tgtEl>
+                                        <p:attrNameLst>
+                                          <p:attrName>style.visibility</p:attrName>
+                                        </p:attrNameLst>
+                                      </p:cBhvr>
+                                      <p:to>
+                                        <p:strVal val="visible"/>
+                                      </p:to>
+                                    </p:set>
+                                  </p:childTnLst>
+                                </p:cTn>
+                              </p:par>
+                            </p:childTnLst>
+                          </p:cTn>
+                        </p:par>
+                      </p:childTnLst>
+                    </p:cTn>
+                  </p:par>
+                  <p:par>
+                    <p:cTn id="15" fill="hold">
+                      <p:stCondLst>
+                        <p:cond delay="indefinite"/>
+                      </p:stCondLst>
+                      <p:childTnLst>
+                        <p:par>
+                          <p:cTn id="16" fill="hold">
+                            <p:stCondLst>
+                              <p:cond delay="0"/>
+                            </p:stCondLst>
+                            <p:childTnLst>
+                              <p:par>
+                                <p:cTn id="17" presetID="1" presetClass="entr" presetSubtype="0" fill="hold" grpId="0" nodeType="clickEffect">
+                                  <p:stCondLst>
+                                    <p:cond delay="0"/>
+                                  </p:stCondLst>
+                                  <p:childTnLst>
+                                    <p:set>
+                                      <p:cBhvr>
+                                        <p:cTn id="18" dur="1" fill="hold">
+                                          <p:stCondLst>
+                                            <p:cond delay="0"/>
+                                          </p:stCondLst>
+                                        </p:cTn>
+                                        <p:tgtEl>
+                                          <p:spTgt spid="9"/>
+                                        </p:tgtEl>
+                                        <p:attrNameLst>
+                                          <p:attrName>style.visibility</p:attrName>
+                                        </p:attrNameLst>
+                                      </p:cBhvr>
+                                      <p:to>
+                                        <p:strVal val="visible"/>
+                                      </p:to>
+                                    </p:set>
+                                  </p:childTnLst>
+                                </p:cTn>
+                              </p:par>
+                            </p:childTnLst>
+                          </p:cTn>
+                        </p:par>
+                      </p:childTnLst>
+                    </p:cTn>
+                  </p:par>
+                  <p:par>
+                    <p:cTn id="19" fill="hold">
+                      <p:stCondLst>
+                        <p:cond delay="indefinite"/>
+                      </p:stCondLst>
+                      <p:childTnLst>
+                        <p:par>
+                          <p:cTn id="20" fill="hold">
+                            <p:stCondLst>
+                              <p:cond delay="0"/>
+                            </p:stCondLst>
+                            <p:childTnLst>
+                              <p:par>
+                                <p:cTn id="21" presetID="1" presetClass="entr" presetSubtype="0" fill="hold" grpId="0" nodeType="clickEffect">
+                                  <p:stCondLst>
+                                    <p:cond delay="0"/>
+                                  </p:stCondLst>
+                                  <p:childTnLst>
+                                    <p:set>
+                                      <p:cBhvr>
+                                        <p:cTn id="22" dur="1" fill="hold">
+                                          <p:stCondLst>
+                                            <p:cond delay="0"/>
+                                          </p:stCondLst>
+                                        </p:cTn>
+                                        <p:tgtEl>
+                                          <p:spTgt spid="11"/>
+                                        </p:tgtEl>
+                                        <p:attrNameLst>
+                                          <p:attrName>style.visibility</p:attrName>
+                                        </p:attrNameLst>
+                                      </p:cBhvr>
+                                      <p:to>
+                                        <p:strVal val="visible"/>
+                                      </p:to>
+                                    </p:set>
+                                  </p:childTnLst>
+                                </p:cTn>
+                              </p:par>
+                            </p:childTnLst>
+                          </p:cTn>
+                        </p:par>
+                      </p:childTnLst>
+                    </p:cTn>
+                  </p:par>
+                  <p:par>
+                    <p:cTn id="23" fill="hold">
+                      <p:stCondLst>
+                        <p:cond delay="indefinite"/>
+                      </p:stCondLst>
+                      <p:childTnLst>
+                        <p:par>
+                          <p:cTn id="24" fill="hold">
+                            <p:stCondLst>
+                              <p:cond delay="0"/>
+                            </p:stCondLst>
+                            <p:childTnLst>
+                              <p:par>
+                                <p:cTn id="25" presetID="1" presetClass="entr" presetSubtype="0" fill="hold" grpId="0" nodeType="clickEffect">
+                                  <p:stCondLst>
+                                    <p:cond delay="0"/>
+                                  </p:stCondLst>
+                                  <p:childTnLst>
+                                    <p:set>
+                                      <p:cBhvr>
+                                        <p:cTn id="26" dur="1" fill="hold">
+                                          <p:stCondLst>
+                                            <p:cond delay="0"/>
+                                          </p:stCondLst>
+                                        </p:cTn>
+                                        <p:tgtEl>
+                                          <p:spTgt spid="13"/>
+                                        </p:tgtEl>
+                                        <p:attrNameLst>
+                                          <p:attrName>style.visibility</p:attrName>
+                                        </p:attrNameLst>
+                                      </p:cBhvr>
+                                      <p:to>
+                                        <p:strVal val="visible"/>
+                                      </p:to>
+                                    </p:set>
+                                  </p:childTnLst>
+                                </p:cTn>
+                              </p:par>
+                            </p:childTnLst>
+                          </p:cTn>
+                        </p:par>
+                      </p:childTnLst>
+                    </p:cTn>
+                  </p:par>
+                </p:childTnLst>
+              </p:cTn>
+              <p:prevCondLst>
+                <p:cond evt="onPrev" delay="0">
+                  <p:tgtEl>
+                    <p:sldTgt/>
+                  </p:tgtEl>
+                </p:cond>
+              </p:prevCondLst>
+              <p:nextCondLst>
+                <p:cond evt="onNext" delay="0">
+                  <p:tgtEl>
+                    <p:sldTgt/>
+                  </p:tgtEl>
+                </p:cond>
+              </p:nextCondLst>
+            </p:seq>
+          </p:childTnLst>
+        </p:cTn>
+      </p:par>
+    </p:tnLst>
+    <p:bldLst>
+      <p:bldP spid="3" grpId="0" animBg="1"/>
+      <p:bldP spid="7" grpId="0" animBg="1"/>
+      <p:bldP spid="9" grpId="0" animBg="1"/>
+      <p:bldP spid="11" grpId="0" animBg="1"/>
+      <p:bldP spid="13" grpId="0" animBg="1"/>
+      <p:bldP spid="6" grpId="0"/>
+    </p:bldLst>
+  </p:timing>
 </p:sld>
 </file>
 
@@ -10333,6 +8789,281 @@
   <p:clrMapOvr>
     <a:masterClrMapping/>
   </p:clrMapOvr>
+  <p:timing>
+    <p:tnLst>
+      <p:par>
+        <p:cTn id="1" dur="indefinite" restart="never" nodeType="tmRoot">
+          <p:childTnLst>
+            <p:seq concurrent="1" nextAc="seek">
+              <p:cTn id="2" dur="indefinite" nodeType="mainSeq">
+                <p:childTnLst>
+                  <p:par>
+                    <p:cTn id="3" fill="hold">
+                      <p:stCondLst>
+                        <p:cond delay="indefinite"/>
+                      </p:stCondLst>
+                      <p:childTnLst>
+                        <p:par>
+                          <p:cTn id="4" fill="hold">
+                            <p:stCondLst>
+                              <p:cond delay="0"/>
+                            </p:stCondLst>
+                            <p:childTnLst>
+                              <p:par>
+                                <p:cTn id="5" presetID="1" presetClass="entr" presetSubtype="0" fill="hold" nodeType="clickEffect">
+                                  <p:stCondLst>
+                                    <p:cond delay="0"/>
+                                  </p:stCondLst>
+                                  <p:childTnLst>
+                                    <p:set>
+                                      <p:cBhvr>
+                                        <p:cTn id="6" dur="1" fill="hold">
+                                          <p:stCondLst>
+                                            <p:cond delay="0"/>
+                                          </p:stCondLst>
+                                        </p:cTn>
+                                        <p:tgtEl>
+                                          <p:spTgt spid="7">
+                                            <p:txEl>
+                                              <p:pRg st="0" end="0"/>
+                                            </p:txEl>
+                                          </p:spTgt>
+                                        </p:tgtEl>
+                                        <p:attrNameLst>
+                                          <p:attrName>style.visibility</p:attrName>
+                                        </p:attrNameLst>
+                                      </p:cBhvr>
+                                      <p:to>
+                                        <p:strVal val="visible"/>
+                                      </p:to>
+                                    </p:set>
+                                  </p:childTnLst>
+                                </p:cTn>
+                              </p:par>
+                            </p:childTnLst>
+                          </p:cTn>
+                        </p:par>
+                      </p:childTnLst>
+                    </p:cTn>
+                  </p:par>
+                  <p:par>
+                    <p:cTn id="7" fill="hold">
+                      <p:stCondLst>
+                        <p:cond delay="indefinite"/>
+                      </p:stCondLst>
+                      <p:childTnLst>
+                        <p:par>
+                          <p:cTn id="8" fill="hold">
+                            <p:stCondLst>
+                              <p:cond delay="0"/>
+                            </p:stCondLst>
+                            <p:childTnLst>
+                              <p:par>
+                                <p:cTn id="9" presetID="1" presetClass="entr" presetSubtype="0" fill="hold" nodeType="clickEffect">
+                                  <p:stCondLst>
+                                    <p:cond delay="0"/>
+                                  </p:stCondLst>
+                                  <p:childTnLst>
+                                    <p:set>
+                                      <p:cBhvr>
+                                        <p:cTn id="10" dur="1" fill="hold">
+                                          <p:stCondLst>
+                                            <p:cond delay="0"/>
+                                          </p:stCondLst>
+                                        </p:cTn>
+                                        <p:tgtEl>
+                                          <p:spTgt spid="7">
+                                            <p:txEl>
+                                              <p:pRg st="2" end="2"/>
+                                            </p:txEl>
+                                          </p:spTgt>
+                                        </p:tgtEl>
+                                        <p:attrNameLst>
+                                          <p:attrName>style.visibility</p:attrName>
+                                        </p:attrNameLst>
+                                      </p:cBhvr>
+                                      <p:to>
+                                        <p:strVal val="visible"/>
+                                      </p:to>
+                                    </p:set>
+                                  </p:childTnLst>
+                                </p:cTn>
+                              </p:par>
+                            </p:childTnLst>
+                          </p:cTn>
+                        </p:par>
+                      </p:childTnLst>
+                    </p:cTn>
+                  </p:par>
+                  <p:par>
+                    <p:cTn id="11" fill="hold">
+                      <p:stCondLst>
+                        <p:cond delay="indefinite"/>
+                      </p:stCondLst>
+                      <p:childTnLst>
+                        <p:par>
+                          <p:cTn id="12" fill="hold">
+                            <p:stCondLst>
+                              <p:cond delay="0"/>
+                            </p:stCondLst>
+                            <p:childTnLst>
+                              <p:par>
+                                <p:cTn id="13" presetID="1" presetClass="entr" presetSubtype="0" fill="hold" nodeType="clickEffect">
+                                  <p:stCondLst>
+                                    <p:cond delay="0"/>
+                                  </p:stCondLst>
+                                  <p:childTnLst>
+                                    <p:set>
+                                      <p:cBhvr>
+                                        <p:cTn id="14" dur="1" fill="hold">
+                                          <p:stCondLst>
+                                            <p:cond delay="0"/>
+                                          </p:stCondLst>
+                                        </p:cTn>
+                                        <p:tgtEl>
+                                          <p:spTgt spid="7">
+                                            <p:txEl>
+                                              <p:pRg st="3" end="3"/>
+                                            </p:txEl>
+                                          </p:spTgt>
+                                        </p:tgtEl>
+                                        <p:attrNameLst>
+                                          <p:attrName>style.visibility</p:attrName>
+                                        </p:attrNameLst>
+                                      </p:cBhvr>
+                                      <p:to>
+                                        <p:strVal val="visible"/>
+                                      </p:to>
+                                    </p:set>
+                                  </p:childTnLst>
+                                </p:cTn>
+                              </p:par>
+                            </p:childTnLst>
+                          </p:cTn>
+                        </p:par>
+                      </p:childTnLst>
+                    </p:cTn>
+                  </p:par>
+                  <p:par>
+                    <p:cTn id="15" fill="hold">
+                      <p:stCondLst>
+                        <p:cond delay="indefinite"/>
+                      </p:stCondLst>
+                      <p:childTnLst>
+                        <p:par>
+                          <p:cTn id="16" fill="hold">
+                            <p:stCondLst>
+                              <p:cond delay="0"/>
+                            </p:stCondLst>
+                            <p:childTnLst>
+                              <p:par>
+                                <p:cTn id="17" presetID="1" presetClass="entr" presetSubtype="0" fill="hold" nodeType="clickEffect">
+                                  <p:stCondLst>
+                                    <p:cond delay="0"/>
+                                  </p:stCondLst>
+                                  <p:childTnLst>
+                                    <p:set>
+                                      <p:cBhvr>
+                                        <p:cTn id="18" dur="1" fill="hold">
+                                          <p:stCondLst>
+                                            <p:cond delay="0"/>
+                                          </p:stCondLst>
+                                        </p:cTn>
+                                        <p:tgtEl>
+                                          <p:spTgt spid="8">
+                                            <p:txEl>
+                                              <p:pRg st="0" end="0"/>
+                                            </p:txEl>
+                                          </p:spTgt>
+                                        </p:tgtEl>
+                                        <p:attrNameLst>
+                                          <p:attrName>style.visibility</p:attrName>
+                                        </p:attrNameLst>
+                                      </p:cBhvr>
+                                      <p:to>
+                                        <p:strVal val="visible"/>
+                                      </p:to>
+                                    </p:set>
+                                  </p:childTnLst>
+                                </p:cTn>
+                              </p:par>
+                            </p:childTnLst>
+                          </p:cTn>
+                        </p:par>
+                      </p:childTnLst>
+                    </p:cTn>
+                  </p:par>
+                  <p:par>
+                    <p:cTn id="19" fill="hold">
+                      <p:stCondLst>
+                        <p:cond delay="indefinite"/>
+                      </p:stCondLst>
+                      <p:childTnLst>
+                        <p:par>
+                          <p:cTn id="20" fill="hold">
+                            <p:stCondLst>
+                              <p:cond delay="0"/>
+                            </p:stCondLst>
+                            <p:childTnLst>
+                              <p:par>
+                                <p:cTn id="21" presetID="1" presetClass="entr" presetSubtype="0" fill="hold" nodeType="clickEffect">
+                                  <p:stCondLst>
+                                    <p:cond delay="0"/>
+                                  </p:stCondLst>
+                                  <p:childTnLst>
+                                    <p:set>
+                                      <p:cBhvr>
+                                        <p:cTn id="22" dur="1" fill="hold">
+                                          <p:stCondLst>
+                                            <p:cond delay="0"/>
+                                          </p:stCondLst>
+                                        </p:cTn>
+                                        <p:tgtEl>
+                                          <p:spTgt spid="8">
+                                            <p:txEl>
+                                              <p:pRg st="2" end="2"/>
+                                            </p:txEl>
+                                          </p:spTgt>
+                                        </p:tgtEl>
+                                        <p:attrNameLst>
+                                          <p:attrName>style.visibility</p:attrName>
+                                        </p:attrNameLst>
+                                      </p:cBhvr>
+                                      <p:to>
+                                        <p:strVal val="visible"/>
+                                      </p:to>
+                                    </p:set>
+                                  </p:childTnLst>
+                                </p:cTn>
+                              </p:par>
+                            </p:childTnLst>
+                          </p:cTn>
+                        </p:par>
+                      </p:childTnLst>
+                    </p:cTn>
+                  </p:par>
+                </p:childTnLst>
+              </p:cTn>
+              <p:prevCondLst>
+                <p:cond evt="onPrev" delay="0">
+                  <p:tgtEl>
+                    <p:sldTgt/>
+                  </p:tgtEl>
+                </p:cond>
+              </p:prevCondLst>
+              <p:nextCondLst>
+                <p:cond evt="onNext" delay="0">
+                  <p:tgtEl>
+                    <p:sldTgt/>
+                  </p:tgtEl>
+                </p:cond>
+              </p:nextCondLst>
+            </p:seq>
+          </p:childTnLst>
+        </p:cTn>
+      </p:par>
+    </p:tnLst>
+  </p:timing>
 </p:sld>
 </file>
 
@@ -10610,6 +9341,202 @@
                                         </p:cTn>
                                         <p:tgtEl>
                                           <p:spTgt spid="9"/>
+                                        </p:tgtEl>
+                                        <p:attrNameLst>
+                                          <p:attrName>style.visibility</p:attrName>
+                                        </p:attrNameLst>
+                                      </p:cBhvr>
+                                      <p:to>
+                                        <p:strVal val="visible"/>
+                                      </p:to>
+                                    </p:set>
+                                  </p:childTnLst>
+                                </p:cTn>
+                              </p:par>
+                            </p:childTnLst>
+                          </p:cTn>
+                        </p:par>
+                      </p:childTnLst>
+                    </p:cTn>
+                  </p:par>
+                  <p:par>
+                    <p:cTn id="7" fill="hold">
+                      <p:stCondLst>
+                        <p:cond delay="indefinite"/>
+                      </p:stCondLst>
+                      <p:childTnLst>
+                        <p:par>
+                          <p:cTn id="8" fill="hold">
+                            <p:stCondLst>
+                              <p:cond delay="0"/>
+                            </p:stCondLst>
+                            <p:childTnLst>
+                              <p:par>
+                                <p:cTn id="9" presetID="1" presetClass="entr" presetSubtype="0" fill="hold" nodeType="clickEffect">
+                                  <p:stCondLst>
+                                    <p:cond delay="0"/>
+                                  </p:stCondLst>
+                                  <p:childTnLst>
+                                    <p:set>
+                                      <p:cBhvr>
+                                        <p:cTn id="10" dur="1" fill="hold">
+                                          <p:stCondLst>
+                                            <p:cond delay="0"/>
+                                          </p:stCondLst>
+                                        </p:cTn>
+                                        <p:tgtEl>
+                                          <p:spTgt spid="4">
+                                            <p:txEl>
+                                              <p:pRg st="0" end="0"/>
+                                            </p:txEl>
+                                          </p:spTgt>
+                                        </p:tgtEl>
+                                        <p:attrNameLst>
+                                          <p:attrName>style.visibility</p:attrName>
+                                        </p:attrNameLst>
+                                      </p:cBhvr>
+                                      <p:to>
+                                        <p:strVal val="visible"/>
+                                      </p:to>
+                                    </p:set>
+                                  </p:childTnLst>
+                                </p:cTn>
+                              </p:par>
+                            </p:childTnLst>
+                          </p:cTn>
+                        </p:par>
+                      </p:childTnLst>
+                    </p:cTn>
+                  </p:par>
+                  <p:par>
+                    <p:cTn id="11" fill="hold">
+                      <p:stCondLst>
+                        <p:cond delay="indefinite"/>
+                      </p:stCondLst>
+                      <p:childTnLst>
+                        <p:par>
+                          <p:cTn id="12" fill="hold">
+                            <p:stCondLst>
+                              <p:cond delay="0"/>
+                            </p:stCondLst>
+                            <p:childTnLst>
+                              <p:par>
+                                <p:cTn id="13" presetID="1" presetClass="entr" presetSubtype="0" fill="hold" nodeType="clickEffect">
+                                  <p:stCondLst>
+                                    <p:cond delay="0"/>
+                                  </p:stCondLst>
+                                  <p:childTnLst>
+                                    <p:set>
+                                      <p:cBhvr>
+                                        <p:cTn id="14" dur="1" fill="hold">
+                                          <p:stCondLst>
+                                            <p:cond delay="0"/>
+                                          </p:stCondLst>
+                                        </p:cTn>
+                                        <p:tgtEl>
+                                          <p:spTgt spid="4">
+                                            <p:txEl>
+                                              <p:pRg st="2" end="2"/>
+                                            </p:txEl>
+                                          </p:spTgt>
+                                        </p:tgtEl>
+                                        <p:attrNameLst>
+                                          <p:attrName>style.visibility</p:attrName>
+                                        </p:attrNameLst>
+                                      </p:cBhvr>
+                                      <p:to>
+                                        <p:strVal val="visible"/>
+                                      </p:to>
+                                    </p:set>
+                                  </p:childTnLst>
+                                </p:cTn>
+                              </p:par>
+                            </p:childTnLst>
+                          </p:cTn>
+                        </p:par>
+                      </p:childTnLst>
+                    </p:cTn>
+                  </p:par>
+                  <p:par>
+                    <p:cTn id="15" fill="hold">
+                      <p:stCondLst>
+                        <p:cond delay="indefinite"/>
+                      </p:stCondLst>
+                      <p:childTnLst>
+                        <p:par>
+                          <p:cTn id="16" fill="hold">
+                            <p:stCondLst>
+                              <p:cond delay="0"/>
+                            </p:stCondLst>
+                            <p:childTnLst>
+                              <p:par>
+                                <p:cTn id="17" presetID="1" presetClass="entr" presetSubtype="0" fill="hold" nodeType="clickEffect">
+                                  <p:stCondLst>
+                                    <p:cond delay="0"/>
+                                  </p:stCondLst>
+                                  <p:childTnLst>
+                                    <p:set>
+                                      <p:cBhvr>
+                                        <p:cTn id="18" dur="1" fill="hold">
+                                          <p:stCondLst>
+                                            <p:cond delay="0"/>
+                                          </p:stCondLst>
+                                        </p:cTn>
+                                        <p:tgtEl>
+                                          <p:spTgt spid="4">
+                                            <p:txEl>
+                                              <p:pRg st="3" end="3"/>
+                                            </p:txEl>
+                                          </p:spTgt>
+                                        </p:tgtEl>
+                                        <p:attrNameLst>
+                                          <p:attrName>style.visibility</p:attrName>
+                                        </p:attrNameLst>
+                                      </p:cBhvr>
+                                      <p:to>
+                                        <p:strVal val="visible"/>
+                                      </p:to>
+                                    </p:set>
+                                  </p:childTnLst>
+                                </p:cTn>
+                              </p:par>
+                            </p:childTnLst>
+                          </p:cTn>
+                        </p:par>
+                      </p:childTnLst>
+                    </p:cTn>
+                  </p:par>
+                  <p:par>
+                    <p:cTn id="19" fill="hold">
+                      <p:stCondLst>
+                        <p:cond delay="indefinite"/>
+                      </p:stCondLst>
+                      <p:childTnLst>
+                        <p:par>
+                          <p:cTn id="20" fill="hold">
+                            <p:stCondLst>
+                              <p:cond delay="0"/>
+                            </p:stCondLst>
+                            <p:childTnLst>
+                              <p:par>
+                                <p:cTn id="21" presetID="1" presetClass="entr" presetSubtype="0" fill="hold" nodeType="clickEffect">
+                                  <p:stCondLst>
+                                    <p:cond delay="0"/>
+                                  </p:stCondLst>
+                                  <p:childTnLst>
+                                    <p:set>
+                                      <p:cBhvr>
+                                        <p:cTn id="22" dur="1" fill="hold">
+                                          <p:stCondLst>
+                                            <p:cond delay="0"/>
+                                          </p:stCondLst>
+                                        </p:cTn>
+                                        <p:tgtEl>
+                                          <p:spTgt spid="4">
+                                            <p:txEl>
+                                              <p:pRg st="4" end="4"/>
+                                            </p:txEl>
+                                          </p:spTgt>
                                         </p:tgtEl>
                                         <p:attrNameLst>
                                           <p:attrName>style.visibility</p:attrName>
